--- a/aula16/Aula16.pptx
+++ b/aula16/Aula16.pptx
@@ -1,32 +1,545 @@
 
 <file path=ppt/presentation.xml><?xml version="1.0" encoding="utf-8"?>
-<p:presentation xmlns:a="http://schemas.openxmlformats.org/drawingml/2006/main" xmlns:p="http://schemas.openxmlformats.org/presentationml/2006/main" xmlns:r="http://schemas.openxmlformats.org/officeDocument/2006/relationships" xmlns:p14="http://schemas.microsoft.com/office/powerpoint/2010/main" xmlns:p15="http://schemas.microsoft.com/office/powerpoint/2012/main" xmlns:mc="http://schemas.openxmlformats.org/markup-compatibility/2006">
+<p:presentation xmlns:a="http://schemas.openxmlformats.org/drawingml/2006/main" xmlns:r="http://schemas.openxmlformats.org/officeDocument/2006/relationships" xmlns:p="http://schemas.openxmlformats.org/presentationml/2006/main">
   <p:sldMasterIdLst>
-    <p:sldMasterId id="2147483648" r:id="rId2"/>
-    <p:sldMasterId id="2147483661" r:id="rId3"/>
+    <p:sldMasterId id="2147483648" r:id="rId1"/>
+    <p:sldMasterId id="2147483661" r:id="rId2"/>
   </p:sldMasterIdLst>
   <p:notesMasterIdLst>
-    <p:notesMasterId r:id="rId4"/>
+    <p:notesMasterId r:id="rId14"/>
   </p:notesMasterIdLst>
   <p:sldIdLst>
-    <p:sldId id="256" r:id="rId5"/>
-    <p:sldId id="257" r:id="rId6"/>
-    <p:sldId id="258" r:id="rId7"/>
-    <p:sldId id="259" r:id="rId8"/>
-    <p:sldId id="260" r:id="rId9"/>
-    <p:sldId id="261" r:id="rId10"/>
-    <p:sldId id="262" r:id="rId11"/>
-    <p:sldId id="263" r:id="rId12"/>
-    <p:sldId id="264" r:id="rId13"/>
-    <p:sldId id="265" r:id="rId14"/>
+    <p:sldId id="256" r:id="rId3"/>
+    <p:sldId id="259" r:id="rId4"/>
+    <p:sldId id="257" r:id="rId5"/>
+    <p:sldId id="258" r:id="rId6"/>
+    <p:sldId id="266" r:id="rId7"/>
+    <p:sldId id="260" r:id="rId8"/>
+    <p:sldId id="261" r:id="rId9"/>
+    <p:sldId id="262" r:id="rId10"/>
+    <p:sldId id="263" r:id="rId11"/>
+    <p:sldId id="264" r:id="rId12"/>
+    <p:sldId id="265" r:id="rId13"/>
   </p:sldIdLst>
-  <p:sldSz cx="9144000" cy="5143500"/>
+  <p:sldSz cx="9144000" cy="5143500" type="screen16x9"/>
   <p:notesSz cx="7559675" cy="10691813"/>
+  <p:defaultTextStyle>
+    <a:defPPr>
+      <a:defRPr lang="pt-BR"/>
+    </a:defPPr>
+    <a:lvl1pPr marL="0" algn="l" defTabSz="914400" rtl="0" eaLnBrk="1" latinLnBrk="0" hangingPunct="1">
+      <a:defRPr sz="1800" kern="1200">
+        <a:solidFill>
+          <a:schemeClr val="tx1"/>
+        </a:solidFill>
+        <a:latin typeface="+mn-lt"/>
+        <a:ea typeface="+mn-ea"/>
+        <a:cs typeface="+mn-cs"/>
+      </a:defRPr>
+    </a:lvl1pPr>
+    <a:lvl2pPr marL="457200" algn="l" defTabSz="914400" rtl="0" eaLnBrk="1" latinLnBrk="0" hangingPunct="1">
+      <a:defRPr sz="1800" kern="1200">
+        <a:solidFill>
+          <a:schemeClr val="tx1"/>
+        </a:solidFill>
+        <a:latin typeface="+mn-lt"/>
+        <a:ea typeface="+mn-ea"/>
+        <a:cs typeface="+mn-cs"/>
+      </a:defRPr>
+    </a:lvl2pPr>
+    <a:lvl3pPr marL="914400" algn="l" defTabSz="914400" rtl="0" eaLnBrk="1" latinLnBrk="0" hangingPunct="1">
+      <a:defRPr sz="1800" kern="1200">
+        <a:solidFill>
+          <a:schemeClr val="tx1"/>
+        </a:solidFill>
+        <a:latin typeface="+mn-lt"/>
+        <a:ea typeface="+mn-ea"/>
+        <a:cs typeface="+mn-cs"/>
+      </a:defRPr>
+    </a:lvl3pPr>
+    <a:lvl4pPr marL="1371600" algn="l" defTabSz="914400" rtl="0" eaLnBrk="1" latinLnBrk="0" hangingPunct="1">
+      <a:defRPr sz="1800" kern="1200">
+        <a:solidFill>
+          <a:schemeClr val="tx1"/>
+        </a:solidFill>
+        <a:latin typeface="+mn-lt"/>
+        <a:ea typeface="+mn-ea"/>
+        <a:cs typeface="+mn-cs"/>
+      </a:defRPr>
+    </a:lvl4pPr>
+    <a:lvl5pPr marL="1828800" algn="l" defTabSz="914400" rtl="0" eaLnBrk="1" latinLnBrk="0" hangingPunct="1">
+      <a:defRPr sz="1800" kern="1200">
+        <a:solidFill>
+          <a:schemeClr val="tx1"/>
+        </a:solidFill>
+        <a:latin typeface="+mn-lt"/>
+        <a:ea typeface="+mn-ea"/>
+        <a:cs typeface="+mn-cs"/>
+      </a:defRPr>
+    </a:lvl5pPr>
+    <a:lvl6pPr marL="2286000" algn="l" defTabSz="914400" rtl="0" eaLnBrk="1" latinLnBrk="0" hangingPunct="1">
+      <a:defRPr sz="1800" kern="1200">
+        <a:solidFill>
+          <a:schemeClr val="tx1"/>
+        </a:solidFill>
+        <a:latin typeface="+mn-lt"/>
+        <a:ea typeface="+mn-ea"/>
+        <a:cs typeface="+mn-cs"/>
+      </a:defRPr>
+    </a:lvl6pPr>
+    <a:lvl7pPr marL="2743200" algn="l" defTabSz="914400" rtl="0" eaLnBrk="1" latinLnBrk="0" hangingPunct="1">
+      <a:defRPr sz="1800" kern="1200">
+        <a:solidFill>
+          <a:schemeClr val="tx1"/>
+        </a:solidFill>
+        <a:latin typeface="+mn-lt"/>
+        <a:ea typeface="+mn-ea"/>
+        <a:cs typeface="+mn-cs"/>
+      </a:defRPr>
+    </a:lvl7pPr>
+    <a:lvl8pPr marL="3200400" algn="l" defTabSz="914400" rtl="0" eaLnBrk="1" latinLnBrk="0" hangingPunct="1">
+      <a:defRPr sz="1800" kern="1200">
+        <a:solidFill>
+          <a:schemeClr val="tx1"/>
+        </a:solidFill>
+        <a:latin typeface="+mn-lt"/>
+        <a:ea typeface="+mn-ea"/>
+        <a:cs typeface="+mn-cs"/>
+      </a:defRPr>
+    </a:lvl8pPr>
+    <a:lvl9pPr marL="3657600" algn="l" defTabSz="914400" rtl="0" eaLnBrk="1" latinLnBrk="0" hangingPunct="1">
+      <a:defRPr sz="1800" kern="1200">
+        <a:solidFill>
+          <a:schemeClr val="tx1"/>
+        </a:solidFill>
+        <a:latin typeface="+mn-lt"/>
+        <a:ea typeface="+mn-ea"/>
+        <a:cs typeface="+mn-cs"/>
+      </a:defRPr>
+    </a:lvl9pPr>
+  </p:defaultTextStyle>
 </p:presentation>
 </file>
 
 <file path=ppt/notesMasters/notesMaster1.xml><?xml version="1.0" encoding="utf-8"?>
-<p:notesMaster xmlns:a="http://schemas.openxmlformats.org/drawingml/2006/main" xmlns:p="http://schemas.openxmlformats.org/presentationml/2006/main" xmlns:r="http://schemas.openxmlformats.org/officeDocument/2006/relationships" xmlns:p14="http://schemas.microsoft.com/office/powerpoint/2010/main" xmlns:p15="http://schemas.microsoft.com/office/powerpoint/2012/main" xmlns:mc="http://schemas.openxmlformats.org/markup-compatibility/2006">
+<p:notesMaster xmlns:a="http://schemas.openxmlformats.org/drawingml/2006/main" xmlns:r="http://schemas.openxmlformats.org/officeDocument/2006/relationships" xmlns:p="http://schemas.openxmlformats.org/presentationml/2006/main">
+  <p:cSld>
+    <p:bg>
+      <p:bgRef idx="1001">
+        <a:schemeClr val="bg1"/>
+      </p:bgRef>
+    </p:bg>
+    <p:spTree>
+      <p:nvGrpSpPr>
+        <p:cNvPr id="1" name=""/>
+        <p:cNvGrpSpPr/>
+        <p:nvPr/>
+      </p:nvGrpSpPr>
+      <p:grpSpPr>
+        <a:xfrm>
+          <a:off x="0" y="0"/>
+          <a:ext cx="0" cy="0"/>
+          <a:chOff x="0" y="0"/>
+          <a:chExt cx="0" cy="0"/>
+        </a:xfrm>
+      </p:grpSpPr>
+      <p:sp>
+        <p:nvSpPr>
+          <p:cNvPr id="80" name="PlaceHolder 1"/>
+          <p:cNvSpPr>
+            <a:spLocks noGrp="1" noRot="1" noChangeAspect="1"/>
+          </p:cNvSpPr>
+          <p:nvPr>
+            <p:ph type="sldImg"/>
+          </p:nvPr>
+        </p:nvSpPr>
+        <p:spPr>
+          <a:xfrm>
+            <a:off x="216000" y="812520"/>
+            <a:ext cx="7127280" cy="4008960"/>
+          </a:xfrm>
+          <a:prstGeom prst="rect">
+            <a:avLst/>
+          </a:prstGeom>
+          <a:noFill/>
+          <a:ln w="0">
+            <a:noFill/>
+          </a:ln>
+        </p:spPr>
+        <p:txBody>
+          <a:bodyPr lIns="0" tIns="0" rIns="0" bIns="0" anchor="ctr">
+            <a:noAutofit/>
+          </a:bodyPr>
+          <a:lstStyle/>
+          <a:p>
+            <a:r>
+              <a:rPr lang="pt-BR" sz="1800" b="0" strike="noStrike" spc="-1">
+                <a:solidFill>
+                  <a:srgbClr val="000000"/>
+                </a:solidFill>
+                <a:latin typeface="Arial"/>
+              </a:rPr>
+              <a:t>Click to move the slide</a:t>
+            </a:r>
+          </a:p>
+        </p:txBody>
+      </p:sp>
+      <p:sp>
+        <p:nvSpPr>
+          <p:cNvPr id="81" name="PlaceHolder 2"/>
+          <p:cNvSpPr>
+            <a:spLocks noGrp="1"/>
+          </p:cNvSpPr>
+          <p:nvPr>
+            <p:ph type="body"/>
+          </p:nvPr>
+        </p:nvSpPr>
+        <p:spPr>
+          <a:xfrm>
+            <a:off x="756000" y="5078520"/>
+            <a:ext cx="6047640" cy="4811040"/>
+          </a:xfrm>
+          <a:prstGeom prst="rect">
+            <a:avLst/>
+          </a:prstGeom>
+          <a:noFill/>
+          <a:ln w="0">
+            <a:noFill/>
+          </a:ln>
+        </p:spPr>
+        <p:txBody>
+          <a:bodyPr lIns="0" tIns="0" rIns="0" bIns="0" anchor="t">
+            <a:noAutofit/>
+          </a:bodyPr>
+          <a:lstStyle/>
+          <a:p>
+            <a:pPr marL="216000" indent="0">
+              <a:buNone/>
+            </a:pPr>
+            <a:r>
+              <a:rPr lang="pt-BR" sz="2000" b="0" strike="noStrike" spc="-1">
+                <a:solidFill>
+                  <a:srgbClr val="000000"/>
+                </a:solidFill>
+                <a:latin typeface="Arial"/>
+              </a:rPr>
+              <a:t>Click to edit the notes format</a:t>
+            </a:r>
+          </a:p>
+        </p:txBody>
+      </p:sp>
+      <p:sp>
+        <p:nvSpPr>
+          <p:cNvPr id="82" name="PlaceHolder 3"/>
+          <p:cNvSpPr>
+            <a:spLocks noGrp="1"/>
+          </p:cNvSpPr>
+          <p:nvPr>
+            <p:ph type="hdr"/>
+          </p:nvPr>
+        </p:nvSpPr>
+        <p:spPr>
+          <a:xfrm>
+            <a:off x="0" y="0"/>
+            <a:ext cx="3280680" cy="534240"/>
+          </a:xfrm>
+          <a:prstGeom prst="rect">
+            <a:avLst/>
+          </a:prstGeom>
+          <a:noFill/>
+          <a:ln w="0">
+            <a:noFill/>
+          </a:ln>
+        </p:spPr>
+        <p:txBody>
+          <a:bodyPr lIns="0" tIns="0" rIns="0" bIns="0" anchor="t">
+            <a:noAutofit/>
+          </a:bodyPr>
+          <a:lstStyle/>
+          <a:p>
+            <a:pPr indent="0">
+              <a:buNone/>
+            </a:pPr>
+            <a:r>
+              <a:rPr lang="pt-BR" sz="1400" b="0" strike="noStrike" spc="-1">
+                <a:solidFill>
+                  <a:srgbClr val="000000"/>
+                </a:solidFill>
+                <a:latin typeface="Times New Roman"/>
+              </a:rPr>
+              <a:t>&lt;header&gt;</a:t>
+            </a:r>
+          </a:p>
+        </p:txBody>
+      </p:sp>
+      <p:sp>
+        <p:nvSpPr>
+          <p:cNvPr id="83" name="PlaceHolder 4"/>
+          <p:cNvSpPr>
+            <a:spLocks noGrp="1"/>
+          </p:cNvSpPr>
+          <p:nvPr>
+            <p:ph type="dt" idx="4"/>
+          </p:nvPr>
+        </p:nvSpPr>
+        <p:spPr>
+          <a:xfrm>
+            <a:off x="4278960" y="0"/>
+            <a:ext cx="3280680" cy="534240"/>
+          </a:xfrm>
+          <a:prstGeom prst="rect">
+            <a:avLst/>
+          </a:prstGeom>
+          <a:noFill/>
+          <a:ln w="0">
+            <a:noFill/>
+          </a:ln>
+        </p:spPr>
+        <p:txBody>
+          <a:bodyPr lIns="0" tIns="0" rIns="0" bIns="0" anchor="t">
+            <a:noAutofit/>
+          </a:bodyPr>
+          <a:lstStyle>
+            <a:lvl1pPr indent="0" algn="r">
+              <a:buNone/>
+              <a:defRPr lang="pt-BR" sz="1400" b="0" strike="noStrike" spc="-1">
+                <a:solidFill>
+                  <a:srgbClr val="000000"/>
+                </a:solidFill>
+                <a:latin typeface="Times New Roman"/>
+              </a:defRPr>
+            </a:lvl1pPr>
+          </a:lstStyle>
+          <a:p>
+            <a:pPr indent="0" algn="r">
+              <a:buNone/>
+            </a:pPr>
+            <a:r>
+              <a:rPr lang="pt-BR" sz="1400" b="0" strike="noStrike" spc="-1">
+                <a:solidFill>
+                  <a:srgbClr val="000000"/>
+                </a:solidFill>
+                <a:latin typeface="Times New Roman"/>
+              </a:rPr>
+              <a:t>&lt;date/time&gt;</a:t>
+            </a:r>
+          </a:p>
+        </p:txBody>
+      </p:sp>
+      <p:sp>
+        <p:nvSpPr>
+          <p:cNvPr id="84" name="PlaceHolder 5"/>
+          <p:cNvSpPr>
+            <a:spLocks noGrp="1"/>
+          </p:cNvSpPr>
+          <p:nvPr>
+            <p:ph type="ftr" idx="5"/>
+          </p:nvPr>
+        </p:nvSpPr>
+        <p:spPr>
+          <a:xfrm>
+            <a:off x="0" y="10157400"/>
+            <a:ext cx="3280680" cy="534240"/>
+          </a:xfrm>
+          <a:prstGeom prst="rect">
+            <a:avLst/>
+          </a:prstGeom>
+          <a:noFill/>
+          <a:ln w="0">
+            <a:noFill/>
+          </a:ln>
+        </p:spPr>
+        <p:txBody>
+          <a:bodyPr lIns="0" tIns="0" rIns="0" bIns="0" anchor="b">
+            <a:noAutofit/>
+          </a:bodyPr>
+          <a:lstStyle>
+            <a:lvl1pPr indent="0">
+              <a:buNone/>
+              <a:defRPr lang="pt-BR" sz="1400" b="0" strike="noStrike" spc="-1">
+                <a:solidFill>
+                  <a:srgbClr val="000000"/>
+                </a:solidFill>
+                <a:latin typeface="Times New Roman"/>
+              </a:defRPr>
+            </a:lvl1pPr>
+          </a:lstStyle>
+          <a:p>
+            <a:pPr indent="0">
+              <a:buNone/>
+            </a:pPr>
+            <a:r>
+              <a:rPr lang="pt-BR" sz="1400" b="0" strike="noStrike" spc="-1">
+                <a:solidFill>
+                  <a:srgbClr val="000000"/>
+                </a:solidFill>
+                <a:latin typeface="Times New Roman"/>
+              </a:rPr>
+              <a:t>&lt;footer&gt;</a:t>
+            </a:r>
+          </a:p>
+        </p:txBody>
+      </p:sp>
+      <p:sp>
+        <p:nvSpPr>
+          <p:cNvPr id="85" name="PlaceHolder 6"/>
+          <p:cNvSpPr>
+            <a:spLocks noGrp="1"/>
+          </p:cNvSpPr>
+          <p:nvPr>
+            <p:ph type="sldNum" idx="6"/>
+          </p:nvPr>
+        </p:nvSpPr>
+        <p:spPr>
+          <a:xfrm>
+            <a:off x="4278960" y="10157400"/>
+            <a:ext cx="3280680" cy="534240"/>
+          </a:xfrm>
+          <a:prstGeom prst="rect">
+            <a:avLst/>
+          </a:prstGeom>
+          <a:noFill/>
+          <a:ln w="0">
+            <a:noFill/>
+          </a:ln>
+        </p:spPr>
+        <p:txBody>
+          <a:bodyPr lIns="0" tIns="0" rIns="0" bIns="0" anchor="b">
+            <a:noAutofit/>
+          </a:bodyPr>
+          <a:lstStyle>
+            <a:lvl1pPr indent="0" algn="r">
+              <a:buNone/>
+              <a:defRPr lang="pt-BR" sz="1400" b="0" strike="noStrike" spc="-1">
+                <a:solidFill>
+                  <a:srgbClr val="000000"/>
+                </a:solidFill>
+                <a:latin typeface="Times New Roman"/>
+              </a:defRPr>
+            </a:lvl1pPr>
+          </a:lstStyle>
+          <a:p>
+            <a:pPr indent="0" algn="r">
+              <a:buNone/>
+            </a:pPr>
+            <a:fld id="{96A757FC-F736-4B6B-BAE5-952EFCB32F95}" type="slidenum">
+              <a:rPr lang="pt-BR" sz="1400" b="0" strike="noStrike" spc="-1">
+                <a:solidFill>
+                  <a:srgbClr val="000000"/>
+                </a:solidFill>
+                <a:latin typeface="Times New Roman"/>
+              </a:rPr>
+              <a:t>‹nº›</a:t>
+            </a:fld>
+            <a:endParaRPr lang="pt-BR" sz="1400" b="0" strike="noStrike" spc="-1">
+              <a:solidFill>
+                <a:srgbClr val="000000"/>
+              </a:solidFill>
+              <a:latin typeface="Times New Roman"/>
+            </a:endParaRPr>
+          </a:p>
+        </p:txBody>
+      </p:sp>
+    </p:spTree>
+  </p:cSld>
+  <p:clrMap bg1="lt1" tx1="dk1" bg2="lt2" tx2="dk2" accent1="accent1" accent2="accent2" accent3="accent3" accent4="accent4" accent5="accent5" accent6="accent6" hlink="hlink" folHlink="folHlink"/>
+  <p:notesStyle>
+    <a:lvl1pPr marL="0" algn="l" defTabSz="914400" rtl="0" eaLnBrk="1" latinLnBrk="0" hangingPunct="1">
+      <a:defRPr sz="1200" kern="1200">
+        <a:solidFill>
+          <a:schemeClr val="tx1"/>
+        </a:solidFill>
+        <a:latin typeface="+mn-lt"/>
+        <a:ea typeface="+mn-ea"/>
+        <a:cs typeface="+mn-cs"/>
+      </a:defRPr>
+    </a:lvl1pPr>
+    <a:lvl2pPr marL="457200" algn="l" defTabSz="914400" rtl="0" eaLnBrk="1" latinLnBrk="0" hangingPunct="1">
+      <a:defRPr sz="1200" kern="1200">
+        <a:solidFill>
+          <a:schemeClr val="tx1"/>
+        </a:solidFill>
+        <a:latin typeface="+mn-lt"/>
+        <a:ea typeface="+mn-ea"/>
+        <a:cs typeface="+mn-cs"/>
+      </a:defRPr>
+    </a:lvl2pPr>
+    <a:lvl3pPr marL="914400" algn="l" defTabSz="914400" rtl="0" eaLnBrk="1" latinLnBrk="0" hangingPunct="1">
+      <a:defRPr sz="1200" kern="1200">
+        <a:solidFill>
+          <a:schemeClr val="tx1"/>
+        </a:solidFill>
+        <a:latin typeface="+mn-lt"/>
+        <a:ea typeface="+mn-ea"/>
+        <a:cs typeface="+mn-cs"/>
+      </a:defRPr>
+    </a:lvl3pPr>
+    <a:lvl4pPr marL="1371600" algn="l" defTabSz="914400" rtl="0" eaLnBrk="1" latinLnBrk="0" hangingPunct="1">
+      <a:defRPr sz="1200" kern="1200">
+        <a:solidFill>
+          <a:schemeClr val="tx1"/>
+        </a:solidFill>
+        <a:latin typeface="+mn-lt"/>
+        <a:ea typeface="+mn-ea"/>
+        <a:cs typeface="+mn-cs"/>
+      </a:defRPr>
+    </a:lvl4pPr>
+    <a:lvl5pPr marL="1828800" algn="l" defTabSz="914400" rtl="0" eaLnBrk="1" latinLnBrk="0" hangingPunct="1">
+      <a:defRPr sz="1200" kern="1200">
+        <a:solidFill>
+          <a:schemeClr val="tx1"/>
+        </a:solidFill>
+        <a:latin typeface="+mn-lt"/>
+        <a:ea typeface="+mn-ea"/>
+        <a:cs typeface="+mn-cs"/>
+      </a:defRPr>
+    </a:lvl5pPr>
+    <a:lvl6pPr marL="2286000" algn="l" defTabSz="914400" rtl="0" eaLnBrk="1" latinLnBrk="0" hangingPunct="1">
+      <a:defRPr sz="1200" kern="1200">
+        <a:solidFill>
+          <a:schemeClr val="tx1"/>
+        </a:solidFill>
+        <a:latin typeface="+mn-lt"/>
+        <a:ea typeface="+mn-ea"/>
+        <a:cs typeface="+mn-cs"/>
+      </a:defRPr>
+    </a:lvl6pPr>
+    <a:lvl7pPr marL="2743200" algn="l" defTabSz="914400" rtl="0" eaLnBrk="1" latinLnBrk="0" hangingPunct="1">
+      <a:defRPr sz="1200" kern="1200">
+        <a:solidFill>
+          <a:schemeClr val="tx1"/>
+        </a:solidFill>
+        <a:latin typeface="+mn-lt"/>
+        <a:ea typeface="+mn-ea"/>
+        <a:cs typeface="+mn-cs"/>
+      </a:defRPr>
+    </a:lvl7pPr>
+    <a:lvl8pPr marL="3200400" algn="l" defTabSz="914400" rtl="0" eaLnBrk="1" latinLnBrk="0" hangingPunct="1">
+      <a:defRPr sz="1200" kern="1200">
+        <a:solidFill>
+          <a:schemeClr val="tx1"/>
+        </a:solidFill>
+        <a:latin typeface="+mn-lt"/>
+        <a:ea typeface="+mn-ea"/>
+        <a:cs typeface="+mn-cs"/>
+      </a:defRPr>
+    </a:lvl8pPr>
+    <a:lvl9pPr marL="3657600" algn="l" defTabSz="914400" rtl="0" eaLnBrk="1" latinLnBrk="0" hangingPunct="1">
+      <a:defRPr sz="1200" kern="1200">
+        <a:solidFill>
+          <a:schemeClr val="tx1"/>
+        </a:solidFill>
+        <a:latin typeface="+mn-lt"/>
+        <a:ea typeface="+mn-ea"/>
+        <a:cs typeface="+mn-cs"/>
+      </a:defRPr>
+    </a:lvl9pPr>
+  </p:notesStyle>
+</p:notesMaster>
+</file>
+
+<file path=ppt/notesSlides/notesSlide1.xml><?xml version="1.0" encoding="utf-8"?>
+<p:notes xmlns:a="http://schemas.openxmlformats.org/drawingml/2006/main" xmlns:r="http://schemas.openxmlformats.org/officeDocument/2006/relationships" xmlns:p="http://schemas.openxmlformats.org/presentationml/2006/main">
   <p:cSld>
     <p:spTree>
       <p:nvGrpSpPr>
@@ -44,9 +557,9 @@
       </p:grpSpPr>
       <p:sp>
         <p:nvSpPr>
-          <p:cNvPr id="80" name="PlaceHolder 1"/>
-          <p:cNvSpPr>
-            <a:spLocks noGrp="1"/>
+          <p:cNvPr id="110" name="PlaceHolder 1"/>
+          <p:cNvSpPr>
+            <a:spLocks noGrp="1" noRot="1" noChangeAspect="1"/>
           </p:cNvSpPr>
           <p:nvPr>
             <p:ph type="sldImg"/>
@@ -54,169 +567,92 @@
         </p:nvSpPr>
         <p:spPr>
           <a:xfrm>
-            <a:off x="216000" y="812520"/>
-            <a:ext cx="7127280" cy="4008960"/>
-          </a:xfrm>
-          <a:prstGeom prst="rect">
-            <a:avLst/>
-          </a:prstGeom>
-          <a:noFill/>
-          <a:ln w="0">
-            <a:noFill/>
-          </a:ln>
-        </p:spPr>
-        <p:txBody>
-          <a:bodyPr lIns="0" rIns="0" tIns="0" bIns="0" anchor="ctr">
+            <a:off x="573120" y="1336680"/>
+            <a:ext cx="6413040" cy="3607920"/>
+          </a:xfrm>
+          <a:prstGeom prst="rect">
+            <a:avLst/>
+          </a:prstGeom>
+          <a:ln w="0">
+            <a:noFill/>
+          </a:ln>
+        </p:spPr>
+      </p:sp>
+      <p:sp>
+        <p:nvSpPr>
+          <p:cNvPr id="111" name="PlaceHolder 2"/>
+          <p:cNvSpPr>
+            <a:spLocks noGrp="1"/>
+          </p:cNvSpPr>
+          <p:nvPr>
+            <p:ph type="body"/>
+          </p:nvPr>
+        </p:nvSpPr>
+        <p:spPr>
+          <a:xfrm>
+            <a:off x="755640" y="5145120"/>
+            <a:ext cx="6048000" cy="4209840"/>
+          </a:xfrm>
+          <a:prstGeom prst="rect">
+            <a:avLst/>
+          </a:prstGeom>
+          <a:noFill/>
+          <a:ln w="0">
+            <a:noFill/>
+          </a:ln>
+        </p:spPr>
+        <p:txBody>
+          <a:bodyPr anchor="t">
             <a:noAutofit/>
           </a:bodyPr>
-          <a:p>
-            <a:r>
-              <a:rPr b="0" lang="pt-BR" sz="1800" spc="-1" strike="noStrike">
-                <a:solidFill>
-                  <a:srgbClr val="000000"/>
-                </a:solidFill>
-                <a:latin typeface="Arial"/>
-              </a:rPr>
-              <a:t>Click to move the slide</a:t>
-            </a:r>
-            <a:endParaRPr b="0" lang="pt-BR" sz="1800" spc="-1" strike="noStrike">
-              <a:solidFill>
-                <a:srgbClr val="000000"/>
-              </a:solidFill>
-              <a:latin typeface="Arial"/>
-            </a:endParaRPr>
-          </a:p>
-        </p:txBody>
-      </p:sp>
-      <p:sp>
-        <p:nvSpPr>
-          <p:cNvPr id="81" name="PlaceHolder 2"/>
-          <p:cNvSpPr>
-            <a:spLocks noGrp="1"/>
-          </p:cNvSpPr>
-          <p:nvPr>
-            <p:ph type="body"/>
-          </p:nvPr>
-        </p:nvSpPr>
-        <p:spPr>
-          <a:xfrm>
-            <a:off x="756000" y="5078520"/>
-            <a:ext cx="6047640" cy="4811040"/>
-          </a:xfrm>
-          <a:prstGeom prst="rect">
-            <a:avLst/>
-          </a:prstGeom>
-          <a:noFill/>
-          <a:ln w="0">
-            <a:noFill/>
-          </a:ln>
-        </p:spPr>
-        <p:txBody>
-          <a:bodyPr lIns="0" rIns="0" tIns="0" bIns="0" anchor="t">
-            <a:noAutofit/>
-          </a:bodyPr>
+          <a:lstStyle/>
           <a:p>
             <a:pPr marL="216000" indent="0">
               <a:buNone/>
             </a:pPr>
-            <a:r>
-              <a:rPr b="0" lang="pt-BR" sz="2000" spc="-1" strike="noStrike">
-                <a:solidFill>
-                  <a:srgbClr val="000000"/>
-                </a:solidFill>
-                <a:latin typeface="Arial"/>
-              </a:rPr>
-              <a:t>Click to edit the notes format</a:t>
-            </a:r>
-            <a:endParaRPr b="0" lang="pt-BR" sz="2000" spc="-1" strike="noStrike">
-              <a:solidFill>
-                <a:srgbClr val="000000"/>
-              </a:solidFill>
-              <a:latin typeface="Arial"/>
-            </a:endParaRPr>
-          </a:p>
-        </p:txBody>
-      </p:sp>
-      <p:sp>
-        <p:nvSpPr>
-          <p:cNvPr id="82" name="PlaceHolder 3"/>
-          <p:cNvSpPr>
-            <a:spLocks noGrp="1"/>
-          </p:cNvSpPr>
-          <p:nvPr>
-            <p:ph type="hdr"/>
-          </p:nvPr>
-        </p:nvSpPr>
-        <p:spPr>
-          <a:xfrm>
-            <a:off x="0" y="0"/>
-            <a:ext cx="3280680" cy="534240"/>
-          </a:xfrm>
-          <a:prstGeom prst="rect">
-            <a:avLst/>
-          </a:prstGeom>
-          <a:noFill/>
-          <a:ln w="0">
-            <a:noFill/>
-          </a:ln>
-        </p:spPr>
-        <p:txBody>
-          <a:bodyPr lIns="0" rIns="0" tIns="0" bIns="0" anchor="t">
-            <a:noAutofit/>
-          </a:bodyPr>
-          <a:p>
-            <a:pPr indent="0">
-              <a:buNone/>
-            </a:pPr>
-            <a:r>
-              <a:rPr b="0" lang="pt-BR" sz="1400" spc="-1" strike="noStrike">
-                <a:solidFill>
-                  <a:srgbClr val="000000"/>
-                </a:solidFill>
-                <a:latin typeface="Times New Roman"/>
-              </a:rPr>
-              <a:t>&lt;header&gt;</a:t>
-            </a:r>
-            <a:endParaRPr b="0" lang="pt-BR" sz="1400" spc="-1" strike="noStrike">
-              <a:solidFill>
-                <a:srgbClr val="000000"/>
-              </a:solidFill>
-              <a:latin typeface="Times New Roman"/>
-            </a:endParaRPr>
-          </a:p>
-        </p:txBody>
-      </p:sp>
-      <p:sp>
-        <p:nvSpPr>
-          <p:cNvPr id="83" name="PlaceHolder 4"/>
-          <p:cNvSpPr>
-            <a:spLocks noGrp="1"/>
-          </p:cNvSpPr>
-          <p:nvPr>
-            <p:ph type="dt" idx="4"/>
-          </p:nvPr>
-        </p:nvSpPr>
-        <p:spPr>
-          <a:xfrm>
-            <a:off x="4278960" y="0"/>
-            <a:ext cx="3280680" cy="534240"/>
-          </a:xfrm>
-          <a:prstGeom prst="rect">
-            <a:avLst/>
-          </a:prstGeom>
-          <a:noFill/>
-          <a:ln w="0">
-            <a:noFill/>
-          </a:ln>
-        </p:spPr>
-        <p:txBody>
-          <a:bodyPr lIns="0" rIns="0" tIns="0" bIns="0" anchor="t">
+            <a:endParaRPr lang="pt-BR" sz="1800" b="0" strike="noStrike" spc="-1">
+              <a:solidFill>
+                <a:srgbClr val="000000"/>
+              </a:solidFill>
+              <a:latin typeface="Arial"/>
+            </a:endParaRPr>
+          </a:p>
+        </p:txBody>
+      </p:sp>
+      <p:sp>
+        <p:nvSpPr>
+          <p:cNvPr id="112" name="PlaceHolder 3"/>
+          <p:cNvSpPr>
+            <a:spLocks noGrp="1"/>
+          </p:cNvSpPr>
+          <p:nvPr>
+            <p:ph type="sldNum" idx="7"/>
+          </p:nvPr>
+        </p:nvSpPr>
+        <p:spPr>
+          <a:xfrm>
+            <a:off x="4281480" y="10155240"/>
+            <a:ext cx="3276360" cy="536040"/>
+          </a:xfrm>
+          <a:prstGeom prst="rect">
+            <a:avLst/>
+          </a:prstGeom>
+          <a:noFill/>
+          <a:ln w="0">
+            <a:noFill/>
+          </a:ln>
+        </p:spPr>
+        <p:txBody>
+          <a:bodyPr anchor="b">
             <a:noAutofit/>
           </a:bodyPr>
           <a:lstStyle>
             <a:lvl1pPr indent="0" algn="r">
+              <a:lnSpc>
+                <a:spcPct val="100000"/>
+              </a:lnSpc>
               <a:buNone/>
-              <a:defRPr b="0" lang="pt-BR" sz="1400" spc="-1" strike="noStrike">
+              <a:defRPr lang="pt-BR" sz="1200" b="0" strike="noStrike" spc="-1">
                 <a:solidFill>
                   <a:srgbClr val="000000"/>
                 </a:solidFill>
@@ -226,138 +662,21 @@
           </a:lstStyle>
           <a:p>
             <a:pPr indent="0" algn="r">
+              <a:lnSpc>
+                <a:spcPct val="100000"/>
+              </a:lnSpc>
               <a:buNone/>
             </a:pPr>
-            <a:r>
-              <a:rPr b="0" lang="pt-BR" sz="1400" spc="-1" strike="noStrike">
+            <a:fld id="{37E79E28-1B2B-4313-AF28-DE5143FB0A6F}" type="slidenum">
+              <a:rPr lang="pt-BR" sz="1200" b="0" strike="noStrike" spc="-1">
                 <a:solidFill>
                   <a:srgbClr val="000000"/>
                 </a:solidFill>
                 <a:latin typeface="Times New Roman"/>
               </a:rPr>
-              <a:t>&lt;date/time&gt;</a:t>
-            </a:r>
-            <a:endParaRPr b="0" lang="pt-BR" sz="1400" spc="-1" strike="noStrike">
-              <a:solidFill>
-                <a:srgbClr val="000000"/>
-              </a:solidFill>
-              <a:latin typeface="Times New Roman"/>
-            </a:endParaRPr>
-          </a:p>
-        </p:txBody>
-      </p:sp>
-      <p:sp>
-        <p:nvSpPr>
-          <p:cNvPr id="84" name="PlaceHolder 5"/>
-          <p:cNvSpPr>
-            <a:spLocks noGrp="1"/>
-          </p:cNvSpPr>
-          <p:nvPr>
-            <p:ph type="ftr" idx="5"/>
-          </p:nvPr>
-        </p:nvSpPr>
-        <p:spPr>
-          <a:xfrm>
-            <a:off x="0" y="10157400"/>
-            <a:ext cx="3280680" cy="534240"/>
-          </a:xfrm>
-          <a:prstGeom prst="rect">
-            <a:avLst/>
-          </a:prstGeom>
-          <a:noFill/>
-          <a:ln w="0">
-            <a:noFill/>
-          </a:ln>
-        </p:spPr>
-        <p:txBody>
-          <a:bodyPr lIns="0" rIns="0" tIns="0" bIns="0" anchor="b">
-            <a:noAutofit/>
-          </a:bodyPr>
-          <a:lstStyle>
-            <a:lvl1pPr indent="0">
-              <a:buNone/>
-              <a:defRPr b="0" lang="pt-BR" sz="1400" spc="-1" strike="noStrike">
-                <a:solidFill>
-                  <a:srgbClr val="000000"/>
-                </a:solidFill>
-                <a:latin typeface="Times New Roman"/>
-              </a:defRPr>
-            </a:lvl1pPr>
-          </a:lstStyle>
-          <a:p>
-            <a:pPr indent="0">
-              <a:buNone/>
-            </a:pPr>
-            <a:r>
-              <a:rPr b="0" lang="pt-BR" sz="1400" spc="-1" strike="noStrike">
-                <a:solidFill>
-                  <a:srgbClr val="000000"/>
-                </a:solidFill>
-                <a:latin typeface="Times New Roman"/>
-              </a:rPr>
-              <a:t>&lt;footer&gt;</a:t>
-            </a:r>
-            <a:endParaRPr b="0" lang="pt-BR" sz="1400" spc="-1" strike="noStrike">
-              <a:solidFill>
-                <a:srgbClr val="000000"/>
-              </a:solidFill>
-              <a:latin typeface="Times New Roman"/>
-            </a:endParaRPr>
-          </a:p>
-        </p:txBody>
-      </p:sp>
-      <p:sp>
-        <p:nvSpPr>
-          <p:cNvPr id="85" name="PlaceHolder 6"/>
-          <p:cNvSpPr>
-            <a:spLocks noGrp="1"/>
-          </p:cNvSpPr>
-          <p:nvPr>
-            <p:ph type="sldNum" idx="6"/>
-          </p:nvPr>
-        </p:nvSpPr>
-        <p:spPr>
-          <a:xfrm>
-            <a:off x="4278960" y="10157400"/>
-            <a:ext cx="3280680" cy="534240"/>
-          </a:xfrm>
-          <a:prstGeom prst="rect">
-            <a:avLst/>
-          </a:prstGeom>
-          <a:noFill/>
-          <a:ln w="0">
-            <a:noFill/>
-          </a:ln>
-        </p:spPr>
-        <p:txBody>
-          <a:bodyPr lIns="0" rIns="0" tIns="0" bIns="0" anchor="b">
-            <a:noAutofit/>
-          </a:bodyPr>
-          <a:lstStyle>
-            <a:lvl1pPr indent="0" algn="r">
-              <a:buNone/>
-              <a:defRPr b="0" lang="pt-BR" sz="1400" spc="-1" strike="noStrike">
-                <a:solidFill>
-                  <a:srgbClr val="000000"/>
-                </a:solidFill>
-                <a:latin typeface="Times New Roman"/>
-              </a:defRPr>
-            </a:lvl1pPr>
-          </a:lstStyle>
-          <a:p>
-            <a:pPr indent="0" algn="r">
-              <a:buNone/>
-            </a:pPr>
-            <a:fld id="{96A757FC-F736-4B6B-BAE5-952EFCB32F95}" type="slidenum">
-              <a:rPr b="0" lang="pt-BR" sz="1400" spc="-1" strike="noStrike">
-                <a:solidFill>
-                  <a:srgbClr val="000000"/>
-                </a:solidFill>
-                <a:latin typeface="Times New Roman"/>
-              </a:rPr>
-              <a:t>&lt;number&gt;</a:t>
+              <a:t>1</a:t>
             </a:fld>
-            <a:endParaRPr b="0" lang="pt-BR" sz="1400" spc="-1" strike="noStrike">
+            <a:endParaRPr lang="pt-BR" sz="1200" b="0" strike="noStrike" spc="-1">
               <a:solidFill>
                 <a:srgbClr val="000000"/>
               </a:solidFill>
@@ -368,163 +687,14 @@
       </p:sp>
     </p:spTree>
   </p:cSld>
-  <p:clrMap bg1="lt1" bg2="lt2" tx1="dk1" tx2="dk2" accent1="accent1" accent2="accent2" accent3="accent3" accent4="accent4" accent5="accent5" accent6="accent6" hlink="hlink" folHlink="folHlink"/>
-</p:notesMaster>
-</file>
-
-<file path=ppt/notesSlides/notesSlide1.xml><?xml version="1.0" encoding="utf-8"?>
-<p:notes xmlns:a="http://schemas.openxmlformats.org/drawingml/2006/main" xmlns:p="http://schemas.openxmlformats.org/presentationml/2006/main" xmlns:r="http://schemas.openxmlformats.org/officeDocument/2006/relationships" xmlns:p14="http://schemas.microsoft.com/office/powerpoint/2010/main" xmlns:p15="http://schemas.microsoft.com/office/powerpoint/2012/main" xmlns:mc="http://schemas.openxmlformats.org/markup-compatibility/2006">
-  <p:cSld>
-    <p:spTree>
-      <p:nvGrpSpPr>
-        <p:cNvPr id="1" name=""/>
-        <p:cNvGrpSpPr/>
-        <p:nvPr/>
-      </p:nvGrpSpPr>
-      <p:grpSpPr>
-        <a:xfrm>
-          <a:off x="0" y="0"/>
-          <a:ext cx="0" cy="0"/>
-          <a:chOff x="0" y="0"/>
-          <a:chExt cx="0" cy="0"/>
-        </a:xfrm>
-      </p:grpSpPr>
-      <p:sp>
-        <p:nvSpPr>
-          <p:cNvPr id="110" name="PlaceHolder 1"/>
-          <p:cNvSpPr>
-            <a:spLocks noGrp="1"/>
-          </p:cNvSpPr>
-          <p:nvPr>
-            <p:ph type="sldImg"/>
-          </p:nvPr>
-        </p:nvSpPr>
-        <p:spPr>
-          <a:xfrm>
-            <a:off x="573120" y="1336680"/>
-            <a:ext cx="6413040" cy="3607920"/>
-          </a:xfrm>
-          <a:prstGeom prst="rect">
-            <a:avLst/>
-          </a:prstGeom>
-          <a:ln w="0">
-            <a:noFill/>
-          </a:ln>
-        </p:spPr>
-      </p:sp>
-      <p:sp>
-        <p:nvSpPr>
-          <p:cNvPr id="111" name="PlaceHolder 2"/>
-          <p:cNvSpPr>
-            <a:spLocks noGrp="1"/>
-          </p:cNvSpPr>
-          <p:nvPr>
-            <p:ph type="body"/>
-          </p:nvPr>
-        </p:nvSpPr>
-        <p:spPr>
-          <a:xfrm>
-            <a:off x="755640" y="5145120"/>
-            <a:ext cx="6048000" cy="4209840"/>
-          </a:xfrm>
-          <a:prstGeom prst="rect">
-            <a:avLst/>
-          </a:prstGeom>
-          <a:noFill/>
-          <a:ln w="0">
-            <a:noFill/>
-          </a:ln>
-        </p:spPr>
-        <p:txBody>
-          <a:bodyPr anchor="t">
-            <a:noAutofit/>
-          </a:bodyPr>
-          <a:p>
-            <a:pPr marL="216000" indent="0">
-              <a:buNone/>
-            </a:pPr>
-            <a:endParaRPr b="0" lang="pt-BR" sz="1800" spc="-1" strike="noStrike">
-              <a:solidFill>
-                <a:srgbClr val="000000"/>
-              </a:solidFill>
-              <a:latin typeface="Arial"/>
-            </a:endParaRPr>
-          </a:p>
-        </p:txBody>
-      </p:sp>
-      <p:sp>
-        <p:nvSpPr>
-          <p:cNvPr id="112" name="PlaceHolder 3"/>
-          <p:cNvSpPr>
-            <a:spLocks noGrp="1"/>
-          </p:cNvSpPr>
-          <p:nvPr>
-            <p:ph type="sldNum" idx="7"/>
-          </p:nvPr>
-        </p:nvSpPr>
-        <p:spPr>
-          <a:xfrm>
-            <a:off x="4281480" y="10155240"/>
-            <a:ext cx="3276360" cy="536040"/>
-          </a:xfrm>
-          <a:prstGeom prst="rect">
-            <a:avLst/>
-          </a:prstGeom>
-          <a:noFill/>
-          <a:ln w="0">
-            <a:noFill/>
-          </a:ln>
-        </p:spPr>
-        <p:txBody>
-          <a:bodyPr anchor="b">
-            <a:noAutofit/>
-          </a:bodyPr>
-          <a:lstStyle>
-            <a:lvl1pPr indent="0" algn="r">
-              <a:lnSpc>
-                <a:spcPct val="100000"/>
-              </a:lnSpc>
-              <a:buNone/>
-              <a:defRPr b="0" lang="pt-BR" sz="1200" spc="-1" strike="noStrike">
-                <a:solidFill>
-                  <a:srgbClr val="000000"/>
-                </a:solidFill>
-                <a:latin typeface="Times New Roman"/>
-              </a:defRPr>
-            </a:lvl1pPr>
-          </a:lstStyle>
-          <a:p>
-            <a:pPr indent="0" algn="r">
-              <a:lnSpc>
-                <a:spcPct val="100000"/>
-              </a:lnSpc>
-              <a:buNone/>
-            </a:pPr>
-            <a:fld id="{37E79E28-1B2B-4313-AF28-DE5143FB0A6F}" type="slidenum">
-              <a:rPr b="0" lang="pt-BR" sz="1200" spc="-1" strike="noStrike">
-                <a:solidFill>
-                  <a:srgbClr val="000000"/>
-                </a:solidFill>
-                <a:latin typeface="Times New Roman"/>
-              </a:rPr>
-              <a:t>&lt;number&gt;</a:t>
-            </a:fld>
-            <a:endParaRPr b="0" lang="pt-BR" sz="1200" spc="-1" strike="noStrike">
-              <a:solidFill>
-                <a:srgbClr val="000000"/>
-              </a:solidFill>
-              <a:latin typeface="Times New Roman"/>
-            </a:endParaRPr>
-          </a:p>
-        </p:txBody>
-      </p:sp>
-    </p:spTree>
-  </p:cSld>
+  <p:clrMapOvr>
+    <a:masterClrMapping/>
+  </p:clrMapOvr>
 </p:notes>
 </file>
 
 <file path=ppt/slideLayouts/slideLayout1.xml><?xml version="1.0" encoding="utf-8"?>
-<p:sldLayout xmlns:a="http://schemas.openxmlformats.org/drawingml/2006/main" xmlns:p="http://schemas.openxmlformats.org/presentationml/2006/main" xmlns:r="http://schemas.openxmlformats.org/officeDocument/2006/relationships" xmlns:p14="http://schemas.microsoft.com/office/powerpoint/2010/main" xmlns:p15="http://schemas.microsoft.com/office/powerpoint/2012/main" xmlns:mc="http://schemas.openxmlformats.org/markup-compatibility/2006" type="blank" preserve="1">
+<p:sldLayout xmlns:a="http://schemas.openxmlformats.org/drawingml/2006/main" xmlns:r="http://schemas.openxmlformats.org/officeDocument/2006/relationships" xmlns:p="http://schemas.openxmlformats.org/presentationml/2006/main" type="blank" preserve="1">
   <p:cSld name="Blank Slide">
     <p:spTree>
       <p:nvGrpSpPr>
@@ -542,11 +712,14 @@
       </p:grpSpPr>
     </p:spTree>
   </p:cSld>
+  <p:clrMapOvr>
+    <a:masterClrMapping/>
+  </p:clrMapOvr>
 </p:sldLayout>
 </file>
 
 <file path=ppt/slideLayouts/slideLayout10.xml><?xml version="1.0" encoding="utf-8"?>
-<p:sldLayout xmlns:a="http://schemas.openxmlformats.org/drawingml/2006/main" xmlns:p="http://schemas.openxmlformats.org/presentationml/2006/main" xmlns:r="http://schemas.openxmlformats.org/officeDocument/2006/relationships" xmlns:p14="http://schemas.microsoft.com/office/powerpoint/2010/main" xmlns:p15="http://schemas.microsoft.com/office/powerpoint/2012/main" xmlns:mc="http://schemas.openxmlformats.org/markup-compatibility/2006" type="objOverTx" preserve="1">
+<p:sldLayout xmlns:a="http://schemas.openxmlformats.org/drawingml/2006/main" xmlns:r="http://schemas.openxmlformats.org/officeDocument/2006/relationships" xmlns:p="http://schemas.openxmlformats.org/presentationml/2006/main" type="objOverTx" preserve="1">
   <p:cSld name="Title, Content over Content">
     <p:spTree>
       <p:nvGrpSpPr>
@@ -586,14 +759,15 @@
           </a:ln>
         </p:spPr>
         <p:txBody>
-          <a:bodyPr lIns="0" rIns="0" tIns="0" bIns="0" anchor="ctr">
+          <a:bodyPr lIns="0" tIns="0" rIns="0" bIns="0" anchor="ctr">
             <a:noAutofit/>
           </a:bodyPr>
+          <a:lstStyle/>
           <a:p>
             <a:pPr indent="0">
               <a:buNone/>
             </a:pPr>
-            <a:endParaRPr b="0" lang="pt-BR" sz="1800" spc="-1" strike="noStrike">
+            <a:endParaRPr lang="pt-BR" sz="1800" b="0" strike="noStrike" spc="-1">
               <a:solidFill>
                 <a:srgbClr val="000000"/>
               </a:solidFill>
@@ -626,9 +800,10 @@
           </a:ln>
         </p:spPr>
         <p:txBody>
-          <a:bodyPr lIns="0" rIns="0" tIns="0" bIns="0" anchor="t">
+          <a:bodyPr lIns="0" tIns="0" rIns="0" bIns="0" anchor="t">
             <a:normAutofit/>
           </a:bodyPr>
+          <a:lstStyle/>
           <a:p>
             <a:pPr indent="0">
               <a:lnSpc>
@@ -639,7 +814,7 @@
               </a:spcBef>
               <a:buNone/>
             </a:pPr>
-            <a:endParaRPr b="0" lang="pt-BR" sz="2800" spc="-1" strike="noStrike">
+            <a:endParaRPr lang="pt-BR" sz="2800" b="0" strike="noStrike" spc="-1">
               <a:solidFill>
                 <a:srgbClr val="000000"/>
               </a:solidFill>
@@ -672,9 +847,10 @@
           </a:ln>
         </p:spPr>
         <p:txBody>
-          <a:bodyPr lIns="0" rIns="0" tIns="0" bIns="0" anchor="t">
+          <a:bodyPr lIns="0" tIns="0" rIns="0" bIns="0" anchor="t">
             <a:normAutofit/>
           </a:bodyPr>
+          <a:lstStyle/>
           <a:p>
             <a:pPr indent="0">
               <a:lnSpc>
@@ -685,7 +861,7 @@
               </a:spcBef>
               <a:buNone/>
             </a:pPr>
-            <a:endParaRPr b="0" lang="pt-BR" sz="2800" spc="-1" strike="noStrike">
+            <a:endParaRPr lang="pt-BR" sz="2800" b="0" strike="noStrike" spc="-1">
               <a:solidFill>
                 <a:srgbClr val="000000"/>
               </a:solidFill>
@@ -696,11 +872,14 @@
       </p:sp>
     </p:spTree>
   </p:cSld>
+  <p:clrMapOvr>
+    <a:masterClrMapping/>
+  </p:clrMapOvr>
 </p:sldLayout>
 </file>
 
 <file path=ppt/slideLayouts/slideLayout11.xml><?xml version="1.0" encoding="utf-8"?>
-<p:sldLayout xmlns:a="http://schemas.openxmlformats.org/drawingml/2006/main" xmlns:p="http://schemas.openxmlformats.org/presentationml/2006/main" xmlns:r="http://schemas.openxmlformats.org/officeDocument/2006/relationships" xmlns:p14="http://schemas.microsoft.com/office/powerpoint/2010/main" xmlns:p15="http://schemas.microsoft.com/office/powerpoint/2012/main" xmlns:mc="http://schemas.openxmlformats.org/markup-compatibility/2006" type="fourObj" preserve="1">
+<p:sldLayout xmlns:a="http://schemas.openxmlformats.org/drawingml/2006/main" xmlns:r="http://schemas.openxmlformats.org/officeDocument/2006/relationships" xmlns:p="http://schemas.openxmlformats.org/presentationml/2006/main" type="fourObj" preserve="1">
   <p:cSld name="Title, 4 Content">
     <p:spTree>
       <p:nvGrpSpPr>
@@ -740,14 +919,15 @@
           </a:ln>
         </p:spPr>
         <p:txBody>
-          <a:bodyPr lIns="0" rIns="0" tIns="0" bIns="0" anchor="ctr">
+          <a:bodyPr lIns="0" tIns="0" rIns="0" bIns="0" anchor="ctr">
             <a:noAutofit/>
           </a:bodyPr>
+          <a:lstStyle/>
           <a:p>
             <a:pPr indent="0">
               <a:buNone/>
             </a:pPr>
-            <a:endParaRPr b="0" lang="pt-BR" sz="1800" spc="-1" strike="noStrike">
+            <a:endParaRPr lang="pt-BR" sz="1800" b="0" strike="noStrike" spc="-1">
               <a:solidFill>
                 <a:srgbClr val="000000"/>
               </a:solidFill>
@@ -780,9 +960,10 @@
           </a:ln>
         </p:spPr>
         <p:txBody>
-          <a:bodyPr lIns="0" rIns="0" tIns="0" bIns="0" anchor="t">
+          <a:bodyPr lIns="0" tIns="0" rIns="0" bIns="0" anchor="t">
             <a:normAutofit/>
           </a:bodyPr>
+          <a:lstStyle/>
           <a:p>
             <a:pPr indent="0">
               <a:lnSpc>
@@ -793,7 +974,7 @@
               </a:spcBef>
               <a:buNone/>
             </a:pPr>
-            <a:endParaRPr b="0" lang="pt-BR" sz="2800" spc="-1" strike="noStrike">
+            <a:endParaRPr lang="pt-BR" sz="2800" b="0" strike="noStrike" spc="-1">
               <a:solidFill>
                 <a:srgbClr val="000000"/>
               </a:solidFill>
@@ -826,9 +1007,10 @@
           </a:ln>
         </p:spPr>
         <p:txBody>
-          <a:bodyPr lIns="0" rIns="0" tIns="0" bIns="0" anchor="t">
+          <a:bodyPr lIns="0" tIns="0" rIns="0" bIns="0" anchor="t">
             <a:normAutofit/>
           </a:bodyPr>
+          <a:lstStyle/>
           <a:p>
             <a:pPr indent="0">
               <a:lnSpc>
@@ -839,7 +1021,7 @@
               </a:spcBef>
               <a:buNone/>
             </a:pPr>
-            <a:endParaRPr b="0" lang="pt-BR" sz="2800" spc="-1" strike="noStrike">
+            <a:endParaRPr lang="pt-BR" sz="2800" b="0" strike="noStrike" spc="-1">
               <a:solidFill>
                 <a:srgbClr val="000000"/>
               </a:solidFill>
@@ -872,9 +1054,10 @@
           </a:ln>
         </p:spPr>
         <p:txBody>
-          <a:bodyPr lIns="0" rIns="0" tIns="0" bIns="0" anchor="t">
+          <a:bodyPr lIns="0" tIns="0" rIns="0" bIns="0" anchor="t">
             <a:normAutofit/>
           </a:bodyPr>
+          <a:lstStyle/>
           <a:p>
             <a:pPr indent="0">
               <a:lnSpc>
@@ -885,7 +1068,7 @@
               </a:spcBef>
               <a:buNone/>
             </a:pPr>
-            <a:endParaRPr b="0" lang="pt-BR" sz="2800" spc="-1" strike="noStrike">
+            <a:endParaRPr lang="pt-BR" sz="2800" b="0" strike="noStrike" spc="-1">
               <a:solidFill>
                 <a:srgbClr val="000000"/>
               </a:solidFill>
@@ -918,9 +1101,10 @@
           </a:ln>
         </p:spPr>
         <p:txBody>
-          <a:bodyPr lIns="0" rIns="0" tIns="0" bIns="0" anchor="t">
+          <a:bodyPr lIns="0" tIns="0" rIns="0" bIns="0" anchor="t">
             <a:normAutofit/>
           </a:bodyPr>
+          <a:lstStyle/>
           <a:p>
             <a:pPr indent="0">
               <a:lnSpc>
@@ -931,7 +1115,7 @@
               </a:spcBef>
               <a:buNone/>
             </a:pPr>
-            <a:endParaRPr b="0" lang="pt-BR" sz="2800" spc="-1" strike="noStrike">
+            <a:endParaRPr lang="pt-BR" sz="2800" b="0" strike="noStrike" spc="-1">
               <a:solidFill>
                 <a:srgbClr val="000000"/>
               </a:solidFill>
@@ -942,11 +1126,14 @@
       </p:sp>
     </p:spTree>
   </p:cSld>
+  <p:clrMapOvr>
+    <a:masterClrMapping/>
+  </p:clrMapOvr>
 </p:sldLayout>
 </file>
 
 <file path=ppt/slideLayouts/slideLayout12.xml><?xml version="1.0" encoding="utf-8"?>
-<p:sldLayout xmlns:a="http://schemas.openxmlformats.org/drawingml/2006/main" xmlns:p="http://schemas.openxmlformats.org/presentationml/2006/main" xmlns:r="http://schemas.openxmlformats.org/officeDocument/2006/relationships" xmlns:p14="http://schemas.microsoft.com/office/powerpoint/2010/main" xmlns:p15="http://schemas.microsoft.com/office/powerpoint/2012/main" xmlns:mc="http://schemas.openxmlformats.org/markup-compatibility/2006" type="blank" preserve="1">
+<p:sldLayout xmlns:a="http://schemas.openxmlformats.org/drawingml/2006/main" xmlns:r="http://schemas.openxmlformats.org/officeDocument/2006/relationships" xmlns:p="http://schemas.openxmlformats.org/presentationml/2006/main" type="blank" preserve="1">
   <p:cSld name="Title, 6 Content">
     <p:spTree>
       <p:nvGrpSpPr>
@@ -986,14 +1173,15 @@
           </a:ln>
         </p:spPr>
         <p:txBody>
-          <a:bodyPr lIns="0" rIns="0" tIns="0" bIns="0" anchor="ctr">
+          <a:bodyPr lIns="0" tIns="0" rIns="0" bIns="0" anchor="ctr">
             <a:noAutofit/>
           </a:bodyPr>
+          <a:lstStyle/>
           <a:p>
             <a:pPr indent="0">
               <a:buNone/>
             </a:pPr>
-            <a:endParaRPr b="0" lang="pt-BR" sz="1800" spc="-1" strike="noStrike">
+            <a:endParaRPr lang="pt-BR" sz="1800" b="0" strike="noStrike" spc="-1">
               <a:solidFill>
                 <a:srgbClr val="000000"/>
               </a:solidFill>
@@ -1026,9 +1214,10 @@
           </a:ln>
         </p:spPr>
         <p:txBody>
-          <a:bodyPr lIns="0" rIns="0" tIns="0" bIns="0" anchor="t">
+          <a:bodyPr lIns="0" tIns="0" rIns="0" bIns="0" anchor="t">
             <a:normAutofit/>
           </a:bodyPr>
+          <a:lstStyle/>
           <a:p>
             <a:pPr indent="0">
               <a:lnSpc>
@@ -1039,7 +1228,7 @@
               </a:spcBef>
               <a:buNone/>
             </a:pPr>
-            <a:endParaRPr b="0" lang="pt-BR" sz="2800" spc="-1" strike="noStrike">
+            <a:endParaRPr lang="pt-BR" sz="2800" b="0" strike="noStrike" spc="-1">
               <a:solidFill>
                 <a:srgbClr val="000000"/>
               </a:solidFill>
@@ -1072,9 +1261,10 @@
           </a:ln>
         </p:spPr>
         <p:txBody>
-          <a:bodyPr lIns="0" rIns="0" tIns="0" bIns="0" anchor="t">
+          <a:bodyPr lIns="0" tIns="0" rIns="0" bIns="0" anchor="t">
             <a:normAutofit/>
           </a:bodyPr>
+          <a:lstStyle/>
           <a:p>
             <a:pPr indent="0">
               <a:lnSpc>
@@ -1085,7 +1275,7 @@
               </a:spcBef>
               <a:buNone/>
             </a:pPr>
-            <a:endParaRPr b="0" lang="pt-BR" sz="2800" spc="-1" strike="noStrike">
+            <a:endParaRPr lang="pt-BR" sz="2800" b="0" strike="noStrike" spc="-1">
               <a:solidFill>
                 <a:srgbClr val="000000"/>
               </a:solidFill>
@@ -1118,9 +1308,10 @@
           </a:ln>
         </p:spPr>
         <p:txBody>
-          <a:bodyPr lIns="0" rIns="0" tIns="0" bIns="0" anchor="t">
+          <a:bodyPr lIns="0" tIns="0" rIns="0" bIns="0" anchor="t">
             <a:normAutofit/>
           </a:bodyPr>
+          <a:lstStyle/>
           <a:p>
             <a:pPr indent="0">
               <a:lnSpc>
@@ -1131,7 +1322,7 @@
               </a:spcBef>
               <a:buNone/>
             </a:pPr>
-            <a:endParaRPr b="0" lang="pt-BR" sz="2800" spc="-1" strike="noStrike">
+            <a:endParaRPr lang="pt-BR" sz="2800" b="0" strike="noStrike" spc="-1">
               <a:solidFill>
                 <a:srgbClr val="000000"/>
               </a:solidFill>
@@ -1164,9 +1355,10 @@
           </a:ln>
         </p:spPr>
         <p:txBody>
-          <a:bodyPr lIns="0" rIns="0" tIns="0" bIns="0" anchor="t">
+          <a:bodyPr lIns="0" tIns="0" rIns="0" bIns="0" anchor="t">
             <a:normAutofit/>
           </a:bodyPr>
+          <a:lstStyle/>
           <a:p>
             <a:pPr indent="0">
               <a:lnSpc>
@@ -1177,7 +1369,7 @@
               </a:spcBef>
               <a:buNone/>
             </a:pPr>
-            <a:endParaRPr b="0" lang="pt-BR" sz="2800" spc="-1" strike="noStrike">
+            <a:endParaRPr lang="pt-BR" sz="2800" b="0" strike="noStrike" spc="-1">
               <a:solidFill>
                 <a:srgbClr val="000000"/>
               </a:solidFill>
@@ -1210,9 +1402,10 @@
           </a:ln>
         </p:spPr>
         <p:txBody>
-          <a:bodyPr lIns="0" rIns="0" tIns="0" bIns="0" anchor="t">
+          <a:bodyPr lIns="0" tIns="0" rIns="0" bIns="0" anchor="t">
             <a:normAutofit/>
           </a:bodyPr>
+          <a:lstStyle/>
           <a:p>
             <a:pPr indent="0">
               <a:lnSpc>
@@ -1223,7 +1416,7 @@
               </a:spcBef>
               <a:buNone/>
             </a:pPr>
-            <a:endParaRPr b="0" lang="pt-BR" sz="2800" spc="-1" strike="noStrike">
+            <a:endParaRPr lang="pt-BR" sz="2800" b="0" strike="noStrike" spc="-1">
               <a:solidFill>
                 <a:srgbClr val="000000"/>
               </a:solidFill>
@@ -1256,9 +1449,10 @@
           </a:ln>
         </p:spPr>
         <p:txBody>
-          <a:bodyPr lIns="0" rIns="0" tIns="0" bIns="0" anchor="t">
+          <a:bodyPr lIns="0" tIns="0" rIns="0" bIns="0" anchor="t">
             <a:normAutofit/>
           </a:bodyPr>
+          <a:lstStyle/>
           <a:p>
             <a:pPr indent="0">
               <a:lnSpc>
@@ -1269,7 +1463,7 @@
               </a:spcBef>
               <a:buNone/>
             </a:pPr>
-            <a:endParaRPr b="0" lang="pt-BR" sz="2800" spc="-1" strike="noStrike">
+            <a:endParaRPr lang="pt-BR" sz="2800" b="0" strike="noStrike" spc="-1">
               <a:solidFill>
                 <a:srgbClr val="000000"/>
               </a:solidFill>
@@ -1280,11 +1474,14 @@
       </p:sp>
     </p:spTree>
   </p:cSld>
+  <p:clrMapOvr>
+    <a:masterClrMapping/>
+  </p:clrMapOvr>
 </p:sldLayout>
 </file>
 
 <file path=ppt/slideLayouts/slideLayout13.xml><?xml version="1.0" encoding="utf-8"?>
-<p:sldLayout xmlns:a="http://schemas.openxmlformats.org/drawingml/2006/main" xmlns:p="http://schemas.openxmlformats.org/presentationml/2006/main" xmlns:r="http://schemas.openxmlformats.org/officeDocument/2006/relationships" xmlns:p14="http://schemas.microsoft.com/office/powerpoint/2010/main" xmlns:p15="http://schemas.microsoft.com/office/powerpoint/2012/main" xmlns:mc="http://schemas.openxmlformats.org/markup-compatibility/2006" type="blank" preserve="1">
+<p:sldLayout xmlns:a="http://schemas.openxmlformats.org/drawingml/2006/main" xmlns:r="http://schemas.openxmlformats.org/officeDocument/2006/relationships" xmlns:p="http://schemas.openxmlformats.org/presentationml/2006/main" type="blank" preserve="1">
   <p:cSld name="Blank Slide">
     <p:spTree>
       <p:nvGrpSpPr>
@@ -1313,6 +1510,7 @@
         <p:spPr/>
         <p:txBody>
           <a:bodyPr/>
+          <a:lstStyle/>
           <a:p>
             <a:r>
               <a:t>Footer</a:t>
@@ -1333,10 +1531,12 @@
         <p:spPr/>
         <p:txBody>
           <a:bodyPr/>
+          <a:lstStyle/>
           <a:p>
             <a:fld id="{D7742715-9672-4E7C-B39C-747FD3A080F9}" type="slidenum">
-              <a:t>&lt;#&gt;</a:t>
+              <a:t>‹nº›</a:t>
             </a:fld>
+            <a:endParaRPr/>
           </a:p>
         </p:txBody>
       </p:sp>
@@ -1353,21 +1553,22 @@
         <p:spPr/>
         <p:txBody>
           <a:bodyPr/>
-          <a:p>
-            <a:r>
-              <a:rPr lang="pt-BR"/>
-              <a:t/>
-            </a:r>
+          <a:lstStyle/>
+          <a:p>
+            <a:endParaRPr/>
           </a:p>
         </p:txBody>
       </p:sp>
     </p:spTree>
   </p:cSld>
+  <p:clrMapOvr>
+    <a:masterClrMapping/>
+  </p:clrMapOvr>
 </p:sldLayout>
 </file>
 
 <file path=ppt/slideLayouts/slideLayout14.xml><?xml version="1.0" encoding="utf-8"?>
-<p:sldLayout xmlns:a="http://schemas.openxmlformats.org/drawingml/2006/main" xmlns:p="http://schemas.openxmlformats.org/presentationml/2006/main" xmlns:r="http://schemas.openxmlformats.org/officeDocument/2006/relationships" xmlns:p14="http://schemas.microsoft.com/office/powerpoint/2010/main" xmlns:p15="http://schemas.microsoft.com/office/powerpoint/2012/main" xmlns:mc="http://schemas.openxmlformats.org/markup-compatibility/2006" type="tx" preserve="1">
+<p:sldLayout xmlns:a="http://schemas.openxmlformats.org/drawingml/2006/main" xmlns:r="http://schemas.openxmlformats.org/officeDocument/2006/relationships" xmlns:p="http://schemas.openxmlformats.org/presentationml/2006/main" type="tx" preserve="1">
   <p:cSld name="Title Slide">
     <p:spTree>
       <p:nvGrpSpPr>
@@ -1407,14 +1608,15 @@
           </a:ln>
         </p:spPr>
         <p:txBody>
-          <a:bodyPr lIns="0" rIns="0" tIns="0" bIns="0" anchor="ctr">
+          <a:bodyPr lIns="0" tIns="0" rIns="0" bIns="0" anchor="ctr">
             <a:noAutofit/>
           </a:bodyPr>
+          <a:lstStyle/>
           <a:p>
             <a:pPr indent="0">
               <a:buNone/>
             </a:pPr>
-            <a:endParaRPr b="0" lang="pt-BR" sz="1800" spc="-1" strike="noStrike">
+            <a:endParaRPr lang="pt-BR" sz="1800" b="0" strike="noStrike" spc="-1">
               <a:solidFill>
                 <a:srgbClr val="000000"/>
               </a:solidFill>
@@ -1447,14 +1649,15 @@
           </a:ln>
         </p:spPr>
         <p:txBody>
-          <a:bodyPr lIns="0" rIns="0" tIns="0" bIns="0" anchor="ctr">
+          <a:bodyPr lIns="0" tIns="0" rIns="0" bIns="0" anchor="ctr">
             <a:noAutofit/>
           </a:bodyPr>
+          <a:lstStyle/>
           <a:p>
             <a:pPr indent="0" algn="ctr">
               <a:buNone/>
             </a:pPr>
-            <a:endParaRPr b="0" lang="pt-BR" sz="3200" spc="-1" strike="noStrike">
+            <a:endParaRPr lang="pt-BR" sz="3200" b="0" strike="noStrike" spc="-1">
               <a:solidFill>
                 <a:srgbClr val="000000"/>
               </a:solidFill>
@@ -1476,6 +1679,7 @@
         <p:spPr/>
         <p:txBody>
           <a:bodyPr/>
+          <a:lstStyle/>
           <a:p>
             <a:r>
               <a:t>Footer</a:t>
@@ -1496,10 +1700,12 @@
         <p:spPr/>
         <p:txBody>
           <a:bodyPr/>
+          <a:lstStyle/>
           <a:p>
             <a:fld id="{5E3E0BC6-6AD5-478B-ACC5-2D1E1E2DAABE}" type="slidenum">
-              <a:t>&lt;#&gt;</a:t>
+              <a:t>‹nº›</a:t>
             </a:fld>
+            <a:endParaRPr/>
           </a:p>
         </p:txBody>
       </p:sp>
@@ -1516,21 +1722,22 @@
         <p:spPr/>
         <p:txBody>
           <a:bodyPr/>
-          <a:p>
-            <a:r>
-              <a:rPr lang="pt-BR"/>
-              <a:t/>
-            </a:r>
+          <a:lstStyle/>
+          <a:p>
+            <a:endParaRPr/>
           </a:p>
         </p:txBody>
       </p:sp>
     </p:spTree>
   </p:cSld>
+  <p:clrMapOvr>
+    <a:masterClrMapping/>
+  </p:clrMapOvr>
 </p:sldLayout>
 </file>
 
 <file path=ppt/slideLayouts/slideLayout15.xml><?xml version="1.0" encoding="utf-8"?>
-<p:sldLayout xmlns:a="http://schemas.openxmlformats.org/drawingml/2006/main" xmlns:p="http://schemas.openxmlformats.org/presentationml/2006/main" xmlns:r="http://schemas.openxmlformats.org/officeDocument/2006/relationships" xmlns:p14="http://schemas.microsoft.com/office/powerpoint/2010/main" xmlns:p15="http://schemas.microsoft.com/office/powerpoint/2012/main" xmlns:mc="http://schemas.openxmlformats.org/markup-compatibility/2006" type="obj" preserve="1">
+<p:sldLayout xmlns:a="http://schemas.openxmlformats.org/drawingml/2006/main" xmlns:r="http://schemas.openxmlformats.org/officeDocument/2006/relationships" xmlns:p="http://schemas.openxmlformats.org/presentationml/2006/main" type="obj" preserve="1">
   <p:cSld name="Title, Content">
     <p:spTree>
       <p:nvGrpSpPr>
@@ -1570,14 +1777,15 @@
           </a:ln>
         </p:spPr>
         <p:txBody>
-          <a:bodyPr lIns="0" rIns="0" tIns="0" bIns="0" anchor="ctr">
+          <a:bodyPr lIns="0" tIns="0" rIns="0" bIns="0" anchor="ctr">
             <a:noAutofit/>
           </a:bodyPr>
+          <a:lstStyle/>
           <a:p>
             <a:pPr indent="0">
               <a:buNone/>
             </a:pPr>
-            <a:endParaRPr b="0" lang="pt-BR" sz="1800" spc="-1" strike="noStrike">
+            <a:endParaRPr lang="pt-BR" sz="1800" b="0" strike="noStrike" spc="-1">
               <a:solidFill>
                 <a:srgbClr val="000000"/>
               </a:solidFill>
@@ -1610,9 +1818,10 @@
           </a:ln>
         </p:spPr>
         <p:txBody>
-          <a:bodyPr lIns="0" rIns="0" tIns="0" bIns="0" anchor="t">
+          <a:bodyPr lIns="0" tIns="0" rIns="0" bIns="0" anchor="t">
             <a:normAutofit/>
           </a:bodyPr>
+          <a:lstStyle/>
           <a:p>
             <a:pPr indent="0">
               <a:lnSpc>
@@ -1623,7 +1832,7 @@
               </a:spcBef>
               <a:buNone/>
             </a:pPr>
-            <a:endParaRPr b="0" lang="pt-BR" sz="2800" spc="-1" strike="noStrike">
+            <a:endParaRPr lang="pt-BR" sz="2800" b="0" strike="noStrike" spc="-1">
               <a:solidFill>
                 <a:srgbClr val="000000"/>
               </a:solidFill>
@@ -1645,6 +1854,7 @@
         <p:spPr/>
         <p:txBody>
           <a:bodyPr/>
+          <a:lstStyle/>
           <a:p>
             <a:r>
               <a:t>Footer</a:t>
@@ -1665,10 +1875,12 @@
         <p:spPr/>
         <p:txBody>
           <a:bodyPr/>
+          <a:lstStyle/>
           <a:p>
             <a:fld id="{8D296A8C-3495-475A-9541-93E4D85C836D}" type="slidenum">
-              <a:t>&lt;#&gt;</a:t>
+              <a:t>‹nº›</a:t>
             </a:fld>
+            <a:endParaRPr/>
           </a:p>
         </p:txBody>
       </p:sp>
@@ -1685,21 +1897,22 @@
         <p:spPr/>
         <p:txBody>
           <a:bodyPr/>
-          <a:p>
-            <a:r>
-              <a:rPr lang="pt-BR"/>
-              <a:t/>
-            </a:r>
+          <a:lstStyle/>
+          <a:p>
+            <a:endParaRPr/>
           </a:p>
         </p:txBody>
       </p:sp>
     </p:spTree>
   </p:cSld>
+  <p:clrMapOvr>
+    <a:masterClrMapping/>
+  </p:clrMapOvr>
 </p:sldLayout>
 </file>
 
 <file path=ppt/slideLayouts/slideLayout16.xml><?xml version="1.0" encoding="utf-8"?>
-<p:sldLayout xmlns:a="http://schemas.openxmlformats.org/drawingml/2006/main" xmlns:p="http://schemas.openxmlformats.org/presentationml/2006/main" xmlns:r="http://schemas.openxmlformats.org/officeDocument/2006/relationships" xmlns:p14="http://schemas.microsoft.com/office/powerpoint/2010/main" xmlns:p15="http://schemas.microsoft.com/office/powerpoint/2012/main" xmlns:mc="http://schemas.openxmlformats.org/markup-compatibility/2006" type="twoObj" preserve="1">
+<p:sldLayout xmlns:a="http://schemas.openxmlformats.org/drawingml/2006/main" xmlns:r="http://schemas.openxmlformats.org/officeDocument/2006/relationships" xmlns:p="http://schemas.openxmlformats.org/presentationml/2006/main" type="twoObj" preserve="1">
   <p:cSld name="Title, 2 Content">
     <p:spTree>
       <p:nvGrpSpPr>
@@ -1739,14 +1952,15 @@
           </a:ln>
         </p:spPr>
         <p:txBody>
-          <a:bodyPr lIns="0" rIns="0" tIns="0" bIns="0" anchor="ctr">
+          <a:bodyPr lIns="0" tIns="0" rIns="0" bIns="0" anchor="ctr">
             <a:noAutofit/>
           </a:bodyPr>
+          <a:lstStyle/>
           <a:p>
             <a:pPr indent="0">
               <a:buNone/>
             </a:pPr>
-            <a:endParaRPr b="0" lang="pt-BR" sz="1800" spc="-1" strike="noStrike">
+            <a:endParaRPr lang="pt-BR" sz="1800" b="0" strike="noStrike" spc="-1">
               <a:solidFill>
                 <a:srgbClr val="000000"/>
               </a:solidFill>
@@ -1779,9 +1993,10 @@
           </a:ln>
         </p:spPr>
         <p:txBody>
-          <a:bodyPr lIns="0" rIns="0" tIns="0" bIns="0" anchor="t">
+          <a:bodyPr lIns="0" tIns="0" rIns="0" bIns="0" anchor="t">
             <a:normAutofit/>
           </a:bodyPr>
+          <a:lstStyle/>
           <a:p>
             <a:pPr indent="0">
               <a:lnSpc>
@@ -1792,7 +2007,7 @@
               </a:spcBef>
               <a:buNone/>
             </a:pPr>
-            <a:endParaRPr b="0" lang="pt-BR" sz="2800" spc="-1" strike="noStrike">
+            <a:endParaRPr lang="pt-BR" sz="2800" b="0" strike="noStrike" spc="-1">
               <a:solidFill>
                 <a:srgbClr val="000000"/>
               </a:solidFill>
@@ -1825,9 +2040,10 @@
           </a:ln>
         </p:spPr>
         <p:txBody>
-          <a:bodyPr lIns="0" rIns="0" tIns="0" bIns="0" anchor="t">
+          <a:bodyPr lIns="0" tIns="0" rIns="0" bIns="0" anchor="t">
             <a:normAutofit/>
           </a:bodyPr>
+          <a:lstStyle/>
           <a:p>
             <a:pPr indent="0">
               <a:lnSpc>
@@ -1838,7 +2054,7 @@
               </a:spcBef>
               <a:buNone/>
             </a:pPr>
-            <a:endParaRPr b="0" lang="pt-BR" sz="2800" spc="-1" strike="noStrike">
+            <a:endParaRPr lang="pt-BR" sz="2800" b="0" strike="noStrike" spc="-1">
               <a:solidFill>
                 <a:srgbClr val="000000"/>
               </a:solidFill>
@@ -1860,6 +2076,7 @@
         <p:spPr/>
         <p:txBody>
           <a:bodyPr/>
+          <a:lstStyle/>
           <a:p>
             <a:r>
               <a:t>Footer</a:t>
@@ -1880,10 +2097,12 @@
         <p:spPr/>
         <p:txBody>
           <a:bodyPr/>
+          <a:lstStyle/>
           <a:p>
             <a:fld id="{AEAE6E06-6BAD-4AFA-A42F-F6A3FDAB1258}" type="slidenum">
-              <a:t>&lt;#&gt;</a:t>
+              <a:t>‹nº›</a:t>
             </a:fld>
+            <a:endParaRPr/>
           </a:p>
         </p:txBody>
       </p:sp>
@@ -1900,21 +2119,22 @@
         <p:spPr/>
         <p:txBody>
           <a:bodyPr/>
-          <a:p>
-            <a:r>
-              <a:rPr lang="pt-BR"/>
-              <a:t/>
-            </a:r>
+          <a:lstStyle/>
+          <a:p>
+            <a:endParaRPr/>
           </a:p>
         </p:txBody>
       </p:sp>
     </p:spTree>
   </p:cSld>
+  <p:clrMapOvr>
+    <a:masterClrMapping/>
+  </p:clrMapOvr>
 </p:sldLayout>
 </file>
 
 <file path=ppt/slideLayouts/slideLayout17.xml><?xml version="1.0" encoding="utf-8"?>
-<p:sldLayout xmlns:a="http://schemas.openxmlformats.org/drawingml/2006/main" xmlns:p="http://schemas.openxmlformats.org/presentationml/2006/main" xmlns:r="http://schemas.openxmlformats.org/officeDocument/2006/relationships" xmlns:p14="http://schemas.microsoft.com/office/powerpoint/2010/main" xmlns:p15="http://schemas.microsoft.com/office/powerpoint/2012/main" xmlns:mc="http://schemas.openxmlformats.org/markup-compatibility/2006" type="titleOnly" preserve="1">
+<p:sldLayout xmlns:a="http://schemas.openxmlformats.org/drawingml/2006/main" xmlns:r="http://schemas.openxmlformats.org/officeDocument/2006/relationships" xmlns:p="http://schemas.openxmlformats.org/presentationml/2006/main" type="titleOnly" preserve="1">
   <p:cSld name="Title Only">
     <p:spTree>
       <p:nvGrpSpPr>
@@ -1954,14 +2174,15 @@
           </a:ln>
         </p:spPr>
         <p:txBody>
-          <a:bodyPr lIns="0" rIns="0" tIns="0" bIns="0" anchor="ctr">
+          <a:bodyPr lIns="0" tIns="0" rIns="0" bIns="0" anchor="ctr">
             <a:noAutofit/>
           </a:bodyPr>
+          <a:lstStyle/>
           <a:p>
             <a:pPr indent="0">
               <a:buNone/>
             </a:pPr>
-            <a:endParaRPr b="0" lang="pt-BR" sz="1800" spc="-1" strike="noStrike">
+            <a:endParaRPr lang="pt-BR" sz="1800" b="0" strike="noStrike" spc="-1">
               <a:solidFill>
                 <a:srgbClr val="000000"/>
               </a:solidFill>
@@ -1983,6 +2204,7 @@
         <p:spPr/>
         <p:txBody>
           <a:bodyPr/>
+          <a:lstStyle/>
           <a:p>
             <a:r>
               <a:t>Footer</a:t>
@@ -2003,10 +2225,12 @@
         <p:spPr/>
         <p:txBody>
           <a:bodyPr/>
+          <a:lstStyle/>
           <a:p>
             <a:fld id="{5A6E9295-9EFE-40AE-BA08-43750A751FFC}" type="slidenum">
-              <a:t>&lt;#&gt;</a:t>
+              <a:t>‹nº›</a:t>
             </a:fld>
+            <a:endParaRPr/>
           </a:p>
         </p:txBody>
       </p:sp>
@@ -2023,21 +2247,22 @@
         <p:spPr/>
         <p:txBody>
           <a:bodyPr/>
-          <a:p>
-            <a:r>
-              <a:rPr lang="pt-BR"/>
-              <a:t/>
-            </a:r>
+          <a:lstStyle/>
+          <a:p>
+            <a:endParaRPr/>
           </a:p>
         </p:txBody>
       </p:sp>
     </p:spTree>
   </p:cSld>
+  <p:clrMapOvr>
+    <a:masterClrMapping/>
+  </p:clrMapOvr>
 </p:sldLayout>
 </file>
 
 <file path=ppt/slideLayouts/slideLayout18.xml><?xml version="1.0" encoding="utf-8"?>
-<p:sldLayout xmlns:a="http://schemas.openxmlformats.org/drawingml/2006/main" xmlns:p="http://schemas.openxmlformats.org/presentationml/2006/main" xmlns:r="http://schemas.openxmlformats.org/officeDocument/2006/relationships" xmlns:p14="http://schemas.microsoft.com/office/powerpoint/2010/main" xmlns:p15="http://schemas.microsoft.com/office/powerpoint/2012/main" xmlns:mc="http://schemas.openxmlformats.org/markup-compatibility/2006" type="objOnly" preserve="1">
+<p:sldLayout xmlns:a="http://schemas.openxmlformats.org/drawingml/2006/main" xmlns:r="http://schemas.openxmlformats.org/officeDocument/2006/relationships" xmlns:p="http://schemas.openxmlformats.org/presentationml/2006/main" type="objOnly" preserve="1">
   <p:cSld name="Centered Text">
     <p:spTree>
       <p:nvGrpSpPr>
@@ -2077,12 +2302,13 @@
           </a:ln>
         </p:spPr>
         <p:txBody>
-          <a:bodyPr lIns="0" rIns="0" tIns="0" bIns="0" anchor="ctr">
+          <a:bodyPr lIns="0" tIns="0" rIns="0" bIns="0" anchor="ctr">
             <a:noAutofit/>
           </a:bodyPr>
+          <a:lstStyle/>
           <a:p>
             <a:pPr algn="ctr"/>
-            <a:endParaRPr b="0" lang="pt-BR" sz="3200" spc="-1" strike="noStrike">
+            <a:endParaRPr lang="pt-BR" sz="3200" b="0" strike="noStrike" spc="-1">
               <a:solidFill>
                 <a:srgbClr val="000000"/>
               </a:solidFill>
@@ -2104,6 +2330,7 @@
         <p:spPr/>
         <p:txBody>
           <a:bodyPr/>
+          <a:lstStyle/>
           <a:p>
             <a:r>
               <a:t>Footer</a:t>
@@ -2124,10 +2351,12 @@
         <p:spPr/>
         <p:txBody>
           <a:bodyPr/>
+          <a:lstStyle/>
           <a:p>
             <a:fld id="{C0D31825-9EEB-4121-BD4C-69DDD3810ABE}" type="slidenum">
-              <a:t>&lt;#&gt;</a:t>
+              <a:t>‹nº›</a:t>
             </a:fld>
+            <a:endParaRPr/>
           </a:p>
         </p:txBody>
       </p:sp>
@@ -2144,21 +2373,22 @@
         <p:spPr/>
         <p:txBody>
           <a:bodyPr/>
-          <a:p>
-            <a:r>
-              <a:rPr lang="pt-BR"/>
-              <a:t/>
-            </a:r>
+          <a:lstStyle/>
+          <a:p>
+            <a:endParaRPr/>
           </a:p>
         </p:txBody>
       </p:sp>
     </p:spTree>
   </p:cSld>
+  <p:clrMapOvr>
+    <a:masterClrMapping/>
+  </p:clrMapOvr>
 </p:sldLayout>
 </file>
 
 <file path=ppt/slideLayouts/slideLayout19.xml><?xml version="1.0" encoding="utf-8"?>
-<p:sldLayout xmlns:a="http://schemas.openxmlformats.org/drawingml/2006/main" xmlns:p="http://schemas.openxmlformats.org/presentationml/2006/main" xmlns:r="http://schemas.openxmlformats.org/officeDocument/2006/relationships" xmlns:p14="http://schemas.microsoft.com/office/powerpoint/2010/main" xmlns:p15="http://schemas.microsoft.com/office/powerpoint/2012/main" xmlns:mc="http://schemas.openxmlformats.org/markup-compatibility/2006" type="twoObjAndObj" preserve="1">
+<p:sldLayout xmlns:a="http://schemas.openxmlformats.org/drawingml/2006/main" xmlns:r="http://schemas.openxmlformats.org/officeDocument/2006/relationships" xmlns:p="http://schemas.openxmlformats.org/presentationml/2006/main" type="twoObjAndObj" preserve="1">
   <p:cSld name="Title, 2 Content and Content">
     <p:spTree>
       <p:nvGrpSpPr>
@@ -2198,14 +2428,15 @@
           </a:ln>
         </p:spPr>
         <p:txBody>
-          <a:bodyPr lIns="0" rIns="0" tIns="0" bIns="0" anchor="ctr">
+          <a:bodyPr lIns="0" tIns="0" rIns="0" bIns="0" anchor="ctr">
             <a:noAutofit/>
           </a:bodyPr>
+          <a:lstStyle/>
           <a:p>
             <a:pPr indent="0">
               <a:buNone/>
             </a:pPr>
-            <a:endParaRPr b="0" lang="pt-BR" sz="1800" spc="-1" strike="noStrike">
+            <a:endParaRPr lang="pt-BR" sz="1800" b="0" strike="noStrike" spc="-1">
               <a:solidFill>
                 <a:srgbClr val="000000"/>
               </a:solidFill>
@@ -2238,9 +2469,10 @@
           </a:ln>
         </p:spPr>
         <p:txBody>
-          <a:bodyPr lIns="0" rIns="0" tIns="0" bIns="0" anchor="t">
+          <a:bodyPr lIns="0" tIns="0" rIns="0" bIns="0" anchor="t">
             <a:normAutofit/>
           </a:bodyPr>
+          <a:lstStyle/>
           <a:p>
             <a:pPr indent="0">
               <a:lnSpc>
@@ -2251,7 +2483,7 @@
               </a:spcBef>
               <a:buNone/>
             </a:pPr>
-            <a:endParaRPr b="0" lang="pt-BR" sz="2800" spc="-1" strike="noStrike">
+            <a:endParaRPr lang="pt-BR" sz="2800" b="0" strike="noStrike" spc="-1">
               <a:solidFill>
                 <a:srgbClr val="000000"/>
               </a:solidFill>
@@ -2284,9 +2516,10 @@
           </a:ln>
         </p:spPr>
         <p:txBody>
-          <a:bodyPr lIns="0" rIns="0" tIns="0" bIns="0" anchor="t">
+          <a:bodyPr lIns="0" tIns="0" rIns="0" bIns="0" anchor="t">
             <a:normAutofit/>
           </a:bodyPr>
+          <a:lstStyle/>
           <a:p>
             <a:pPr indent="0">
               <a:lnSpc>
@@ -2297,7 +2530,7 @@
               </a:spcBef>
               <a:buNone/>
             </a:pPr>
-            <a:endParaRPr b="0" lang="pt-BR" sz="2800" spc="-1" strike="noStrike">
+            <a:endParaRPr lang="pt-BR" sz="2800" b="0" strike="noStrike" spc="-1">
               <a:solidFill>
                 <a:srgbClr val="000000"/>
               </a:solidFill>
@@ -2330,9 +2563,10 @@
           </a:ln>
         </p:spPr>
         <p:txBody>
-          <a:bodyPr lIns="0" rIns="0" tIns="0" bIns="0" anchor="t">
+          <a:bodyPr lIns="0" tIns="0" rIns="0" bIns="0" anchor="t">
             <a:normAutofit/>
           </a:bodyPr>
+          <a:lstStyle/>
           <a:p>
             <a:pPr indent="0">
               <a:lnSpc>
@@ -2343,7 +2577,7 @@
               </a:spcBef>
               <a:buNone/>
             </a:pPr>
-            <a:endParaRPr b="0" lang="pt-BR" sz="2800" spc="-1" strike="noStrike">
+            <a:endParaRPr lang="pt-BR" sz="2800" b="0" strike="noStrike" spc="-1">
               <a:solidFill>
                 <a:srgbClr val="000000"/>
               </a:solidFill>
@@ -2365,6 +2599,7 @@
         <p:spPr/>
         <p:txBody>
           <a:bodyPr/>
+          <a:lstStyle/>
           <a:p>
             <a:r>
               <a:t>Footer</a:t>
@@ -2385,10 +2620,12 @@
         <p:spPr/>
         <p:txBody>
           <a:bodyPr/>
+          <a:lstStyle/>
           <a:p>
             <a:fld id="{2C6A2467-23C1-4CDC-80EE-123983F16986}" type="slidenum">
-              <a:t>&lt;#&gt;</a:t>
+              <a:t>‹nº›</a:t>
             </a:fld>
+            <a:endParaRPr/>
           </a:p>
         </p:txBody>
       </p:sp>
@@ -2405,21 +2642,22 @@
         <p:spPr/>
         <p:txBody>
           <a:bodyPr/>
-          <a:p>
-            <a:r>
-              <a:rPr lang="pt-BR"/>
-              <a:t/>
-            </a:r>
+          <a:lstStyle/>
+          <a:p>
+            <a:endParaRPr/>
           </a:p>
         </p:txBody>
       </p:sp>
     </p:spTree>
   </p:cSld>
+  <p:clrMapOvr>
+    <a:masterClrMapping/>
+  </p:clrMapOvr>
 </p:sldLayout>
 </file>
 
 <file path=ppt/slideLayouts/slideLayout2.xml><?xml version="1.0" encoding="utf-8"?>
-<p:sldLayout xmlns:a="http://schemas.openxmlformats.org/drawingml/2006/main" xmlns:p="http://schemas.openxmlformats.org/presentationml/2006/main" xmlns:r="http://schemas.openxmlformats.org/officeDocument/2006/relationships" xmlns:p14="http://schemas.microsoft.com/office/powerpoint/2010/main" xmlns:p15="http://schemas.microsoft.com/office/powerpoint/2012/main" xmlns:mc="http://schemas.openxmlformats.org/markup-compatibility/2006" type="tx" preserve="1">
+<p:sldLayout xmlns:a="http://schemas.openxmlformats.org/drawingml/2006/main" xmlns:r="http://schemas.openxmlformats.org/officeDocument/2006/relationships" xmlns:p="http://schemas.openxmlformats.org/presentationml/2006/main" type="tx" preserve="1">
   <p:cSld name="Title Slide">
     <p:spTree>
       <p:nvGrpSpPr>
@@ -2459,14 +2697,15 @@
           </a:ln>
         </p:spPr>
         <p:txBody>
-          <a:bodyPr lIns="0" rIns="0" tIns="0" bIns="0" anchor="ctr">
+          <a:bodyPr lIns="0" tIns="0" rIns="0" bIns="0" anchor="ctr">
             <a:noAutofit/>
           </a:bodyPr>
+          <a:lstStyle/>
           <a:p>
             <a:pPr indent="0">
               <a:buNone/>
             </a:pPr>
-            <a:endParaRPr b="0" lang="pt-BR" sz="1800" spc="-1" strike="noStrike">
+            <a:endParaRPr lang="pt-BR" sz="1800" b="0" strike="noStrike" spc="-1">
               <a:solidFill>
                 <a:srgbClr val="000000"/>
               </a:solidFill>
@@ -2499,14 +2738,15 @@
           </a:ln>
         </p:spPr>
         <p:txBody>
-          <a:bodyPr lIns="0" rIns="0" tIns="0" bIns="0" anchor="ctr">
+          <a:bodyPr lIns="0" tIns="0" rIns="0" bIns="0" anchor="ctr">
             <a:noAutofit/>
           </a:bodyPr>
+          <a:lstStyle/>
           <a:p>
             <a:pPr indent="0" algn="ctr">
               <a:buNone/>
             </a:pPr>
-            <a:endParaRPr b="0" lang="pt-BR" sz="3200" spc="-1" strike="noStrike">
+            <a:endParaRPr lang="pt-BR" sz="3200" b="0" strike="noStrike" spc="-1">
               <a:solidFill>
                 <a:srgbClr val="000000"/>
               </a:solidFill>
@@ -2517,11 +2757,14 @@
       </p:sp>
     </p:spTree>
   </p:cSld>
+  <p:clrMapOvr>
+    <a:masterClrMapping/>
+  </p:clrMapOvr>
 </p:sldLayout>
 </file>
 
 <file path=ppt/slideLayouts/slideLayout20.xml><?xml version="1.0" encoding="utf-8"?>
-<p:sldLayout xmlns:a="http://schemas.openxmlformats.org/drawingml/2006/main" xmlns:p="http://schemas.openxmlformats.org/presentationml/2006/main" xmlns:r="http://schemas.openxmlformats.org/officeDocument/2006/relationships" xmlns:p14="http://schemas.microsoft.com/office/powerpoint/2010/main" xmlns:p15="http://schemas.microsoft.com/office/powerpoint/2012/main" xmlns:mc="http://schemas.openxmlformats.org/markup-compatibility/2006" type="objAndTwoObj" preserve="1">
+<p:sldLayout xmlns:a="http://schemas.openxmlformats.org/drawingml/2006/main" xmlns:r="http://schemas.openxmlformats.org/officeDocument/2006/relationships" xmlns:p="http://schemas.openxmlformats.org/presentationml/2006/main" type="objAndTwoObj" preserve="1">
   <p:cSld name="Title Content and 2 Content">
     <p:spTree>
       <p:nvGrpSpPr>
@@ -2561,14 +2804,15 @@
           </a:ln>
         </p:spPr>
         <p:txBody>
-          <a:bodyPr lIns="0" rIns="0" tIns="0" bIns="0" anchor="ctr">
+          <a:bodyPr lIns="0" tIns="0" rIns="0" bIns="0" anchor="ctr">
             <a:noAutofit/>
           </a:bodyPr>
+          <a:lstStyle/>
           <a:p>
             <a:pPr indent="0">
               <a:buNone/>
             </a:pPr>
-            <a:endParaRPr b="0" lang="pt-BR" sz="1800" spc="-1" strike="noStrike">
+            <a:endParaRPr lang="pt-BR" sz="1800" b="0" strike="noStrike" spc="-1">
               <a:solidFill>
                 <a:srgbClr val="000000"/>
               </a:solidFill>
@@ -2601,9 +2845,10 @@
           </a:ln>
         </p:spPr>
         <p:txBody>
-          <a:bodyPr lIns="0" rIns="0" tIns="0" bIns="0" anchor="t">
+          <a:bodyPr lIns="0" tIns="0" rIns="0" bIns="0" anchor="t">
             <a:normAutofit/>
           </a:bodyPr>
+          <a:lstStyle/>
           <a:p>
             <a:pPr indent="0">
               <a:lnSpc>
@@ -2614,7 +2859,7 @@
               </a:spcBef>
               <a:buNone/>
             </a:pPr>
-            <a:endParaRPr b="0" lang="pt-BR" sz="2800" spc="-1" strike="noStrike">
+            <a:endParaRPr lang="pt-BR" sz="2800" b="0" strike="noStrike" spc="-1">
               <a:solidFill>
                 <a:srgbClr val="000000"/>
               </a:solidFill>
@@ -2647,9 +2892,10 @@
           </a:ln>
         </p:spPr>
         <p:txBody>
-          <a:bodyPr lIns="0" rIns="0" tIns="0" bIns="0" anchor="t">
+          <a:bodyPr lIns="0" tIns="0" rIns="0" bIns="0" anchor="t">
             <a:normAutofit/>
           </a:bodyPr>
+          <a:lstStyle/>
           <a:p>
             <a:pPr indent="0">
               <a:lnSpc>
@@ -2660,7 +2906,7 @@
               </a:spcBef>
               <a:buNone/>
             </a:pPr>
-            <a:endParaRPr b="0" lang="pt-BR" sz="2800" spc="-1" strike="noStrike">
+            <a:endParaRPr lang="pt-BR" sz="2800" b="0" strike="noStrike" spc="-1">
               <a:solidFill>
                 <a:srgbClr val="000000"/>
               </a:solidFill>
@@ -2693,9 +2939,10 @@
           </a:ln>
         </p:spPr>
         <p:txBody>
-          <a:bodyPr lIns="0" rIns="0" tIns="0" bIns="0" anchor="t">
+          <a:bodyPr lIns="0" tIns="0" rIns="0" bIns="0" anchor="t">
             <a:normAutofit/>
           </a:bodyPr>
+          <a:lstStyle/>
           <a:p>
             <a:pPr indent="0">
               <a:lnSpc>
@@ -2706,7 +2953,7 @@
               </a:spcBef>
               <a:buNone/>
             </a:pPr>
-            <a:endParaRPr b="0" lang="pt-BR" sz="2800" spc="-1" strike="noStrike">
+            <a:endParaRPr lang="pt-BR" sz="2800" b="0" strike="noStrike" spc="-1">
               <a:solidFill>
                 <a:srgbClr val="000000"/>
               </a:solidFill>
@@ -2728,6 +2975,7 @@
         <p:spPr/>
         <p:txBody>
           <a:bodyPr/>
+          <a:lstStyle/>
           <a:p>
             <a:r>
               <a:t>Footer</a:t>
@@ -2748,10 +2996,12 @@
         <p:spPr/>
         <p:txBody>
           <a:bodyPr/>
+          <a:lstStyle/>
           <a:p>
             <a:fld id="{70384466-8009-43F3-9254-1D57466A3E77}" type="slidenum">
-              <a:t>&lt;#&gt;</a:t>
+              <a:t>‹nº›</a:t>
             </a:fld>
+            <a:endParaRPr/>
           </a:p>
         </p:txBody>
       </p:sp>
@@ -2768,21 +3018,22 @@
         <p:spPr/>
         <p:txBody>
           <a:bodyPr/>
-          <a:p>
-            <a:r>
-              <a:rPr lang="pt-BR"/>
-              <a:t/>
-            </a:r>
+          <a:lstStyle/>
+          <a:p>
+            <a:endParaRPr/>
           </a:p>
         </p:txBody>
       </p:sp>
     </p:spTree>
   </p:cSld>
+  <p:clrMapOvr>
+    <a:masterClrMapping/>
+  </p:clrMapOvr>
 </p:sldLayout>
 </file>
 
 <file path=ppt/slideLayouts/slideLayout21.xml><?xml version="1.0" encoding="utf-8"?>
-<p:sldLayout xmlns:a="http://schemas.openxmlformats.org/drawingml/2006/main" xmlns:p="http://schemas.openxmlformats.org/presentationml/2006/main" xmlns:r="http://schemas.openxmlformats.org/officeDocument/2006/relationships" xmlns:p14="http://schemas.microsoft.com/office/powerpoint/2010/main" xmlns:p15="http://schemas.microsoft.com/office/powerpoint/2012/main" xmlns:mc="http://schemas.openxmlformats.org/markup-compatibility/2006" type="twoObjOverTx" preserve="1">
+<p:sldLayout xmlns:a="http://schemas.openxmlformats.org/drawingml/2006/main" xmlns:r="http://schemas.openxmlformats.org/officeDocument/2006/relationships" xmlns:p="http://schemas.openxmlformats.org/presentationml/2006/main" type="twoObjOverTx" preserve="1">
   <p:cSld name="Title, 2 Content over Content">
     <p:spTree>
       <p:nvGrpSpPr>
@@ -2822,14 +3073,15 @@
           </a:ln>
         </p:spPr>
         <p:txBody>
-          <a:bodyPr lIns="0" rIns="0" tIns="0" bIns="0" anchor="ctr">
+          <a:bodyPr lIns="0" tIns="0" rIns="0" bIns="0" anchor="ctr">
             <a:noAutofit/>
           </a:bodyPr>
+          <a:lstStyle/>
           <a:p>
             <a:pPr indent="0">
               <a:buNone/>
             </a:pPr>
-            <a:endParaRPr b="0" lang="pt-BR" sz="1800" spc="-1" strike="noStrike">
+            <a:endParaRPr lang="pt-BR" sz="1800" b="0" strike="noStrike" spc="-1">
               <a:solidFill>
                 <a:srgbClr val="000000"/>
               </a:solidFill>
@@ -2862,9 +3114,10 @@
           </a:ln>
         </p:spPr>
         <p:txBody>
-          <a:bodyPr lIns="0" rIns="0" tIns="0" bIns="0" anchor="t">
+          <a:bodyPr lIns="0" tIns="0" rIns="0" bIns="0" anchor="t">
             <a:normAutofit/>
           </a:bodyPr>
+          <a:lstStyle/>
           <a:p>
             <a:pPr indent="0">
               <a:lnSpc>
@@ -2875,7 +3128,7 @@
               </a:spcBef>
               <a:buNone/>
             </a:pPr>
-            <a:endParaRPr b="0" lang="pt-BR" sz="2800" spc="-1" strike="noStrike">
+            <a:endParaRPr lang="pt-BR" sz="2800" b="0" strike="noStrike" spc="-1">
               <a:solidFill>
                 <a:srgbClr val="000000"/>
               </a:solidFill>
@@ -2908,9 +3161,10 @@
           </a:ln>
         </p:spPr>
         <p:txBody>
-          <a:bodyPr lIns="0" rIns="0" tIns="0" bIns="0" anchor="t">
+          <a:bodyPr lIns="0" tIns="0" rIns="0" bIns="0" anchor="t">
             <a:normAutofit/>
           </a:bodyPr>
+          <a:lstStyle/>
           <a:p>
             <a:pPr indent="0">
               <a:lnSpc>
@@ -2921,7 +3175,7 @@
               </a:spcBef>
               <a:buNone/>
             </a:pPr>
-            <a:endParaRPr b="0" lang="pt-BR" sz="2800" spc="-1" strike="noStrike">
+            <a:endParaRPr lang="pt-BR" sz="2800" b="0" strike="noStrike" spc="-1">
               <a:solidFill>
                 <a:srgbClr val="000000"/>
               </a:solidFill>
@@ -2954,9 +3208,10 @@
           </a:ln>
         </p:spPr>
         <p:txBody>
-          <a:bodyPr lIns="0" rIns="0" tIns="0" bIns="0" anchor="t">
+          <a:bodyPr lIns="0" tIns="0" rIns="0" bIns="0" anchor="t">
             <a:normAutofit/>
           </a:bodyPr>
+          <a:lstStyle/>
           <a:p>
             <a:pPr indent="0">
               <a:lnSpc>
@@ -2967,7 +3222,7 @@
               </a:spcBef>
               <a:buNone/>
             </a:pPr>
-            <a:endParaRPr b="0" lang="pt-BR" sz="2800" spc="-1" strike="noStrike">
+            <a:endParaRPr lang="pt-BR" sz="2800" b="0" strike="noStrike" spc="-1">
               <a:solidFill>
                 <a:srgbClr val="000000"/>
               </a:solidFill>
@@ -2989,6 +3244,7 @@
         <p:spPr/>
         <p:txBody>
           <a:bodyPr/>
+          <a:lstStyle/>
           <a:p>
             <a:r>
               <a:t>Footer</a:t>
@@ -3009,10 +3265,12 @@
         <p:spPr/>
         <p:txBody>
           <a:bodyPr/>
+          <a:lstStyle/>
           <a:p>
             <a:fld id="{758A9319-3A7F-4CA9-B5AB-B871ACDF2903}" type="slidenum">
-              <a:t>&lt;#&gt;</a:t>
+              <a:t>‹nº›</a:t>
             </a:fld>
+            <a:endParaRPr/>
           </a:p>
         </p:txBody>
       </p:sp>
@@ -3029,21 +3287,22 @@
         <p:spPr/>
         <p:txBody>
           <a:bodyPr/>
-          <a:p>
-            <a:r>
-              <a:rPr lang="pt-BR"/>
-              <a:t/>
-            </a:r>
+          <a:lstStyle/>
+          <a:p>
+            <a:endParaRPr/>
           </a:p>
         </p:txBody>
       </p:sp>
     </p:spTree>
   </p:cSld>
+  <p:clrMapOvr>
+    <a:masterClrMapping/>
+  </p:clrMapOvr>
 </p:sldLayout>
 </file>
 
 <file path=ppt/slideLayouts/slideLayout22.xml><?xml version="1.0" encoding="utf-8"?>
-<p:sldLayout xmlns:a="http://schemas.openxmlformats.org/drawingml/2006/main" xmlns:p="http://schemas.openxmlformats.org/presentationml/2006/main" xmlns:r="http://schemas.openxmlformats.org/officeDocument/2006/relationships" xmlns:p14="http://schemas.microsoft.com/office/powerpoint/2010/main" xmlns:p15="http://schemas.microsoft.com/office/powerpoint/2012/main" xmlns:mc="http://schemas.openxmlformats.org/markup-compatibility/2006" type="objOverTx" preserve="1">
+<p:sldLayout xmlns:a="http://schemas.openxmlformats.org/drawingml/2006/main" xmlns:r="http://schemas.openxmlformats.org/officeDocument/2006/relationships" xmlns:p="http://schemas.openxmlformats.org/presentationml/2006/main" type="objOverTx" preserve="1">
   <p:cSld name="Title, Content over Content">
     <p:spTree>
       <p:nvGrpSpPr>
@@ -3083,14 +3342,15 @@
           </a:ln>
         </p:spPr>
         <p:txBody>
-          <a:bodyPr lIns="0" rIns="0" tIns="0" bIns="0" anchor="ctr">
+          <a:bodyPr lIns="0" tIns="0" rIns="0" bIns="0" anchor="ctr">
             <a:noAutofit/>
           </a:bodyPr>
+          <a:lstStyle/>
           <a:p>
             <a:pPr indent="0">
               <a:buNone/>
             </a:pPr>
-            <a:endParaRPr b="0" lang="pt-BR" sz="1800" spc="-1" strike="noStrike">
+            <a:endParaRPr lang="pt-BR" sz="1800" b="0" strike="noStrike" spc="-1">
               <a:solidFill>
                 <a:srgbClr val="000000"/>
               </a:solidFill>
@@ -3123,9 +3383,10 @@
           </a:ln>
         </p:spPr>
         <p:txBody>
-          <a:bodyPr lIns="0" rIns="0" tIns="0" bIns="0" anchor="t">
+          <a:bodyPr lIns="0" tIns="0" rIns="0" bIns="0" anchor="t">
             <a:normAutofit/>
           </a:bodyPr>
+          <a:lstStyle/>
           <a:p>
             <a:pPr indent="0">
               <a:lnSpc>
@@ -3136,7 +3397,7 @@
               </a:spcBef>
               <a:buNone/>
             </a:pPr>
-            <a:endParaRPr b="0" lang="pt-BR" sz="2800" spc="-1" strike="noStrike">
+            <a:endParaRPr lang="pt-BR" sz="2800" b="0" strike="noStrike" spc="-1">
               <a:solidFill>
                 <a:srgbClr val="000000"/>
               </a:solidFill>
@@ -3169,9 +3430,10 @@
           </a:ln>
         </p:spPr>
         <p:txBody>
-          <a:bodyPr lIns="0" rIns="0" tIns="0" bIns="0" anchor="t">
+          <a:bodyPr lIns="0" tIns="0" rIns="0" bIns="0" anchor="t">
             <a:normAutofit/>
           </a:bodyPr>
+          <a:lstStyle/>
           <a:p>
             <a:pPr indent="0">
               <a:lnSpc>
@@ -3182,7 +3444,7 @@
               </a:spcBef>
               <a:buNone/>
             </a:pPr>
-            <a:endParaRPr b="0" lang="pt-BR" sz="2800" spc="-1" strike="noStrike">
+            <a:endParaRPr lang="pt-BR" sz="2800" b="0" strike="noStrike" spc="-1">
               <a:solidFill>
                 <a:srgbClr val="000000"/>
               </a:solidFill>
@@ -3204,6 +3466,7 @@
         <p:spPr/>
         <p:txBody>
           <a:bodyPr/>
+          <a:lstStyle/>
           <a:p>
             <a:r>
               <a:t>Footer</a:t>
@@ -3224,10 +3487,12 @@
         <p:spPr/>
         <p:txBody>
           <a:bodyPr/>
+          <a:lstStyle/>
           <a:p>
             <a:fld id="{79C639E9-1DA2-450F-B3BE-49A83391AB59}" type="slidenum">
-              <a:t>&lt;#&gt;</a:t>
+              <a:t>‹nº›</a:t>
             </a:fld>
+            <a:endParaRPr/>
           </a:p>
         </p:txBody>
       </p:sp>
@@ -3244,21 +3509,22 @@
         <p:spPr/>
         <p:txBody>
           <a:bodyPr/>
-          <a:p>
-            <a:r>
-              <a:rPr lang="pt-BR"/>
-              <a:t/>
-            </a:r>
+          <a:lstStyle/>
+          <a:p>
+            <a:endParaRPr/>
           </a:p>
         </p:txBody>
       </p:sp>
     </p:spTree>
   </p:cSld>
+  <p:clrMapOvr>
+    <a:masterClrMapping/>
+  </p:clrMapOvr>
 </p:sldLayout>
 </file>
 
 <file path=ppt/slideLayouts/slideLayout23.xml><?xml version="1.0" encoding="utf-8"?>
-<p:sldLayout xmlns:a="http://schemas.openxmlformats.org/drawingml/2006/main" xmlns:p="http://schemas.openxmlformats.org/presentationml/2006/main" xmlns:r="http://schemas.openxmlformats.org/officeDocument/2006/relationships" xmlns:p14="http://schemas.microsoft.com/office/powerpoint/2010/main" xmlns:p15="http://schemas.microsoft.com/office/powerpoint/2012/main" xmlns:mc="http://schemas.openxmlformats.org/markup-compatibility/2006" type="fourObj" preserve="1">
+<p:sldLayout xmlns:a="http://schemas.openxmlformats.org/drawingml/2006/main" xmlns:r="http://schemas.openxmlformats.org/officeDocument/2006/relationships" xmlns:p="http://schemas.openxmlformats.org/presentationml/2006/main" type="fourObj" preserve="1">
   <p:cSld name="Title, 4 Content">
     <p:spTree>
       <p:nvGrpSpPr>
@@ -3298,14 +3564,15 @@
           </a:ln>
         </p:spPr>
         <p:txBody>
-          <a:bodyPr lIns="0" rIns="0" tIns="0" bIns="0" anchor="ctr">
+          <a:bodyPr lIns="0" tIns="0" rIns="0" bIns="0" anchor="ctr">
             <a:noAutofit/>
           </a:bodyPr>
+          <a:lstStyle/>
           <a:p>
             <a:pPr indent="0">
               <a:buNone/>
             </a:pPr>
-            <a:endParaRPr b="0" lang="pt-BR" sz="1800" spc="-1" strike="noStrike">
+            <a:endParaRPr lang="pt-BR" sz="1800" b="0" strike="noStrike" spc="-1">
               <a:solidFill>
                 <a:srgbClr val="000000"/>
               </a:solidFill>
@@ -3338,9 +3605,10 @@
           </a:ln>
         </p:spPr>
         <p:txBody>
-          <a:bodyPr lIns="0" rIns="0" tIns="0" bIns="0" anchor="t">
+          <a:bodyPr lIns="0" tIns="0" rIns="0" bIns="0" anchor="t">
             <a:normAutofit/>
           </a:bodyPr>
+          <a:lstStyle/>
           <a:p>
             <a:pPr indent="0">
               <a:lnSpc>
@@ -3351,7 +3619,7 @@
               </a:spcBef>
               <a:buNone/>
             </a:pPr>
-            <a:endParaRPr b="0" lang="pt-BR" sz="2800" spc="-1" strike="noStrike">
+            <a:endParaRPr lang="pt-BR" sz="2800" b="0" strike="noStrike" spc="-1">
               <a:solidFill>
                 <a:srgbClr val="000000"/>
               </a:solidFill>
@@ -3384,9 +3652,10 @@
           </a:ln>
         </p:spPr>
         <p:txBody>
-          <a:bodyPr lIns="0" rIns="0" tIns="0" bIns="0" anchor="t">
+          <a:bodyPr lIns="0" tIns="0" rIns="0" bIns="0" anchor="t">
             <a:normAutofit/>
           </a:bodyPr>
+          <a:lstStyle/>
           <a:p>
             <a:pPr indent="0">
               <a:lnSpc>
@@ -3397,7 +3666,7 @@
               </a:spcBef>
               <a:buNone/>
             </a:pPr>
-            <a:endParaRPr b="0" lang="pt-BR" sz="2800" spc="-1" strike="noStrike">
+            <a:endParaRPr lang="pt-BR" sz="2800" b="0" strike="noStrike" spc="-1">
               <a:solidFill>
                 <a:srgbClr val="000000"/>
               </a:solidFill>
@@ -3430,9 +3699,10 @@
           </a:ln>
         </p:spPr>
         <p:txBody>
-          <a:bodyPr lIns="0" rIns="0" tIns="0" bIns="0" anchor="t">
+          <a:bodyPr lIns="0" tIns="0" rIns="0" bIns="0" anchor="t">
             <a:normAutofit/>
           </a:bodyPr>
+          <a:lstStyle/>
           <a:p>
             <a:pPr indent="0">
               <a:lnSpc>
@@ -3443,7 +3713,7 @@
               </a:spcBef>
               <a:buNone/>
             </a:pPr>
-            <a:endParaRPr b="0" lang="pt-BR" sz="2800" spc="-1" strike="noStrike">
+            <a:endParaRPr lang="pt-BR" sz="2800" b="0" strike="noStrike" spc="-1">
               <a:solidFill>
                 <a:srgbClr val="000000"/>
               </a:solidFill>
@@ -3476,9 +3746,10 @@
           </a:ln>
         </p:spPr>
         <p:txBody>
-          <a:bodyPr lIns="0" rIns="0" tIns="0" bIns="0" anchor="t">
+          <a:bodyPr lIns="0" tIns="0" rIns="0" bIns="0" anchor="t">
             <a:normAutofit/>
           </a:bodyPr>
+          <a:lstStyle/>
           <a:p>
             <a:pPr indent="0">
               <a:lnSpc>
@@ -3489,7 +3760,7 @@
               </a:spcBef>
               <a:buNone/>
             </a:pPr>
-            <a:endParaRPr b="0" lang="pt-BR" sz="2800" spc="-1" strike="noStrike">
+            <a:endParaRPr lang="pt-BR" sz="2800" b="0" strike="noStrike" spc="-1">
               <a:solidFill>
                 <a:srgbClr val="000000"/>
               </a:solidFill>
@@ -3511,6 +3782,7 @@
         <p:spPr/>
         <p:txBody>
           <a:bodyPr/>
+          <a:lstStyle/>
           <a:p>
             <a:r>
               <a:t>Footer</a:t>
@@ -3531,10 +3803,12 @@
         <p:spPr/>
         <p:txBody>
           <a:bodyPr/>
+          <a:lstStyle/>
           <a:p>
             <a:fld id="{695F1BEA-D486-4713-AD31-D0360F349C62}" type="slidenum">
-              <a:t>&lt;#&gt;</a:t>
+              <a:t>‹nº›</a:t>
             </a:fld>
+            <a:endParaRPr/>
           </a:p>
         </p:txBody>
       </p:sp>
@@ -3551,21 +3825,22 @@
         <p:spPr/>
         <p:txBody>
           <a:bodyPr/>
-          <a:p>
-            <a:r>
-              <a:rPr lang="pt-BR"/>
-              <a:t/>
-            </a:r>
+          <a:lstStyle/>
+          <a:p>
+            <a:endParaRPr/>
           </a:p>
         </p:txBody>
       </p:sp>
     </p:spTree>
   </p:cSld>
+  <p:clrMapOvr>
+    <a:masterClrMapping/>
+  </p:clrMapOvr>
 </p:sldLayout>
 </file>
 
 <file path=ppt/slideLayouts/slideLayout24.xml><?xml version="1.0" encoding="utf-8"?>
-<p:sldLayout xmlns:a="http://schemas.openxmlformats.org/drawingml/2006/main" xmlns:p="http://schemas.openxmlformats.org/presentationml/2006/main" xmlns:r="http://schemas.openxmlformats.org/officeDocument/2006/relationships" xmlns:p14="http://schemas.microsoft.com/office/powerpoint/2010/main" xmlns:p15="http://schemas.microsoft.com/office/powerpoint/2012/main" xmlns:mc="http://schemas.openxmlformats.org/markup-compatibility/2006" type="blank" preserve="1">
+<p:sldLayout xmlns:a="http://schemas.openxmlformats.org/drawingml/2006/main" xmlns:r="http://schemas.openxmlformats.org/officeDocument/2006/relationships" xmlns:p="http://schemas.openxmlformats.org/presentationml/2006/main" type="blank" preserve="1">
   <p:cSld name="Title, 6 Content">
     <p:spTree>
       <p:nvGrpSpPr>
@@ -3605,14 +3880,15 @@
           </a:ln>
         </p:spPr>
         <p:txBody>
-          <a:bodyPr lIns="0" rIns="0" tIns="0" bIns="0" anchor="ctr">
+          <a:bodyPr lIns="0" tIns="0" rIns="0" bIns="0" anchor="ctr">
             <a:noAutofit/>
           </a:bodyPr>
+          <a:lstStyle/>
           <a:p>
             <a:pPr indent="0">
               <a:buNone/>
             </a:pPr>
-            <a:endParaRPr b="0" lang="pt-BR" sz="1800" spc="-1" strike="noStrike">
+            <a:endParaRPr lang="pt-BR" sz="1800" b="0" strike="noStrike" spc="-1">
               <a:solidFill>
                 <a:srgbClr val="000000"/>
               </a:solidFill>
@@ -3645,9 +3921,10 @@
           </a:ln>
         </p:spPr>
         <p:txBody>
-          <a:bodyPr lIns="0" rIns="0" tIns="0" bIns="0" anchor="t">
+          <a:bodyPr lIns="0" tIns="0" rIns="0" bIns="0" anchor="t">
             <a:normAutofit/>
           </a:bodyPr>
+          <a:lstStyle/>
           <a:p>
             <a:pPr indent="0">
               <a:lnSpc>
@@ -3658,7 +3935,7 @@
               </a:spcBef>
               <a:buNone/>
             </a:pPr>
-            <a:endParaRPr b="0" lang="pt-BR" sz="2800" spc="-1" strike="noStrike">
+            <a:endParaRPr lang="pt-BR" sz="2800" b="0" strike="noStrike" spc="-1">
               <a:solidFill>
                 <a:srgbClr val="000000"/>
               </a:solidFill>
@@ -3691,9 +3968,10 @@
           </a:ln>
         </p:spPr>
         <p:txBody>
-          <a:bodyPr lIns="0" rIns="0" tIns="0" bIns="0" anchor="t">
+          <a:bodyPr lIns="0" tIns="0" rIns="0" bIns="0" anchor="t">
             <a:normAutofit/>
           </a:bodyPr>
+          <a:lstStyle/>
           <a:p>
             <a:pPr indent="0">
               <a:lnSpc>
@@ -3704,7 +3982,7 @@
               </a:spcBef>
               <a:buNone/>
             </a:pPr>
-            <a:endParaRPr b="0" lang="pt-BR" sz="2800" spc="-1" strike="noStrike">
+            <a:endParaRPr lang="pt-BR" sz="2800" b="0" strike="noStrike" spc="-1">
               <a:solidFill>
                 <a:srgbClr val="000000"/>
               </a:solidFill>
@@ -3737,9 +4015,10 @@
           </a:ln>
         </p:spPr>
         <p:txBody>
-          <a:bodyPr lIns="0" rIns="0" tIns="0" bIns="0" anchor="t">
+          <a:bodyPr lIns="0" tIns="0" rIns="0" bIns="0" anchor="t">
             <a:normAutofit/>
           </a:bodyPr>
+          <a:lstStyle/>
           <a:p>
             <a:pPr indent="0">
               <a:lnSpc>
@@ -3750,7 +4029,7 @@
               </a:spcBef>
               <a:buNone/>
             </a:pPr>
-            <a:endParaRPr b="0" lang="pt-BR" sz="2800" spc="-1" strike="noStrike">
+            <a:endParaRPr lang="pt-BR" sz="2800" b="0" strike="noStrike" spc="-1">
               <a:solidFill>
                 <a:srgbClr val="000000"/>
               </a:solidFill>
@@ -3783,9 +4062,10 @@
           </a:ln>
         </p:spPr>
         <p:txBody>
-          <a:bodyPr lIns="0" rIns="0" tIns="0" bIns="0" anchor="t">
+          <a:bodyPr lIns="0" tIns="0" rIns="0" bIns="0" anchor="t">
             <a:normAutofit/>
           </a:bodyPr>
+          <a:lstStyle/>
           <a:p>
             <a:pPr indent="0">
               <a:lnSpc>
@@ -3796,7 +4076,7 @@
               </a:spcBef>
               <a:buNone/>
             </a:pPr>
-            <a:endParaRPr b="0" lang="pt-BR" sz="2800" spc="-1" strike="noStrike">
+            <a:endParaRPr lang="pt-BR" sz="2800" b="0" strike="noStrike" spc="-1">
               <a:solidFill>
                 <a:srgbClr val="000000"/>
               </a:solidFill>
@@ -3829,9 +4109,10 @@
           </a:ln>
         </p:spPr>
         <p:txBody>
-          <a:bodyPr lIns="0" rIns="0" tIns="0" bIns="0" anchor="t">
+          <a:bodyPr lIns="0" tIns="0" rIns="0" bIns="0" anchor="t">
             <a:normAutofit/>
           </a:bodyPr>
+          <a:lstStyle/>
           <a:p>
             <a:pPr indent="0">
               <a:lnSpc>
@@ -3842,7 +4123,7 @@
               </a:spcBef>
               <a:buNone/>
             </a:pPr>
-            <a:endParaRPr b="0" lang="pt-BR" sz="2800" spc="-1" strike="noStrike">
+            <a:endParaRPr lang="pt-BR" sz="2800" b="0" strike="noStrike" spc="-1">
               <a:solidFill>
                 <a:srgbClr val="000000"/>
               </a:solidFill>
@@ -3875,9 +4156,10 @@
           </a:ln>
         </p:spPr>
         <p:txBody>
-          <a:bodyPr lIns="0" rIns="0" tIns="0" bIns="0" anchor="t">
+          <a:bodyPr lIns="0" tIns="0" rIns="0" bIns="0" anchor="t">
             <a:normAutofit/>
           </a:bodyPr>
+          <a:lstStyle/>
           <a:p>
             <a:pPr indent="0">
               <a:lnSpc>
@@ -3888,7 +4170,7 @@
               </a:spcBef>
               <a:buNone/>
             </a:pPr>
-            <a:endParaRPr b="0" lang="pt-BR" sz="2800" spc="-1" strike="noStrike">
+            <a:endParaRPr lang="pt-BR" sz="2800" b="0" strike="noStrike" spc="-1">
               <a:solidFill>
                 <a:srgbClr val="000000"/>
               </a:solidFill>
@@ -3910,6 +4192,7 @@
         <p:spPr/>
         <p:txBody>
           <a:bodyPr/>
+          <a:lstStyle/>
           <a:p>
             <a:r>
               <a:t>Footer</a:t>
@@ -3930,10 +4213,12 @@
         <p:spPr/>
         <p:txBody>
           <a:bodyPr/>
+          <a:lstStyle/>
           <a:p>
             <a:fld id="{13E09579-D5E2-45E8-9504-327116361BDB}" type="slidenum">
-              <a:t>&lt;#&gt;</a:t>
+              <a:t>‹nº›</a:t>
             </a:fld>
+            <a:endParaRPr/>
           </a:p>
         </p:txBody>
       </p:sp>
@@ -3950,21 +4235,22 @@
         <p:spPr/>
         <p:txBody>
           <a:bodyPr/>
-          <a:p>
-            <a:r>
-              <a:rPr lang="pt-BR"/>
-              <a:t/>
-            </a:r>
+          <a:lstStyle/>
+          <a:p>
+            <a:endParaRPr/>
           </a:p>
         </p:txBody>
       </p:sp>
     </p:spTree>
   </p:cSld>
+  <p:clrMapOvr>
+    <a:masterClrMapping/>
+  </p:clrMapOvr>
 </p:sldLayout>
 </file>
 
 <file path=ppt/slideLayouts/slideLayout3.xml><?xml version="1.0" encoding="utf-8"?>
-<p:sldLayout xmlns:a="http://schemas.openxmlformats.org/drawingml/2006/main" xmlns:p="http://schemas.openxmlformats.org/presentationml/2006/main" xmlns:r="http://schemas.openxmlformats.org/officeDocument/2006/relationships" xmlns:p14="http://schemas.microsoft.com/office/powerpoint/2010/main" xmlns:p15="http://schemas.microsoft.com/office/powerpoint/2012/main" xmlns:mc="http://schemas.openxmlformats.org/markup-compatibility/2006" type="obj" preserve="1">
+<p:sldLayout xmlns:a="http://schemas.openxmlformats.org/drawingml/2006/main" xmlns:r="http://schemas.openxmlformats.org/officeDocument/2006/relationships" xmlns:p="http://schemas.openxmlformats.org/presentationml/2006/main" type="obj" preserve="1">
   <p:cSld name="Title, Content">
     <p:spTree>
       <p:nvGrpSpPr>
@@ -4004,14 +4290,15 @@
           </a:ln>
         </p:spPr>
         <p:txBody>
-          <a:bodyPr lIns="0" rIns="0" tIns="0" bIns="0" anchor="ctr">
+          <a:bodyPr lIns="0" tIns="0" rIns="0" bIns="0" anchor="ctr">
             <a:noAutofit/>
           </a:bodyPr>
+          <a:lstStyle/>
           <a:p>
             <a:pPr indent="0">
               <a:buNone/>
             </a:pPr>
-            <a:endParaRPr b="0" lang="pt-BR" sz="1800" spc="-1" strike="noStrike">
+            <a:endParaRPr lang="pt-BR" sz="1800" b="0" strike="noStrike" spc="-1">
               <a:solidFill>
                 <a:srgbClr val="000000"/>
               </a:solidFill>
@@ -4044,9 +4331,10 @@
           </a:ln>
         </p:spPr>
         <p:txBody>
-          <a:bodyPr lIns="0" rIns="0" tIns="0" bIns="0" anchor="t">
+          <a:bodyPr lIns="0" tIns="0" rIns="0" bIns="0" anchor="t">
             <a:normAutofit/>
           </a:bodyPr>
+          <a:lstStyle/>
           <a:p>
             <a:pPr indent="0">
               <a:lnSpc>
@@ -4057,7 +4345,7 @@
               </a:spcBef>
               <a:buNone/>
             </a:pPr>
-            <a:endParaRPr b="0" lang="pt-BR" sz="2800" spc="-1" strike="noStrike">
+            <a:endParaRPr lang="pt-BR" sz="2800" b="0" strike="noStrike" spc="-1">
               <a:solidFill>
                 <a:srgbClr val="000000"/>
               </a:solidFill>
@@ -4068,11 +4356,14 @@
       </p:sp>
     </p:spTree>
   </p:cSld>
+  <p:clrMapOvr>
+    <a:masterClrMapping/>
+  </p:clrMapOvr>
 </p:sldLayout>
 </file>
 
 <file path=ppt/slideLayouts/slideLayout4.xml><?xml version="1.0" encoding="utf-8"?>
-<p:sldLayout xmlns:a="http://schemas.openxmlformats.org/drawingml/2006/main" xmlns:p="http://schemas.openxmlformats.org/presentationml/2006/main" xmlns:r="http://schemas.openxmlformats.org/officeDocument/2006/relationships" xmlns:p14="http://schemas.microsoft.com/office/powerpoint/2010/main" xmlns:p15="http://schemas.microsoft.com/office/powerpoint/2012/main" xmlns:mc="http://schemas.openxmlformats.org/markup-compatibility/2006" type="twoObj" preserve="1">
+<p:sldLayout xmlns:a="http://schemas.openxmlformats.org/drawingml/2006/main" xmlns:r="http://schemas.openxmlformats.org/officeDocument/2006/relationships" xmlns:p="http://schemas.openxmlformats.org/presentationml/2006/main" type="twoObj" preserve="1">
   <p:cSld name="Title, 2 Content">
     <p:spTree>
       <p:nvGrpSpPr>
@@ -4112,14 +4403,15 @@
           </a:ln>
         </p:spPr>
         <p:txBody>
-          <a:bodyPr lIns="0" rIns="0" tIns="0" bIns="0" anchor="ctr">
+          <a:bodyPr lIns="0" tIns="0" rIns="0" bIns="0" anchor="ctr">
             <a:noAutofit/>
           </a:bodyPr>
+          <a:lstStyle/>
           <a:p>
             <a:pPr indent="0">
               <a:buNone/>
             </a:pPr>
-            <a:endParaRPr b="0" lang="pt-BR" sz="1800" spc="-1" strike="noStrike">
+            <a:endParaRPr lang="pt-BR" sz="1800" b="0" strike="noStrike" spc="-1">
               <a:solidFill>
                 <a:srgbClr val="000000"/>
               </a:solidFill>
@@ -4152,9 +4444,10 @@
           </a:ln>
         </p:spPr>
         <p:txBody>
-          <a:bodyPr lIns="0" rIns="0" tIns="0" bIns="0" anchor="t">
+          <a:bodyPr lIns="0" tIns="0" rIns="0" bIns="0" anchor="t">
             <a:normAutofit/>
           </a:bodyPr>
+          <a:lstStyle/>
           <a:p>
             <a:pPr indent="0">
               <a:lnSpc>
@@ -4165,7 +4458,7 @@
               </a:spcBef>
               <a:buNone/>
             </a:pPr>
-            <a:endParaRPr b="0" lang="pt-BR" sz="2800" spc="-1" strike="noStrike">
+            <a:endParaRPr lang="pt-BR" sz="2800" b="0" strike="noStrike" spc="-1">
               <a:solidFill>
                 <a:srgbClr val="000000"/>
               </a:solidFill>
@@ -4198,9 +4491,10 @@
           </a:ln>
         </p:spPr>
         <p:txBody>
-          <a:bodyPr lIns="0" rIns="0" tIns="0" bIns="0" anchor="t">
+          <a:bodyPr lIns="0" tIns="0" rIns="0" bIns="0" anchor="t">
             <a:normAutofit/>
           </a:bodyPr>
+          <a:lstStyle/>
           <a:p>
             <a:pPr indent="0">
               <a:lnSpc>
@@ -4211,7 +4505,7 @@
               </a:spcBef>
               <a:buNone/>
             </a:pPr>
-            <a:endParaRPr b="0" lang="pt-BR" sz="2800" spc="-1" strike="noStrike">
+            <a:endParaRPr lang="pt-BR" sz="2800" b="0" strike="noStrike" spc="-1">
               <a:solidFill>
                 <a:srgbClr val="000000"/>
               </a:solidFill>
@@ -4222,11 +4516,14 @@
       </p:sp>
     </p:spTree>
   </p:cSld>
+  <p:clrMapOvr>
+    <a:masterClrMapping/>
+  </p:clrMapOvr>
 </p:sldLayout>
 </file>
 
 <file path=ppt/slideLayouts/slideLayout5.xml><?xml version="1.0" encoding="utf-8"?>
-<p:sldLayout xmlns:a="http://schemas.openxmlformats.org/drawingml/2006/main" xmlns:p="http://schemas.openxmlformats.org/presentationml/2006/main" xmlns:r="http://schemas.openxmlformats.org/officeDocument/2006/relationships" xmlns:p14="http://schemas.microsoft.com/office/powerpoint/2010/main" xmlns:p15="http://schemas.microsoft.com/office/powerpoint/2012/main" xmlns:mc="http://schemas.openxmlformats.org/markup-compatibility/2006" type="titleOnly" preserve="1">
+<p:sldLayout xmlns:a="http://schemas.openxmlformats.org/drawingml/2006/main" xmlns:r="http://schemas.openxmlformats.org/officeDocument/2006/relationships" xmlns:p="http://schemas.openxmlformats.org/presentationml/2006/main" type="titleOnly" preserve="1">
   <p:cSld name="Title Only">
     <p:spTree>
       <p:nvGrpSpPr>
@@ -4266,14 +4563,15 @@
           </a:ln>
         </p:spPr>
         <p:txBody>
-          <a:bodyPr lIns="0" rIns="0" tIns="0" bIns="0" anchor="ctr">
+          <a:bodyPr lIns="0" tIns="0" rIns="0" bIns="0" anchor="ctr">
             <a:noAutofit/>
           </a:bodyPr>
+          <a:lstStyle/>
           <a:p>
             <a:pPr indent="0">
               <a:buNone/>
             </a:pPr>
-            <a:endParaRPr b="0" lang="pt-BR" sz="1800" spc="-1" strike="noStrike">
+            <a:endParaRPr lang="pt-BR" sz="1800" b="0" strike="noStrike" spc="-1">
               <a:solidFill>
                 <a:srgbClr val="000000"/>
               </a:solidFill>
@@ -4284,11 +4582,14 @@
       </p:sp>
     </p:spTree>
   </p:cSld>
+  <p:clrMapOvr>
+    <a:masterClrMapping/>
+  </p:clrMapOvr>
 </p:sldLayout>
 </file>
 
 <file path=ppt/slideLayouts/slideLayout6.xml><?xml version="1.0" encoding="utf-8"?>
-<p:sldLayout xmlns:a="http://schemas.openxmlformats.org/drawingml/2006/main" xmlns:p="http://schemas.openxmlformats.org/presentationml/2006/main" xmlns:r="http://schemas.openxmlformats.org/officeDocument/2006/relationships" xmlns:p14="http://schemas.microsoft.com/office/powerpoint/2010/main" xmlns:p15="http://schemas.microsoft.com/office/powerpoint/2012/main" xmlns:mc="http://schemas.openxmlformats.org/markup-compatibility/2006" type="objOnly" preserve="1">
+<p:sldLayout xmlns:a="http://schemas.openxmlformats.org/drawingml/2006/main" xmlns:r="http://schemas.openxmlformats.org/officeDocument/2006/relationships" xmlns:p="http://schemas.openxmlformats.org/presentationml/2006/main" type="objOnly" preserve="1">
   <p:cSld name="Centered Text">
     <p:spTree>
       <p:nvGrpSpPr>
@@ -4328,12 +4629,13 @@
           </a:ln>
         </p:spPr>
         <p:txBody>
-          <a:bodyPr lIns="0" rIns="0" tIns="0" bIns="0" anchor="ctr">
+          <a:bodyPr lIns="0" tIns="0" rIns="0" bIns="0" anchor="ctr">
             <a:noAutofit/>
           </a:bodyPr>
+          <a:lstStyle/>
           <a:p>
             <a:pPr algn="ctr"/>
-            <a:endParaRPr b="0" lang="pt-BR" sz="3200" spc="-1" strike="noStrike">
+            <a:endParaRPr lang="pt-BR" sz="3200" b="0" strike="noStrike" spc="-1">
               <a:solidFill>
                 <a:srgbClr val="000000"/>
               </a:solidFill>
@@ -4344,11 +4646,14 @@
       </p:sp>
     </p:spTree>
   </p:cSld>
+  <p:clrMapOvr>
+    <a:masterClrMapping/>
+  </p:clrMapOvr>
 </p:sldLayout>
 </file>
 
 <file path=ppt/slideLayouts/slideLayout7.xml><?xml version="1.0" encoding="utf-8"?>
-<p:sldLayout xmlns:a="http://schemas.openxmlformats.org/drawingml/2006/main" xmlns:p="http://schemas.openxmlformats.org/presentationml/2006/main" xmlns:r="http://schemas.openxmlformats.org/officeDocument/2006/relationships" xmlns:p14="http://schemas.microsoft.com/office/powerpoint/2010/main" xmlns:p15="http://schemas.microsoft.com/office/powerpoint/2012/main" xmlns:mc="http://schemas.openxmlformats.org/markup-compatibility/2006" type="twoObjAndObj" preserve="1">
+<p:sldLayout xmlns:a="http://schemas.openxmlformats.org/drawingml/2006/main" xmlns:r="http://schemas.openxmlformats.org/officeDocument/2006/relationships" xmlns:p="http://schemas.openxmlformats.org/presentationml/2006/main" type="twoObjAndObj" preserve="1">
   <p:cSld name="Title, 2 Content and Content">
     <p:spTree>
       <p:nvGrpSpPr>
@@ -4388,14 +4693,15 @@
           </a:ln>
         </p:spPr>
         <p:txBody>
-          <a:bodyPr lIns="0" rIns="0" tIns="0" bIns="0" anchor="ctr">
+          <a:bodyPr lIns="0" tIns="0" rIns="0" bIns="0" anchor="ctr">
             <a:noAutofit/>
           </a:bodyPr>
+          <a:lstStyle/>
           <a:p>
             <a:pPr indent="0">
               <a:buNone/>
             </a:pPr>
-            <a:endParaRPr b="0" lang="pt-BR" sz="1800" spc="-1" strike="noStrike">
+            <a:endParaRPr lang="pt-BR" sz="1800" b="0" strike="noStrike" spc="-1">
               <a:solidFill>
                 <a:srgbClr val="000000"/>
               </a:solidFill>
@@ -4428,9 +4734,10 @@
           </a:ln>
         </p:spPr>
         <p:txBody>
-          <a:bodyPr lIns="0" rIns="0" tIns="0" bIns="0" anchor="t">
+          <a:bodyPr lIns="0" tIns="0" rIns="0" bIns="0" anchor="t">
             <a:normAutofit/>
           </a:bodyPr>
+          <a:lstStyle/>
           <a:p>
             <a:pPr indent="0">
               <a:lnSpc>
@@ -4441,7 +4748,7 @@
               </a:spcBef>
               <a:buNone/>
             </a:pPr>
-            <a:endParaRPr b="0" lang="pt-BR" sz="2800" spc="-1" strike="noStrike">
+            <a:endParaRPr lang="pt-BR" sz="2800" b="0" strike="noStrike" spc="-1">
               <a:solidFill>
                 <a:srgbClr val="000000"/>
               </a:solidFill>
@@ -4474,9 +4781,10 @@
           </a:ln>
         </p:spPr>
         <p:txBody>
-          <a:bodyPr lIns="0" rIns="0" tIns="0" bIns="0" anchor="t">
+          <a:bodyPr lIns="0" tIns="0" rIns="0" bIns="0" anchor="t">
             <a:normAutofit/>
           </a:bodyPr>
+          <a:lstStyle/>
           <a:p>
             <a:pPr indent="0">
               <a:lnSpc>
@@ -4487,7 +4795,7 @@
               </a:spcBef>
               <a:buNone/>
             </a:pPr>
-            <a:endParaRPr b="0" lang="pt-BR" sz="2800" spc="-1" strike="noStrike">
+            <a:endParaRPr lang="pt-BR" sz="2800" b="0" strike="noStrike" spc="-1">
               <a:solidFill>
                 <a:srgbClr val="000000"/>
               </a:solidFill>
@@ -4520,9 +4828,10 @@
           </a:ln>
         </p:spPr>
         <p:txBody>
-          <a:bodyPr lIns="0" rIns="0" tIns="0" bIns="0" anchor="t">
+          <a:bodyPr lIns="0" tIns="0" rIns="0" bIns="0" anchor="t">
             <a:normAutofit/>
           </a:bodyPr>
+          <a:lstStyle/>
           <a:p>
             <a:pPr indent="0">
               <a:lnSpc>
@@ -4533,7 +4842,7 @@
               </a:spcBef>
               <a:buNone/>
             </a:pPr>
-            <a:endParaRPr b="0" lang="pt-BR" sz="2800" spc="-1" strike="noStrike">
+            <a:endParaRPr lang="pt-BR" sz="2800" b="0" strike="noStrike" spc="-1">
               <a:solidFill>
                 <a:srgbClr val="000000"/>
               </a:solidFill>
@@ -4544,11 +4853,14 @@
       </p:sp>
     </p:spTree>
   </p:cSld>
+  <p:clrMapOvr>
+    <a:masterClrMapping/>
+  </p:clrMapOvr>
 </p:sldLayout>
 </file>
 
 <file path=ppt/slideLayouts/slideLayout8.xml><?xml version="1.0" encoding="utf-8"?>
-<p:sldLayout xmlns:a="http://schemas.openxmlformats.org/drawingml/2006/main" xmlns:p="http://schemas.openxmlformats.org/presentationml/2006/main" xmlns:r="http://schemas.openxmlformats.org/officeDocument/2006/relationships" xmlns:p14="http://schemas.microsoft.com/office/powerpoint/2010/main" xmlns:p15="http://schemas.microsoft.com/office/powerpoint/2012/main" xmlns:mc="http://schemas.openxmlformats.org/markup-compatibility/2006" type="objAndTwoObj" preserve="1">
+<p:sldLayout xmlns:a="http://schemas.openxmlformats.org/drawingml/2006/main" xmlns:r="http://schemas.openxmlformats.org/officeDocument/2006/relationships" xmlns:p="http://schemas.openxmlformats.org/presentationml/2006/main" type="objAndTwoObj" preserve="1">
   <p:cSld name="Title Content and 2 Content">
     <p:spTree>
       <p:nvGrpSpPr>
@@ -4588,14 +4900,15 @@
           </a:ln>
         </p:spPr>
         <p:txBody>
-          <a:bodyPr lIns="0" rIns="0" tIns="0" bIns="0" anchor="ctr">
+          <a:bodyPr lIns="0" tIns="0" rIns="0" bIns="0" anchor="ctr">
             <a:noAutofit/>
           </a:bodyPr>
+          <a:lstStyle/>
           <a:p>
             <a:pPr indent="0">
               <a:buNone/>
             </a:pPr>
-            <a:endParaRPr b="0" lang="pt-BR" sz="1800" spc="-1" strike="noStrike">
+            <a:endParaRPr lang="pt-BR" sz="1800" b="0" strike="noStrike" spc="-1">
               <a:solidFill>
                 <a:srgbClr val="000000"/>
               </a:solidFill>
@@ -4628,9 +4941,10 @@
           </a:ln>
         </p:spPr>
         <p:txBody>
-          <a:bodyPr lIns="0" rIns="0" tIns="0" bIns="0" anchor="t">
+          <a:bodyPr lIns="0" tIns="0" rIns="0" bIns="0" anchor="t">
             <a:normAutofit/>
           </a:bodyPr>
+          <a:lstStyle/>
           <a:p>
             <a:pPr indent="0">
               <a:lnSpc>
@@ -4641,7 +4955,7 @@
               </a:spcBef>
               <a:buNone/>
             </a:pPr>
-            <a:endParaRPr b="0" lang="pt-BR" sz="2800" spc="-1" strike="noStrike">
+            <a:endParaRPr lang="pt-BR" sz="2800" b="0" strike="noStrike" spc="-1">
               <a:solidFill>
                 <a:srgbClr val="000000"/>
               </a:solidFill>
@@ -4674,9 +4988,10 @@
           </a:ln>
         </p:spPr>
         <p:txBody>
-          <a:bodyPr lIns="0" rIns="0" tIns="0" bIns="0" anchor="t">
+          <a:bodyPr lIns="0" tIns="0" rIns="0" bIns="0" anchor="t">
             <a:normAutofit/>
           </a:bodyPr>
+          <a:lstStyle/>
           <a:p>
             <a:pPr indent="0">
               <a:lnSpc>
@@ -4687,7 +5002,7 @@
               </a:spcBef>
               <a:buNone/>
             </a:pPr>
-            <a:endParaRPr b="0" lang="pt-BR" sz="2800" spc="-1" strike="noStrike">
+            <a:endParaRPr lang="pt-BR" sz="2800" b="0" strike="noStrike" spc="-1">
               <a:solidFill>
                 <a:srgbClr val="000000"/>
               </a:solidFill>
@@ -4720,9 +5035,10 @@
           </a:ln>
         </p:spPr>
         <p:txBody>
-          <a:bodyPr lIns="0" rIns="0" tIns="0" bIns="0" anchor="t">
+          <a:bodyPr lIns="0" tIns="0" rIns="0" bIns="0" anchor="t">
             <a:normAutofit/>
           </a:bodyPr>
+          <a:lstStyle/>
           <a:p>
             <a:pPr indent="0">
               <a:lnSpc>
@@ -4733,7 +5049,7 @@
               </a:spcBef>
               <a:buNone/>
             </a:pPr>
-            <a:endParaRPr b="0" lang="pt-BR" sz="2800" spc="-1" strike="noStrike">
+            <a:endParaRPr lang="pt-BR" sz="2800" b="0" strike="noStrike" spc="-1">
               <a:solidFill>
                 <a:srgbClr val="000000"/>
               </a:solidFill>
@@ -4744,11 +5060,14 @@
       </p:sp>
     </p:spTree>
   </p:cSld>
+  <p:clrMapOvr>
+    <a:masterClrMapping/>
+  </p:clrMapOvr>
 </p:sldLayout>
 </file>
 
 <file path=ppt/slideLayouts/slideLayout9.xml><?xml version="1.0" encoding="utf-8"?>
-<p:sldLayout xmlns:a="http://schemas.openxmlformats.org/drawingml/2006/main" xmlns:p="http://schemas.openxmlformats.org/presentationml/2006/main" xmlns:r="http://schemas.openxmlformats.org/officeDocument/2006/relationships" xmlns:p14="http://schemas.microsoft.com/office/powerpoint/2010/main" xmlns:p15="http://schemas.microsoft.com/office/powerpoint/2012/main" xmlns:mc="http://schemas.openxmlformats.org/markup-compatibility/2006" type="twoObjOverTx" preserve="1">
+<p:sldLayout xmlns:a="http://schemas.openxmlformats.org/drawingml/2006/main" xmlns:r="http://schemas.openxmlformats.org/officeDocument/2006/relationships" xmlns:p="http://schemas.openxmlformats.org/presentationml/2006/main" type="twoObjOverTx" preserve="1">
   <p:cSld name="Title, 2 Content over Content">
     <p:spTree>
       <p:nvGrpSpPr>
@@ -4788,14 +5107,15 @@
           </a:ln>
         </p:spPr>
         <p:txBody>
-          <a:bodyPr lIns="0" rIns="0" tIns="0" bIns="0" anchor="ctr">
+          <a:bodyPr lIns="0" tIns="0" rIns="0" bIns="0" anchor="ctr">
             <a:noAutofit/>
           </a:bodyPr>
+          <a:lstStyle/>
           <a:p>
             <a:pPr indent="0">
               <a:buNone/>
             </a:pPr>
-            <a:endParaRPr b="0" lang="pt-BR" sz="1800" spc="-1" strike="noStrike">
+            <a:endParaRPr lang="pt-BR" sz="1800" b="0" strike="noStrike" spc="-1">
               <a:solidFill>
                 <a:srgbClr val="000000"/>
               </a:solidFill>
@@ -4828,9 +5148,10 @@
           </a:ln>
         </p:spPr>
         <p:txBody>
-          <a:bodyPr lIns="0" rIns="0" tIns="0" bIns="0" anchor="t">
+          <a:bodyPr lIns="0" tIns="0" rIns="0" bIns="0" anchor="t">
             <a:normAutofit/>
           </a:bodyPr>
+          <a:lstStyle/>
           <a:p>
             <a:pPr indent="0">
               <a:lnSpc>
@@ -4841,7 +5162,7 @@
               </a:spcBef>
               <a:buNone/>
             </a:pPr>
-            <a:endParaRPr b="0" lang="pt-BR" sz="2800" spc="-1" strike="noStrike">
+            <a:endParaRPr lang="pt-BR" sz="2800" b="0" strike="noStrike" spc="-1">
               <a:solidFill>
                 <a:srgbClr val="000000"/>
               </a:solidFill>
@@ -4874,9 +5195,10 @@
           </a:ln>
         </p:spPr>
         <p:txBody>
-          <a:bodyPr lIns="0" rIns="0" tIns="0" bIns="0" anchor="t">
+          <a:bodyPr lIns="0" tIns="0" rIns="0" bIns="0" anchor="t">
             <a:normAutofit/>
           </a:bodyPr>
+          <a:lstStyle/>
           <a:p>
             <a:pPr indent="0">
               <a:lnSpc>
@@ -4887,7 +5209,7 @@
               </a:spcBef>
               <a:buNone/>
             </a:pPr>
-            <a:endParaRPr b="0" lang="pt-BR" sz="2800" spc="-1" strike="noStrike">
+            <a:endParaRPr lang="pt-BR" sz="2800" b="0" strike="noStrike" spc="-1">
               <a:solidFill>
                 <a:srgbClr val="000000"/>
               </a:solidFill>
@@ -4920,9 +5242,10 @@
           </a:ln>
         </p:spPr>
         <p:txBody>
-          <a:bodyPr lIns="0" rIns="0" tIns="0" bIns="0" anchor="t">
+          <a:bodyPr lIns="0" tIns="0" rIns="0" bIns="0" anchor="t">
             <a:normAutofit/>
           </a:bodyPr>
+          <a:lstStyle/>
           <a:p>
             <a:pPr indent="0">
               <a:lnSpc>
@@ -4933,7 +5256,7 @@
               </a:spcBef>
               <a:buNone/>
             </a:pPr>
-            <a:endParaRPr b="0" lang="pt-BR" sz="2800" spc="-1" strike="noStrike">
+            <a:endParaRPr lang="pt-BR" sz="2800" b="0" strike="noStrike" spc="-1">
               <a:solidFill>
                 <a:srgbClr val="000000"/>
               </a:solidFill>
@@ -4944,17 +5267,21 @@
       </p:sp>
     </p:spTree>
   </p:cSld>
+  <p:clrMapOvr>
+    <a:masterClrMapping/>
+  </p:clrMapOvr>
 </p:sldLayout>
 </file>
 
 <file path=ppt/slideMasters/slideMaster1.xml><?xml version="1.0" encoding="utf-8"?>
-<p:sldMaster xmlns:a="http://schemas.openxmlformats.org/drawingml/2006/main" xmlns:p="http://schemas.openxmlformats.org/presentationml/2006/main" xmlns:r="http://schemas.openxmlformats.org/officeDocument/2006/relationships" xmlns:p14="http://schemas.microsoft.com/office/powerpoint/2010/main" xmlns:p15="http://schemas.microsoft.com/office/powerpoint/2012/main" xmlns:mc="http://schemas.openxmlformats.org/markup-compatibility/2006">
+<p:sldMaster xmlns:a="http://schemas.openxmlformats.org/drawingml/2006/main" xmlns:r="http://schemas.openxmlformats.org/officeDocument/2006/relationships" xmlns:p="http://schemas.openxmlformats.org/presentationml/2006/main">
   <p:cSld>
     <p:bg>
       <p:bgPr>
         <a:solidFill>
           <a:schemeClr val="lt1"/>
         </a:solidFill>
+        <a:effectLst/>
       </p:bgPr>
     </p:bg>
     <p:spTree>
@@ -4973,7 +5300,7 @@
       </p:grpSpPr>
       <p:sp>
         <p:nvSpPr>
-          <p:cNvPr id="0" name="Google Shape;11;p20"/>
+          <p:cNvPr id="3" name="Google Shape;11;p20"/>
           <p:cNvSpPr/>
           <p:nvPr/>
         </p:nvSpPr>
@@ -4991,6 +5318,7 @@
               <a:gd name="textAreaBottom" fmla="*/ 1210320 h 1203840"/>
             </a:gdLst>
             <a:ahLst/>
+            <a:cxnLst/>
             <a:rect l="textAreaLeft" t="textAreaTop" r="textAreaRight" b="textAreaBottom"/>
             <a:pathLst>
               <a:path w="50808" h="43566">
@@ -5051,32 +5379,39 @@
             </a:pathLst>
           </a:custGeom>
           <a:solidFill>
-            <a:srgbClr val="ff5464"/>
+            <a:srgbClr val="FF5464"/>
           </a:solidFill>
           <a:ln w="0">
             <a:noFill/>
           </a:ln>
         </p:spPr>
         <p:style>
-          <a:lnRef idx="0"/>
-          <a:fillRef idx="0"/>
-          <a:effectRef idx="0"/>
+          <a:lnRef idx="0">
+            <a:scrgbClr r="0" g="0" b="0"/>
+          </a:lnRef>
+          <a:fillRef idx="0">
+            <a:scrgbClr r="0" g="0" b="0"/>
+          </a:fillRef>
+          <a:effectRef idx="0">
+            <a:scrgbClr r="0" g="0" b="0"/>
+          </a:effectRef>
           <a:fontRef idx="minor"/>
         </p:style>
         <p:txBody>
-          <a:bodyPr lIns="90000" rIns="90000" tIns="91440" bIns="91440" anchor="ctr">
+          <a:bodyPr lIns="90000" tIns="91440" rIns="90000" bIns="91440" anchor="ctr">
             <a:noAutofit/>
           </a:bodyPr>
+          <a:lstStyle/>
           <a:p>
             <a:pPr>
               <a:lnSpc>
                 <a:spcPct val="100000"/>
               </a:lnSpc>
               <a:tabLst>
-                <a:tab algn="l" pos="0"/>
+                <a:tab pos="0" algn="l"/>
               </a:tabLst>
             </a:pPr>
-            <a:endParaRPr b="0" lang="pt-BR" sz="1400" spc="-1" strike="noStrike">
+            <a:endParaRPr lang="pt-BR" sz="1400" b="0" strike="noStrike" spc="-1">
               <a:solidFill>
                 <a:srgbClr val="000000"/>
               </a:solidFill>
@@ -5088,7 +5423,7 @@
       </p:sp>
       <p:sp>
         <p:nvSpPr>
-          <p:cNvPr id="1" name="PlaceHolder 1"/>
+          <p:cNvPr id="4" name="PlaceHolder 1"/>
           <p:cNvSpPr>
             <a:spLocks noGrp="1"/>
           </p:cNvSpPr>
@@ -5110,15 +5445,16 @@
           </a:ln>
         </p:spPr>
         <p:txBody>
-          <a:bodyPr lIns="0" rIns="0" tIns="0" bIns="0" anchor="ctr">
+          <a:bodyPr lIns="0" tIns="0" rIns="0" bIns="0" anchor="ctr">
             <a:noAutofit/>
           </a:bodyPr>
+          <a:lstStyle/>
           <a:p>
             <a:pPr indent="0">
               <a:buNone/>
             </a:pPr>
             <a:r>
-              <a:rPr b="0" lang="pt-BR" sz="1800" spc="-1" strike="noStrike">
+              <a:rPr lang="pt-BR" sz="1800" b="0" strike="noStrike" spc="-1">
                 <a:solidFill>
                   <a:srgbClr val="000000"/>
                 </a:solidFill>
@@ -5126,12 +5462,6 @@
               </a:rPr>
               <a:t>Click to edit the title text format</a:t>
             </a:r>
-            <a:endParaRPr b="0" lang="pt-BR" sz="1800" spc="-1" strike="noStrike">
-              <a:solidFill>
-                <a:srgbClr val="000000"/>
-              </a:solidFill>
-              <a:latin typeface="Arial"/>
-            </a:endParaRPr>
           </a:p>
         </p:txBody>
       </p:sp>
@@ -5159,9 +5489,10 @@
           </a:ln>
         </p:spPr>
         <p:txBody>
-          <a:bodyPr lIns="0" rIns="0" tIns="0" bIns="0" anchor="t">
+          <a:bodyPr lIns="0" tIns="0" rIns="0" bIns="0" anchor="t">
             <a:normAutofit/>
           </a:bodyPr>
+          <a:lstStyle/>
           <a:p>
             <a:pPr marL="432000" indent="-324000">
               <a:lnSpc>
@@ -5178,7 +5509,7 @@
               <a:buChar char=""/>
             </a:pPr>
             <a:r>
-              <a:rPr b="0" lang="pt-BR" sz="2800" spc="-1" strike="noStrike">
+              <a:rPr lang="pt-BR" sz="2800" b="0" strike="noStrike" spc="-1">
                 <a:solidFill>
                   <a:srgbClr val="000000"/>
                 </a:solidFill>
@@ -5186,15 +5517,9 @@
               </a:rPr>
               <a:t>Click to edit the outline text format</a:t>
             </a:r>
-            <a:endParaRPr b="0" lang="pt-BR" sz="2800" spc="-1" strike="noStrike">
-              <a:solidFill>
-                <a:srgbClr val="000000"/>
-              </a:solidFill>
-              <a:latin typeface="Arial"/>
-            </a:endParaRPr>
-          </a:p>
-          <a:p>
-            <a:pPr lvl="1" marL="864000" indent="-324000">
+          </a:p>
+          <a:p>
+            <a:pPr marL="864000" lvl="1" indent="-324000">
               <a:lnSpc>
                 <a:spcPct val="90000"/>
               </a:lnSpc>
@@ -5209,7 +5534,7 @@
               <a:buChar char=""/>
             </a:pPr>
             <a:r>
-              <a:rPr b="0" lang="pt-BR" sz="2000" spc="-1" strike="noStrike">
+              <a:rPr lang="pt-BR" sz="2000" b="0" strike="noStrike" spc="-1">
                 <a:solidFill>
                   <a:srgbClr val="000000"/>
                 </a:solidFill>
@@ -5217,15 +5542,9 @@
               </a:rPr>
               <a:t>Second Outline Level</a:t>
             </a:r>
-            <a:endParaRPr b="0" lang="pt-BR" sz="2000" spc="-1" strike="noStrike">
-              <a:solidFill>
-                <a:srgbClr val="000000"/>
-              </a:solidFill>
-              <a:latin typeface="Arial"/>
-            </a:endParaRPr>
-          </a:p>
-          <a:p>
-            <a:pPr lvl="2" marL="1296000" indent="-288000">
+          </a:p>
+          <a:p>
+            <a:pPr marL="1296000" lvl="2" indent="-288000">
               <a:lnSpc>
                 <a:spcPct val="90000"/>
               </a:lnSpc>
@@ -5240,7 +5559,7 @@
               <a:buChar char=""/>
             </a:pPr>
             <a:r>
-              <a:rPr b="0" lang="pt-BR" sz="1800" spc="-1" strike="noStrike">
+              <a:rPr lang="pt-BR" sz="1800" b="0" strike="noStrike" spc="-1">
                 <a:solidFill>
                   <a:srgbClr val="000000"/>
                 </a:solidFill>
@@ -5248,15 +5567,9 @@
               </a:rPr>
               <a:t>Third Outline Level</a:t>
             </a:r>
-            <a:endParaRPr b="0" lang="pt-BR" sz="1800" spc="-1" strike="noStrike">
-              <a:solidFill>
-                <a:srgbClr val="000000"/>
-              </a:solidFill>
-              <a:latin typeface="Arial"/>
-            </a:endParaRPr>
-          </a:p>
-          <a:p>
-            <a:pPr lvl="3" marL="1728000" indent="-216000">
+          </a:p>
+          <a:p>
+            <a:pPr marL="1728000" lvl="3" indent="-216000">
               <a:lnSpc>
                 <a:spcPct val="90000"/>
               </a:lnSpc>
@@ -5271,7 +5584,7 @@
               <a:buChar char=""/>
             </a:pPr>
             <a:r>
-              <a:rPr b="0" lang="pt-BR" sz="1800" spc="-1" strike="noStrike">
+              <a:rPr lang="pt-BR" sz="1800" b="0" strike="noStrike" spc="-1">
                 <a:solidFill>
                   <a:srgbClr val="000000"/>
                 </a:solidFill>
@@ -5279,15 +5592,9 @@
               </a:rPr>
               <a:t>Fourth Outline Level</a:t>
             </a:r>
-            <a:endParaRPr b="0" lang="pt-BR" sz="1800" spc="-1" strike="noStrike">
-              <a:solidFill>
-                <a:srgbClr val="000000"/>
-              </a:solidFill>
-              <a:latin typeface="Arial"/>
-            </a:endParaRPr>
-          </a:p>
-          <a:p>
-            <a:pPr lvl="4" marL="2160000" indent="-216000">
+          </a:p>
+          <a:p>
+            <a:pPr marL="2160000" lvl="4" indent="-216000">
               <a:lnSpc>
                 <a:spcPct val="90000"/>
               </a:lnSpc>
@@ -5302,7 +5609,7 @@
               <a:buChar char=""/>
             </a:pPr>
             <a:r>
-              <a:rPr b="0" lang="pt-BR" sz="2000" spc="-1" strike="noStrike">
+              <a:rPr lang="pt-BR" sz="2000" b="0" strike="noStrike" spc="-1">
                 <a:solidFill>
                   <a:srgbClr val="000000"/>
                 </a:solidFill>
@@ -5310,15 +5617,9 @@
               </a:rPr>
               <a:t>Fifth Outline Level</a:t>
             </a:r>
-            <a:endParaRPr b="0" lang="pt-BR" sz="2000" spc="-1" strike="noStrike">
-              <a:solidFill>
-                <a:srgbClr val="000000"/>
-              </a:solidFill>
-              <a:latin typeface="Arial"/>
-            </a:endParaRPr>
-          </a:p>
-          <a:p>
-            <a:pPr lvl="5" marL="2592000" indent="-216000">
+          </a:p>
+          <a:p>
+            <a:pPr marL="2592000" lvl="5" indent="-216000">
               <a:lnSpc>
                 <a:spcPct val="90000"/>
               </a:lnSpc>
@@ -5333,7 +5634,7 @@
               <a:buChar char=""/>
             </a:pPr>
             <a:r>
-              <a:rPr b="0" lang="pt-BR" sz="2000" spc="-1" strike="noStrike">
+              <a:rPr lang="pt-BR" sz="2000" b="0" strike="noStrike" spc="-1">
                 <a:solidFill>
                   <a:srgbClr val="000000"/>
                 </a:solidFill>
@@ -5341,15 +5642,9 @@
               </a:rPr>
               <a:t>Sixth Outline Level</a:t>
             </a:r>
-            <a:endParaRPr b="0" lang="pt-BR" sz="2000" spc="-1" strike="noStrike">
-              <a:solidFill>
-                <a:srgbClr val="000000"/>
-              </a:solidFill>
-              <a:latin typeface="Arial"/>
-            </a:endParaRPr>
-          </a:p>
-          <a:p>
-            <a:pPr lvl="6" marL="3024000" indent="-216000">
+          </a:p>
+          <a:p>
+            <a:pPr marL="3024000" lvl="6" indent="-216000">
               <a:lnSpc>
                 <a:spcPct val="90000"/>
               </a:lnSpc>
@@ -5364,7 +5659,7 @@
               <a:buChar char=""/>
             </a:pPr>
             <a:r>
-              <a:rPr b="0" lang="pt-BR" sz="2000" spc="-1" strike="noStrike">
+              <a:rPr lang="pt-BR" sz="2000" b="0" strike="noStrike" spc="-1">
                 <a:solidFill>
                   <a:srgbClr val="000000"/>
                 </a:solidFill>
@@ -5372,43 +5667,318 @@
               </a:rPr>
               <a:t>Seventh Outline Level</a:t>
             </a:r>
-            <a:endParaRPr b="0" lang="pt-BR" sz="2000" spc="-1" strike="noStrike">
-              <a:solidFill>
-                <a:srgbClr val="000000"/>
-              </a:solidFill>
-              <a:latin typeface="Arial"/>
-            </a:endParaRPr>
           </a:p>
         </p:txBody>
       </p:sp>
     </p:spTree>
   </p:cSld>
-  <p:clrMap bg1="lt1" bg2="lt2" tx1="dk1" tx2="dk2" accent1="accent1" accent2="accent2" accent3="accent3" accent4="accent4" accent5="accent5" accent6="accent6" hlink="hlink" folHlink="folHlink"/>
+  <p:clrMap bg1="lt1" tx1="dk1" bg2="lt2" tx2="dk2" accent1="accent1" accent2="accent2" accent3="accent3" accent4="accent4" accent5="accent5" accent6="accent6" hlink="hlink" folHlink="folHlink"/>
   <p:sldLayoutIdLst>
-    <p:sldLayoutId id="2147483649" r:id="rId2"/>
-    <p:sldLayoutId id="2147483650" r:id="rId3"/>
-    <p:sldLayoutId id="2147483651" r:id="rId4"/>
-    <p:sldLayoutId id="2147483652" r:id="rId5"/>
-    <p:sldLayoutId id="2147483653" r:id="rId6"/>
-    <p:sldLayoutId id="2147483654" r:id="rId7"/>
-    <p:sldLayoutId id="2147483655" r:id="rId8"/>
-    <p:sldLayoutId id="2147483656" r:id="rId9"/>
-    <p:sldLayoutId id="2147483657" r:id="rId10"/>
-    <p:sldLayoutId id="2147483658" r:id="rId11"/>
-    <p:sldLayoutId id="2147483659" r:id="rId12"/>
-    <p:sldLayoutId id="2147483660" r:id="rId13"/>
+    <p:sldLayoutId id="2147483649" r:id="rId1"/>
+    <p:sldLayoutId id="2147483650" r:id="rId2"/>
+    <p:sldLayoutId id="2147483651" r:id="rId3"/>
+    <p:sldLayoutId id="2147483652" r:id="rId4"/>
+    <p:sldLayoutId id="2147483653" r:id="rId5"/>
+    <p:sldLayoutId id="2147483654" r:id="rId6"/>
+    <p:sldLayoutId id="2147483655" r:id="rId7"/>
+    <p:sldLayoutId id="2147483656" r:id="rId8"/>
+    <p:sldLayoutId id="2147483657" r:id="rId9"/>
+    <p:sldLayoutId id="2147483658" r:id="rId10"/>
+    <p:sldLayoutId id="2147483659" r:id="rId11"/>
+    <p:sldLayoutId id="2147483660" r:id="rId12"/>
   </p:sldLayoutIdLst>
+  <p:txStyles>
+    <p:titleStyle>
+      <a:lvl1pPr algn="l" defTabSz="914400" rtl="0" eaLnBrk="1" latinLnBrk="0" hangingPunct="1">
+        <a:lnSpc>
+          <a:spcPct val="90000"/>
+        </a:lnSpc>
+        <a:spcBef>
+          <a:spcPct val="0"/>
+        </a:spcBef>
+        <a:buNone/>
+        <a:defRPr sz="4400" kern="1200">
+          <a:solidFill>
+            <a:schemeClr val="tx1"/>
+          </a:solidFill>
+          <a:latin typeface="+mj-lt"/>
+          <a:ea typeface="+mj-ea"/>
+          <a:cs typeface="+mj-cs"/>
+        </a:defRPr>
+      </a:lvl1pPr>
+    </p:titleStyle>
+    <p:bodyStyle>
+      <a:lvl1pPr marL="228600" indent="-228600" algn="l" defTabSz="914400" rtl="0" eaLnBrk="1" latinLnBrk="0" hangingPunct="1">
+        <a:lnSpc>
+          <a:spcPct val="90000"/>
+        </a:lnSpc>
+        <a:spcBef>
+          <a:spcPts val="1000"/>
+        </a:spcBef>
+        <a:buFont typeface="Arial" panose="020B0604020202020204" pitchFamily="34" charset="0"/>
+        <a:buChar char="•"/>
+        <a:defRPr sz="2800" kern="1200">
+          <a:solidFill>
+            <a:schemeClr val="tx1"/>
+          </a:solidFill>
+          <a:latin typeface="+mn-lt"/>
+          <a:ea typeface="+mn-ea"/>
+          <a:cs typeface="+mn-cs"/>
+        </a:defRPr>
+      </a:lvl1pPr>
+      <a:lvl2pPr marL="685800" indent="-228600" algn="l" defTabSz="914400" rtl="0" eaLnBrk="1" latinLnBrk="0" hangingPunct="1">
+        <a:lnSpc>
+          <a:spcPct val="90000"/>
+        </a:lnSpc>
+        <a:spcBef>
+          <a:spcPts val="500"/>
+        </a:spcBef>
+        <a:buFont typeface="Arial" panose="020B0604020202020204" pitchFamily="34" charset="0"/>
+        <a:buChar char="•"/>
+        <a:defRPr sz="2400" kern="1200">
+          <a:solidFill>
+            <a:schemeClr val="tx1"/>
+          </a:solidFill>
+          <a:latin typeface="+mn-lt"/>
+          <a:ea typeface="+mn-ea"/>
+          <a:cs typeface="+mn-cs"/>
+        </a:defRPr>
+      </a:lvl2pPr>
+      <a:lvl3pPr marL="1143000" indent="-228600" algn="l" defTabSz="914400" rtl="0" eaLnBrk="1" latinLnBrk="0" hangingPunct="1">
+        <a:lnSpc>
+          <a:spcPct val="90000"/>
+        </a:lnSpc>
+        <a:spcBef>
+          <a:spcPts val="500"/>
+        </a:spcBef>
+        <a:buFont typeface="Arial" panose="020B0604020202020204" pitchFamily="34" charset="0"/>
+        <a:buChar char="•"/>
+        <a:defRPr sz="2000" kern="1200">
+          <a:solidFill>
+            <a:schemeClr val="tx1"/>
+          </a:solidFill>
+          <a:latin typeface="+mn-lt"/>
+          <a:ea typeface="+mn-ea"/>
+          <a:cs typeface="+mn-cs"/>
+        </a:defRPr>
+      </a:lvl3pPr>
+      <a:lvl4pPr marL="1600200" indent="-228600" algn="l" defTabSz="914400" rtl="0" eaLnBrk="1" latinLnBrk="0" hangingPunct="1">
+        <a:lnSpc>
+          <a:spcPct val="90000"/>
+        </a:lnSpc>
+        <a:spcBef>
+          <a:spcPts val="500"/>
+        </a:spcBef>
+        <a:buFont typeface="Arial" panose="020B0604020202020204" pitchFamily="34" charset="0"/>
+        <a:buChar char="•"/>
+        <a:defRPr sz="1800" kern="1200">
+          <a:solidFill>
+            <a:schemeClr val="tx1"/>
+          </a:solidFill>
+          <a:latin typeface="+mn-lt"/>
+          <a:ea typeface="+mn-ea"/>
+          <a:cs typeface="+mn-cs"/>
+        </a:defRPr>
+      </a:lvl4pPr>
+      <a:lvl5pPr marL="2057400" indent="-228600" algn="l" defTabSz="914400" rtl="0" eaLnBrk="1" latinLnBrk="0" hangingPunct="1">
+        <a:lnSpc>
+          <a:spcPct val="90000"/>
+        </a:lnSpc>
+        <a:spcBef>
+          <a:spcPts val="500"/>
+        </a:spcBef>
+        <a:buFont typeface="Arial" panose="020B0604020202020204" pitchFamily="34" charset="0"/>
+        <a:buChar char="•"/>
+        <a:defRPr sz="1800" kern="1200">
+          <a:solidFill>
+            <a:schemeClr val="tx1"/>
+          </a:solidFill>
+          <a:latin typeface="+mn-lt"/>
+          <a:ea typeface="+mn-ea"/>
+          <a:cs typeface="+mn-cs"/>
+        </a:defRPr>
+      </a:lvl5pPr>
+      <a:lvl6pPr marL="2514600" indent="-228600" algn="l" defTabSz="914400" rtl="0" eaLnBrk="1" latinLnBrk="0" hangingPunct="1">
+        <a:lnSpc>
+          <a:spcPct val="90000"/>
+        </a:lnSpc>
+        <a:spcBef>
+          <a:spcPts val="500"/>
+        </a:spcBef>
+        <a:buFont typeface="Arial" panose="020B0604020202020204" pitchFamily="34" charset="0"/>
+        <a:buChar char="•"/>
+        <a:defRPr sz="1800" kern="1200">
+          <a:solidFill>
+            <a:schemeClr val="tx1"/>
+          </a:solidFill>
+          <a:latin typeface="+mn-lt"/>
+          <a:ea typeface="+mn-ea"/>
+          <a:cs typeface="+mn-cs"/>
+        </a:defRPr>
+      </a:lvl6pPr>
+      <a:lvl7pPr marL="2971800" indent="-228600" algn="l" defTabSz="914400" rtl="0" eaLnBrk="1" latinLnBrk="0" hangingPunct="1">
+        <a:lnSpc>
+          <a:spcPct val="90000"/>
+        </a:lnSpc>
+        <a:spcBef>
+          <a:spcPts val="500"/>
+        </a:spcBef>
+        <a:buFont typeface="Arial" panose="020B0604020202020204" pitchFamily="34" charset="0"/>
+        <a:buChar char="•"/>
+        <a:defRPr sz="1800" kern="1200">
+          <a:solidFill>
+            <a:schemeClr val="tx1"/>
+          </a:solidFill>
+          <a:latin typeface="+mn-lt"/>
+          <a:ea typeface="+mn-ea"/>
+          <a:cs typeface="+mn-cs"/>
+        </a:defRPr>
+      </a:lvl7pPr>
+      <a:lvl8pPr marL="3429000" indent="-228600" algn="l" defTabSz="914400" rtl="0" eaLnBrk="1" latinLnBrk="0" hangingPunct="1">
+        <a:lnSpc>
+          <a:spcPct val="90000"/>
+        </a:lnSpc>
+        <a:spcBef>
+          <a:spcPts val="500"/>
+        </a:spcBef>
+        <a:buFont typeface="Arial" panose="020B0604020202020204" pitchFamily="34" charset="0"/>
+        <a:buChar char="•"/>
+        <a:defRPr sz="1800" kern="1200">
+          <a:solidFill>
+            <a:schemeClr val="tx1"/>
+          </a:solidFill>
+          <a:latin typeface="+mn-lt"/>
+          <a:ea typeface="+mn-ea"/>
+          <a:cs typeface="+mn-cs"/>
+        </a:defRPr>
+      </a:lvl8pPr>
+      <a:lvl9pPr marL="3886200" indent="-228600" algn="l" defTabSz="914400" rtl="0" eaLnBrk="1" latinLnBrk="0" hangingPunct="1">
+        <a:lnSpc>
+          <a:spcPct val="90000"/>
+        </a:lnSpc>
+        <a:spcBef>
+          <a:spcPts val="500"/>
+        </a:spcBef>
+        <a:buFont typeface="Arial" panose="020B0604020202020204" pitchFamily="34" charset="0"/>
+        <a:buChar char="•"/>
+        <a:defRPr sz="1800" kern="1200">
+          <a:solidFill>
+            <a:schemeClr val="tx1"/>
+          </a:solidFill>
+          <a:latin typeface="+mn-lt"/>
+          <a:ea typeface="+mn-ea"/>
+          <a:cs typeface="+mn-cs"/>
+        </a:defRPr>
+      </a:lvl9pPr>
+    </p:bodyStyle>
+    <p:otherStyle>
+      <a:defPPr>
+        <a:defRPr lang="pt-BR"/>
+      </a:defPPr>
+      <a:lvl1pPr marL="0" algn="l" defTabSz="914400" rtl="0" eaLnBrk="1" latinLnBrk="0" hangingPunct="1">
+        <a:defRPr sz="1800" kern="1200">
+          <a:solidFill>
+            <a:schemeClr val="tx1"/>
+          </a:solidFill>
+          <a:latin typeface="+mn-lt"/>
+          <a:ea typeface="+mn-ea"/>
+          <a:cs typeface="+mn-cs"/>
+        </a:defRPr>
+      </a:lvl1pPr>
+      <a:lvl2pPr marL="457200" algn="l" defTabSz="914400" rtl="0" eaLnBrk="1" latinLnBrk="0" hangingPunct="1">
+        <a:defRPr sz="1800" kern="1200">
+          <a:solidFill>
+            <a:schemeClr val="tx1"/>
+          </a:solidFill>
+          <a:latin typeface="+mn-lt"/>
+          <a:ea typeface="+mn-ea"/>
+          <a:cs typeface="+mn-cs"/>
+        </a:defRPr>
+      </a:lvl2pPr>
+      <a:lvl3pPr marL="914400" algn="l" defTabSz="914400" rtl="0" eaLnBrk="1" latinLnBrk="0" hangingPunct="1">
+        <a:defRPr sz="1800" kern="1200">
+          <a:solidFill>
+            <a:schemeClr val="tx1"/>
+          </a:solidFill>
+          <a:latin typeface="+mn-lt"/>
+          <a:ea typeface="+mn-ea"/>
+          <a:cs typeface="+mn-cs"/>
+        </a:defRPr>
+      </a:lvl3pPr>
+      <a:lvl4pPr marL="1371600" algn="l" defTabSz="914400" rtl="0" eaLnBrk="1" latinLnBrk="0" hangingPunct="1">
+        <a:defRPr sz="1800" kern="1200">
+          <a:solidFill>
+            <a:schemeClr val="tx1"/>
+          </a:solidFill>
+          <a:latin typeface="+mn-lt"/>
+          <a:ea typeface="+mn-ea"/>
+          <a:cs typeface="+mn-cs"/>
+        </a:defRPr>
+      </a:lvl4pPr>
+      <a:lvl5pPr marL="1828800" algn="l" defTabSz="914400" rtl="0" eaLnBrk="1" latinLnBrk="0" hangingPunct="1">
+        <a:defRPr sz="1800" kern="1200">
+          <a:solidFill>
+            <a:schemeClr val="tx1"/>
+          </a:solidFill>
+          <a:latin typeface="+mn-lt"/>
+          <a:ea typeface="+mn-ea"/>
+          <a:cs typeface="+mn-cs"/>
+        </a:defRPr>
+      </a:lvl5pPr>
+      <a:lvl6pPr marL="2286000" algn="l" defTabSz="914400" rtl="0" eaLnBrk="1" latinLnBrk="0" hangingPunct="1">
+        <a:defRPr sz="1800" kern="1200">
+          <a:solidFill>
+            <a:schemeClr val="tx1"/>
+          </a:solidFill>
+          <a:latin typeface="+mn-lt"/>
+          <a:ea typeface="+mn-ea"/>
+          <a:cs typeface="+mn-cs"/>
+        </a:defRPr>
+      </a:lvl6pPr>
+      <a:lvl7pPr marL="2743200" algn="l" defTabSz="914400" rtl="0" eaLnBrk="1" latinLnBrk="0" hangingPunct="1">
+        <a:defRPr sz="1800" kern="1200">
+          <a:solidFill>
+            <a:schemeClr val="tx1"/>
+          </a:solidFill>
+          <a:latin typeface="+mn-lt"/>
+          <a:ea typeface="+mn-ea"/>
+          <a:cs typeface="+mn-cs"/>
+        </a:defRPr>
+      </a:lvl7pPr>
+      <a:lvl8pPr marL="3200400" algn="l" defTabSz="914400" rtl="0" eaLnBrk="1" latinLnBrk="0" hangingPunct="1">
+        <a:defRPr sz="1800" kern="1200">
+          <a:solidFill>
+            <a:schemeClr val="tx1"/>
+          </a:solidFill>
+          <a:latin typeface="+mn-lt"/>
+          <a:ea typeface="+mn-ea"/>
+          <a:cs typeface="+mn-cs"/>
+        </a:defRPr>
+      </a:lvl8pPr>
+      <a:lvl9pPr marL="3657600" algn="l" defTabSz="914400" rtl="0" eaLnBrk="1" latinLnBrk="0" hangingPunct="1">
+        <a:defRPr sz="1800" kern="1200">
+          <a:solidFill>
+            <a:schemeClr val="tx1"/>
+          </a:solidFill>
+          <a:latin typeface="+mn-lt"/>
+          <a:ea typeface="+mn-ea"/>
+          <a:cs typeface="+mn-cs"/>
+        </a:defRPr>
+      </a:lvl9pPr>
+    </p:otherStyle>
+  </p:txStyles>
 </p:sldMaster>
 </file>
 
 <file path=ppt/slideMasters/slideMaster2.xml><?xml version="1.0" encoding="utf-8"?>
-<p:sldMaster xmlns:a="http://schemas.openxmlformats.org/drawingml/2006/main" xmlns:p="http://schemas.openxmlformats.org/presentationml/2006/main" xmlns:r="http://schemas.openxmlformats.org/officeDocument/2006/relationships" xmlns:p14="http://schemas.microsoft.com/office/powerpoint/2010/main" xmlns:p15="http://schemas.microsoft.com/office/powerpoint/2012/main" xmlns:mc="http://schemas.openxmlformats.org/markup-compatibility/2006">
+<p:sldMaster xmlns:a="http://schemas.openxmlformats.org/drawingml/2006/main" xmlns:r="http://schemas.openxmlformats.org/officeDocument/2006/relationships" xmlns:p="http://schemas.openxmlformats.org/presentationml/2006/main">
   <p:cSld>
     <p:bg>
       <p:bgPr>
         <a:solidFill>
           <a:schemeClr val="lt1"/>
         </a:solidFill>
+        <a:effectLst/>
       </p:bgPr>
     </p:bg>
     <p:spTree>
@@ -5449,7 +6019,7 @@
           </a:ln>
         </p:spPr>
         <p:txBody>
-          <a:bodyPr lIns="90000" rIns="90000" tIns="-45000" bIns="-45000" anchor="t">
+          <a:bodyPr lIns="90000" tIns="-45000" rIns="90000" bIns="-45000" anchor="t">
             <a:noAutofit/>
           </a:bodyPr>
           <a:lstStyle>
@@ -5459,9 +6029,9 @@
               </a:lnSpc>
               <a:buNone/>
               <a:tabLst>
-                <a:tab algn="l" pos="0"/>
+                <a:tab pos="0" algn="l"/>
               </a:tabLst>
-              <a:defRPr b="0" lang="pt-BR" sz="1400" spc="-1" strike="noStrike">
+              <a:defRPr lang="pt-BR" sz="1400" b="0" strike="noStrike" spc="-1">
                 <a:solidFill>
                   <a:srgbClr val="000000"/>
                 </a:solidFill>
@@ -5477,11 +6047,11 @@
               </a:lnSpc>
               <a:buNone/>
               <a:tabLst>
-                <a:tab algn="l" pos="0"/>
+                <a:tab pos="0" algn="l"/>
               </a:tabLst>
             </a:pPr>
             <a:r>
-              <a:rPr b="0" lang="pt-BR" sz="1400" spc="-1" strike="noStrike">
+              <a:rPr lang="pt-BR" sz="1400" b="0" strike="noStrike" spc="-1">
                 <a:solidFill>
                   <a:srgbClr val="000000"/>
                 </a:solidFill>
@@ -5490,7 +6060,7 @@
               </a:rPr>
               <a:t>&lt;footer&gt;</a:t>
             </a:r>
-            <a:endParaRPr b="0" lang="pt-BR" sz="1400" spc="-1" strike="noStrike">
+            <a:endParaRPr lang="pt-BR" sz="1400" b="0" strike="noStrike" spc="-1">
               <a:solidFill>
                 <a:srgbClr val="000000"/>
               </a:solidFill>
@@ -5523,7 +6093,7 @@
           </a:ln>
         </p:spPr>
         <p:txBody>
-          <a:bodyPr lIns="90000" rIns="90000" tIns="-45000" bIns="-45000" anchor="t">
+          <a:bodyPr lIns="90000" tIns="-45000" rIns="90000" bIns="-45000" anchor="t">
             <a:noAutofit/>
           </a:bodyPr>
           <a:lstStyle>
@@ -5533,9 +6103,9 @@
               </a:lnSpc>
               <a:buNone/>
               <a:tabLst>
-                <a:tab algn="l" pos="0"/>
+                <a:tab pos="0" algn="l"/>
               </a:tabLst>
-              <a:defRPr b="0" lang="pt-BR" sz="1400" spc="-1" strike="noStrike">
+              <a:defRPr lang="pt-BR" sz="1400" b="0" strike="noStrike" spc="-1">
                 <a:solidFill>
                   <a:srgbClr val="000000"/>
                 </a:solidFill>
@@ -5551,20 +6121,20 @@
               </a:lnSpc>
               <a:buNone/>
               <a:tabLst>
-                <a:tab algn="l" pos="0"/>
+                <a:tab pos="0" algn="l"/>
               </a:tabLst>
             </a:pPr>
             <a:fld id="{DC2E6A5B-08F4-4865-8DB6-ADA949AB4E40}" type="slidenum">
-              <a:rPr b="0" lang="pt-BR" sz="1400" spc="-1" strike="noStrike">
+              <a:rPr lang="pt-BR" sz="1400" b="0" strike="noStrike" spc="-1">
                 <a:solidFill>
                   <a:srgbClr val="000000"/>
                 </a:solidFill>
                 <a:latin typeface="Arial"/>
                 <a:ea typeface="Arial"/>
               </a:rPr>
-              <a:t>&lt;number&gt;</a:t>
+              <a:t>‹nº›</a:t>
             </a:fld>
-            <a:endParaRPr b="0" lang="pt-BR" sz="1400" spc="-1" strike="noStrike">
+            <a:endParaRPr lang="pt-BR" sz="1400" b="0" strike="noStrike" spc="-1">
               <a:solidFill>
                 <a:srgbClr val="000000"/>
               </a:solidFill>
@@ -5597,13 +6167,13 @@
           </a:ln>
         </p:spPr>
         <p:txBody>
-          <a:bodyPr lIns="90000" rIns="90000" tIns="-45000" bIns="-45000" anchor="t">
+          <a:bodyPr lIns="90000" tIns="-45000" rIns="90000" bIns="-45000" anchor="t">
             <a:noAutofit/>
           </a:bodyPr>
           <a:lstStyle>
             <a:lvl1pPr indent="0">
               <a:buNone/>
-              <a:defRPr b="0" lang="pt-BR" sz="1400" spc="-1" strike="noStrike">
+              <a:defRPr lang="pt-BR" sz="1400" b="0" strike="noStrike" spc="-1">
                 <a:solidFill>
                   <a:srgbClr val="000000"/>
                 </a:solidFill>
@@ -5616,7 +6186,7 @@
               <a:buNone/>
             </a:pPr>
             <a:r>
-              <a:rPr b="0" lang="pt-BR" sz="1400" spc="-1" strike="noStrike">
+              <a:rPr lang="pt-BR" sz="1400" b="0" strike="noStrike" spc="-1">
                 <a:solidFill>
                   <a:srgbClr val="000000"/>
                 </a:solidFill>
@@ -5624,12 +6194,6 @@
               </a:rPr>
               <a:t>&lt;date/time&gt;</a:t>
             </a:r>
-            <a:endParaRPr b="0" lang="pt-BR" sz="1400" spc="-1" strike="noStrike">
-              <a:solidFill>
-                <a:srgbClr val="000000"/>
-              </a:solidFill>
-              <a:latin typeface="Times New Roman"/>
-            </a:endParaRPr>
           </a:p>
         </p:txBody>
       </p:sp>
@@ -5657,15 +6221,16 @@
           </a:ln>
         </p:spPr>
         <p:txBody>
-          <a:bodyPr lIns="0" rIns="0" tIns="0" bIns="0" anchor="ctr">
+          <a:bodyPr lIns="0" tIns="0" rIns="0" bIns="0" anchor="ctr">
             <a:noAutofit/>
           </a:bodyPr>
+          <a:lstStyle/>
           <a:p>
             <a:pPr indent="0">
               <a:buNone/>
             </a:pPr>
             <a:r>
-              <a:rPr b="0" lang="pt-BR" sz="1800" spc="-1" strike="noStrike">
+              <a:rPr lang="pt-BR" sz="1800" b="0" strike="noStrike" spc="-1">
                 <a:solidFill>
                   <a:srgbClr val="000000"/>
                 </a:solidFill>
@@ -5673,12 +6238,6 @@
               </a:rPr>
               <a:t>Click to edit the title text format</a:t>
             </a:r>
-            <a:endParaRPr b="0" lang="pt-BR" sz="1800" spc="-1" strike="noStrike">
-              <a:solidFill>
-                <a:srgbClr val="000000"/>
-              </a:solidFill>
-              <a:latin typeface="Arial"/>
-            </a:endParaRPr>
           </a:p>
         </p:txBody>
       </p:sp>
@@ -5706,9 +6265,10 @@
           </a:ln>
         </p:spPr>
         <p:txBody>
-          <a:bodyPr lIns="0" rIns="0" tIns="0" bIns="0" anchor="t">
+          <a:bodyPr lIns="0" tIns="0" rIns="0" bIns="0" anchor="t">
             <a:normAutofit/>
           </a:bodyPr>
+          <a:lstStyle/>
           <a:p>
             <a:pPr marL="432000" indent="-324000">
               <a:lnSpc>
@@ -5725,7 +6285,7 @@
               <a:buChar char=""/>
             </a:pPr>
             <a:r>
-              <a:rPr b="0" lang="pt-BR" sz="2800" spc="-1" strike="noStrike">
+              <a:rPr lang="pt-BR" sz="2800" b="0" strike="noStrike" spc="-1">
                 <a:solidFill>
                   <a:srgbClr val="000000"/>
                 </a:solidFill>
@@ -5733,15 +6293,9 @@
               </a:rPr>
               <a:t>Click to edit the outline text format</a:t>
             </a:r>
-            <a:endParaRPr b="0" lang="pt-BR" sz="2800" spc="-1" strike="noStrike">
-              <a:solidFill>
-                <a:srgbClr val="000000"/>
-              </a:solidFill>
-              <a:latin typeface="Arial"/>
-            </a:endParaRPr>
-          </a:p>
-          <a:p>
-            <a:pPr lvl="1" marL="864000" indent="-324000">
+          </a:p>
+          <a:p>
+            <a:pPr marL="864000" lvl="1" indent="-324000">
               <a:lnSpc>
                 <a:spcPct val="90000"/>
               </a:lnSpc>
@@ -5756,7 +6310,7 @@
               <a:buChar char=""/>
             </a:pPr>
             <a:r>
-              <a:rPr b="0" lang="pt-BR" sz="2000" spc="-1" strike="noStrike">
+              <a:rPr lang="pt-BR" sz="2000" b="0" strike="noStrike" spc="-1">
                 <a:solidFill>
                   <a:srgbClr val="000000"/>
                 </a:solidFill>
@@ -5764,15 +6318,9 @@
               </a:rPr>
               <a:t>Second Outline Level</a:t>
             </a:r>
-            <a:endParaRPr b="0" lang="pt-BR" sz="2000" spc="-1" strike="noStrike">
-              <a:solidFill>
-                <a:srgbClr val="000000"/>
-              </a:solidFill>
-              <a:latin typeface="Arial"/>
-            </a:endParaRPr>
-          </a:p>
-          <a:p>
-            <a:pPr lvl="2" marL="1296000" indent="-288000">
+          </a:p>
+          <a:p>
+            <a:pPr marL="1296000" lvl="2" indent="-288000">
               <a:lnSpc>
                 <a:spcPct val="90000"/>
               </a:lnSpc>
@@ -5787,7 +6335,7 @@
               <a:buChar char=""/>
             </a:pPr>
             <a:r>
-              <a:rPr b="0" lang="pt-BR" sz="1800" spc="-1" strike="noStrike">
+              <a:rPr lang="pt-BR" sz="1800" b="0" strike="noStrike" spc="-1">
                 <a:solidFill>
                   <a:srgbClr val="000000"/>
                 </a:solidFill>
@@ -5795,15 +6343,9 @@
               </a:rPr>
               <a:t>Third Outline Level</a:t>
             </a:r>
-            <a:endParaRPr b="0" lang="pt-BR" sz="1800" spc="-1" strike="noStrike">
-              <a:solidFill>
-                <a:srgbClr val="000000"/>
-              </a:solidFill>
-              <a:latin typeface="Arial"/>
-            </a:endParaRPr>
-          </a:p>
-          <a:p>
-            <a:pPr lvl="3" marL="1728000" indent="-216000">
+          </a:p>
+          <a:p>
+            <a:pPr marL="1728000" lvl="3" indent="-216000">
               <a:lnSpc>
                 <a:spcPct val="90000"/>
               </a:lnSpc>
@@ -5818,7 +6360,7 @@
               <a:buChar char=""/>
             </a:pPr>
             <a:r>
-              <a:rPr b="0" lang="pt-BR" sz="1800" spc="-1" strike="noStrike">
+              <a:rPr lang="pt-BR" sz="1800" b="0" strike="noStrike" spc="-1">
                 <a:solidFill>
                   <a:srgbClr val="000000"/>
                 </a:solidFill>
@@ -5826,15 +6368,9 @@
               </a:rPr>
               <a:t>Fourth Outline Level</a:t>
             </a:r>
-            <a:endParaRPr b="0" lang="pt-BR" sz="1800" spc="-1" strike="noStrike">
-              <a:solidFill>
-                <a:srgbClr val="000000"/>
-              </a:solidFill>
-              <a:latin typeface="Arial"/>
-            </a:endParaRPr>
-          </a:p>
-          <a:p>
-            <a:pPr lvl="4" marL="2160000" indent="-216000">
+          </a:p>
+          <a:p>
+            <a:pPr marL="2160000" lvl="4" indent="-216000">
               <a:lnSpc>
                 <a:spcPct val="90000"/>
               </a:lnSpc>
@@ -5849,7 +6385,7 @@
               <a:buChar char=""/>
             </a:pPr>
             <a:r>
-              <a:rPr b="0" lang="pt-BR" sz="2000" spc="-1" strike="noStrike">
+              <a:rPr lang="pt-BR" sz="2000" b="0" strike="noStrike" spc="-1">
                 <a:solidFill>
                   <a:srgbClr val="000000"/>
                 </a:solidFill>
@@ -5857,15 +6393,9 @@
               </a:rPr>
               <a:t>Fifth Outline Level</a:t>
             </a:r>
-            <a:endParaRPr b="0" lang="pt-BR" sz="2000" spc="-1" strike="noStrike">
-              <a:solidFill>
-                <a:srgbClr val="000000"/>
-              </a:solidFill>
-              <a:latin typeface="Arial"/>
-            </a:endParaRPr>
-          </a:p>
-          <a:p>
-            <a:pPr lvl="5" marL="2592000" indent="-216000">
+          </a:p>
+          <a:p>
+            <a:pPr marL="2592000" lvl="5" indent="-216000">
               <a:lnSpc>
                 <a:spcPct val="90000"/>
               </a:lnSpc>
@@ -5880,7 +6410,7 @@
               <a:buChar char=""/>
             </a:pPr>
             <a:r>
-              <a:rPr b="0" lang="pt-BR" sz="2000" spc="-1" strike="noStrike">
+              <a:rPr lang="pt-BR" sz="2000" b="0" strike="noStrike" spc="-1">
                 <a:solidFill>
                   <a:srgbClr val="000000"/>
                 </a:solidFill>
@@ -5888,15 +6418,9 @@
               </a:rPr>
               <a:t>Sixth Outline Level</a:t>
             </a:r>
-            <a:endParaRPr b="0" lang="pt-BR" sz="2000" spc="-1" strike="noStrike">
-              <a:solidFill>
-                <a:srgbClr val="000000"/>
-              </a:solidFill>
-              <a:latin typeface="Arial"/>
-            </a:endParaRPr>
-          </a:p>
-          <a:p>
-            <a:pPr lvl="6" marL="3024000" indent="-216000">
+          </a:p>
+          <a:p>
+            <a:pPr marL="3024000" lvl="6" indent="-216000">
               <a:lnSpc>
                 <a:spcPct val="90000"/>
               </a:lnSpc>
@@ -5911,7 +6435,7 @@
               <a:buChar char=""/>
             </a:pPr>
             <a:r>
-              <a:rPr b="0" lang="pt-BR" sz="2000" spc="-1" strike="noStrike">
+              <a:rPr lang="pt-BR" sz="2000" b="0" strike="noStrike" spc="-1">
                 <a:solidFill>
                   <a:srgbClr val="000000"/>
                 </a:solidFill>
@@ -5919,37 +6443,311 @@
               </a:rPr>
               <a:t>Seventh Outline Level</a:t>
             </a:r>
-            <a:endParaRPr b="0" lang="pt-BR" sz="2000" spc="-1" strike="noStrike">
-              <a:solidFill>
-                <a:srgbClr val="000000"/>
-              </a:solidFill>
-              <a:latin typeface="Arial"/>
-            </a:endParaRPr>
           </a:p>
         </p:txBody>
       </p:sp>
     </p:spTree>
   </p:cSld>
-  <p:clrMap bg1="lt1" bg2="lt2" tx1="dk1" tx2="dk2" accent1="accent1" accent2="accent2" accent3="accent3" accent4="accent4" accent5="accent5" accent6="accent6" hlink="hlink" folHlink="folHlink"/>
+  <p:clrMap bg1="lt1" tx1="dk1" bg2="lt2" tx2="dk2" accent1="accent1" accent2="accent2" accent3="accent3" accent4="accent4" accent5="accent5" accent6="accent6" hlink="hlink" folHlink="folHlink"/>
   <p:sldLayoutIdLst>
-    <p:sldLayoutId id="2147483662" r:id="rId2"/>
-    <p:sldLayoutId id="2147483663" r:id="rId3"/>
-    <p:sldLayoutId id="2147483664" r:id="rId4"/>
-    <p:sldLayoutId id="2147483665" r:id="rId5"/>
-    <p:sldLayoutId id="2147483666" r:id="rId6"/>
-    <p:sldLayoutId id="2147483667" r:id="rId7"/>
-    <p:sldLayoutId id="2147483668" r:id="rId8"/>
-    <p:sldLayoutId id="2147483669" r:id="rId9"/>
-    <p:sldLayoutId id="2147483670" r:id="rId10"/>
-    <p:sldLayoutId id="2147483671" r:id="rId11"/>
-    <p:sldLayoutId id="2147483672" r:id="rId12"/>
-    <p:sldLayoutId id="2147483673" r:id="rId13"/>
+    <p:sldLayoutId id="2147483662" r:id="rId1"/>
+    <p:sldLayoutId id="2147483663" r:id="rId2"/>
+    <p:sldLayoutId id="2147483664" r:id="rId3"/>
+    <p:sldLayoutId id="2147483665" r:id="rId4"/>
+    <p:sldLayoutId id="2147483666" r:id="rId5"/>
+    <p:sldLayoutId id="2147483667" r:id="rId6"/>
+    <p:sldLayoutId id="2147483668" r:id="rId7"/>
+    <p:sldLayoutId id="2147483669" r:id="rId8"/>
+    <p:sldLayoutId id="2147483670" r:id="rId9"/>
+    <p:sldLayoutId id="2147483671" r:id="rId10"/>
+    <p:sldLayoutId id="2147483672" r:id="rId11"/>
+    <p:sldLayoutId id="2147483673" r:id="rId12"/>
   </p:sldLayoutIdLst>
+  <p:txStyles>
+    <p:titleStyle>
+      <a:lvl1pPr algn="l" defTabSz="914400" rtl="0" eaLnBrk="1" latinLnBrk="0" hangingPunct="1">
+        <a:lnSpc>
+          <a:spcPct val="90000"/>
+        </a:lnSpc>
+        <a:spcBef>
+          <a:spcPct val="0"/>
+        </a:spcBef>
+        <a:buNone/>
+        <a:defRPr sz="4400" kern="1200">
+          <a:solidFill>
+            <a:schemeClr val="tx1"/>
+          </a:solidFill>
+          <a:latin typeface="+mj-lt"/>
+          <a:ea typeface="+mj-ea"/>
+          <a:cs typeface="+mj-cs"/>
+        </a:defRPr>
+      </a:lvl1pPr>
+    </p:titleStyle>
+    <p:bodyStyle>
+      <a:lvl1pPr marL="228600" indent="-228600" algn="l" defTabSz="914400" rtl="0" eaLnBrk="1" latinLnBrk="0" hangingPunct="1">
+        <a:lnSpc>
+          <a:spcPct val="90000"/>
+        </a:lnSpc>
+        <a:spcBef>
+          <a:spcPts val="1000"/>
+        </a:spcBef>
+        <a:buFont typeface="Arial" panose="020B0604020202020204" pitchFamily="34" charset="0"/>
+        <a:buChar char="•"/>
+        <a:defRPr sz="2800" kern="1200">
+          <a:solidFill>
+            <a:schemeClr val="tx1"/>
+          </a:solidFill>
+          <a:latin typeface="+mn-lt"/>
+          <a:ea typeface="+mn-ea"/>
+          <a:cs typeface="+mn-cs"/>
+        </a:defRPr>
+      </a:lvl1pPr>
+      <a:lvl2pPr marL="685800" indent="-228600" algn="l" defTabSz="914400" rtl="0" eaLnBrk="1" latinLnBrk="0" hangingPunct="1">
+        <a:lnSpc>
+          <a:spcPct val="90000"/>
+        </a:lnSpc>
+        <a:spcBef>
+          <a:spcPts val="500"/>
+        </a:spcBef>
+        <a:buFont typeface="Arial" panose="020B0604020202020204" pitchFamily="34" charset="0"/>
+        <a:buChar char="•"/>
+        <a:defRPr sz="2400" kern="1200">
+          <a:solidFill>
+            <a:schemeClr val="tx1"/>
+          </a:solidFill>
+          <a:latin typeface="+mn-lt"/>
+          <a:ea typeface="+mn-ea"/>
+          <a:cs typeface="+mn-cs"/>
+        </a:defRPr>
+      </a:lvl2pPr>
+      <a:lvl3pPr marL="1143000" indent="-228600" algn="l" defTabSz="914400" rtl="0" eaLnBrk="1" latinLnBrk="0" hangingPunct="1">
+        <a:lnSpc>
+          <a:spcPct val="90000"/>
+        </a:lnSpc>
+        <a:spcBef>
+          <a:spcPts val="500"/>
+        </a:spcBef>
+        <a:buFont typeface="Arial" panose="020B0604020202020204" pitchFamily="34" charset="0"/>
+        <a:buChar char="•"/>
+        <a:defRPr sz="2000" kern="1200">
+          <a:solidFill>
+            <a:schemeClr val="tx1"/>
+          </a:solidFill>
+          <a:latin typeface="+mn-lt"/>
+          <a:ea typeface="+mn-ea"/>
+          <a:cs typeface="+mn-cs"/>
+        </a:defRPr>
+      </a:lvl3pPr>
+      <a:lvl4pPr marL="1600200" indent="-228600" algn="l" defTabSz="914400" rtl="0" eaLnBrk="1" latinLnBrk="0" hangingPunct="1">
+        <a:lnSpc>
+          <a:spcPct val="90000"/>
+        </a:lnSpc>
+        <a:spcBef>
+          <a:spcPts val="500"/>
+        </a:spcBef>
+        <a:buFont typeface="Arial" panose="020B0604020202020204" pitchFamily="34" charset="0"/>
+        <a:buChar char="•"/>
+        <a:defRPr sz="1800" kern="1200">
+          <a:solidFill>
+            <a:schemeClr val="tx1"/>
+          </a:solidFill>
+          <a:latin typeface="+mn-lt"/>
+          <a:ea typeface="+mn-ea"/>
+          <a:cs typeface="+mn-cs"/>
+        </a:defRPr>
+      </a:lvl4pPr>
+      <a:lvl5pPr marL="2057400" indent="-228600" algn="l" defTabSz="914400" rtl="0" eaLnBrk="1" latinLnBrk="0" hangingPunct="1">
+        <a:lnSpc>
+          <a:spcPct val="90000"/>
+        </a:lnSpc>
+        <a:spcBef>
+          <a:spcPts val="500"/>
+        </a:spcBef>
+        <a:buFont typeface="Arial" panose="020B0604020202020204" pitchFamily="34" charset="0"/>
+        <a:buChar char="•"/>
+        <a:defRPr sz="1800" kern="1200">
+          <a:solidFill>
+            <a:schemeClr val="tx1"/>
+          </a:solidFill>
+          <a:latin typeface="+mn-lt"/>
+          <a:ea typeface="+mn-ea"/>
+          <a:cs typeface="+mn-cs"/>
+        </a:defRPr>
+      </a:lvl5pPr>
+      <a:lvl6pPr marL="2514600" indent="-228600" algn="l" defTabSz="914400" rtl="0" eaLnBrk="1" latinLnBrk="0" hangingPunct="1">
+        <a:lnSpc>
+          <a:spcPct val="90000"/>
+        </a:lnSpc>
+        <a:spcBef>
+          <a:spcPts val="500"/>
+        </a:spcBef>
+        <a:buFont typeface="Arial" panose="020B0604020202020204" pitchFamily="34" charset="0"/>
+        <a:buChar char="•"/>
+        <a:defRPr sz="1800" kern="1200">
+          <a:solidFill>
+            <a:schemeClr val="tx1"/>
+          </a:solidFill>
+          <a:latin typeface="+mn-lt"/>
+          <a:ea typeface="+mn-ea"/>
+          <a:cs typeface="+mn-cs"/>
+        </a:defRPr>
+      </a:lvl6pPr>
+      <a:lvl7pPr marL="2971800" indent="-228600" algn="l" defTabSz="914400" rtl="0" eaLnBrk="1" latinLnBrk="0" hangingPunct="1">
+        <a:lnSpc>
+          <a:spcPct val="90000"/>
+        </a:lnSpc>
+        <a:spcBef>
+          <a:spcPts val="500"/>
+        </a:spcBef>
+        <a:buFont typeface="Arial" panose="020B0604020202020204" pitchFamily="34" charset="0"/>
+        <a:buChar char="•"/>
+        <a:defRPr sz="1800" kern="1200">
+          <a:solidFill>
+            <a:schemeClr val="tx1"/>
+          </a:solidFill>
+          <a:latin typeface="+mn-lt"/>
+          <a:ea typeface="+mn-ea"/>
+          <a:cs typeface="+mn-cs"/>
+        </a:defRPr>
+      </a:lvl7pPr>
+      <a:lvl8pPr marL="3429000" indent="-228600" algn="l" defTabSz="914400" rtl="0" eaLnBrk="1" latinLnBrk="0" hangingPunct="1">
+        <a:lnSpc>
+          <a:spcPct val="90000"/>
+        </a:lnSpc>
+        <a:spcBef>
+          <a:spcPts val="500"/>
+        </a:spcBef>
+        <a:buFont typeface="Arial" panose="020B0604020202020204" pitchFamily="34" charset="0"/>
+        <a:buChar char="•"/>
+        <a:defRPr sz="1800" kern="1200">
+          <a:solidFill>
+            <a:schemeClr val="tx1"/>
+          </a:solidFill>
+          <a:latin typeface="+mn-lt"/>
+          <a:ea typeface="+mn-ea"/>
+          <a:cs typeface="+mn-cs"/>
+        </a:defRPr>
+      </a:lvl8pPr>
+      <a:lvl9pPr marL="3886200" indent="-228600" algn="l" defTabSz="914400" rtl="0" eaLnBrk="1" latinLnBrk="0" hangingPunct="1">
+        <a:lnSpc>
+          <a:spcPct val="90000"/>
+        </a:lnSpc>
+        <a:spcBef>
+          <a:spcPts val="500"/>
+        </a:spcBef>
+        <a:buFont typeface="Arial" panose="020B0604020202020204" pitchFamily="34" charset="0"/>
+        <a:buChar char="•"/>
+        <a:defRPr sz="1800" kern="1200">
+          <a:solidFill>
+            <a:schemeClr val="tx1"/>
+          </a:solidFill>
+          <a:latin typeface="+mn-lt"/>
+          <a:ea typeface="+mn-ea"/>
+          <a:cs typeface="+mn-cs"/>
+        </a:defRPr>
+      </a:lvl9pPr>
+    </p:bodyStyle>
+    <p:otherStyle>
+      <a:defPPr>
+        <a:defRPr lang="pt-BR"/>
+      </a:defPPr>
+      <a:lvl1pPr marL="0" algn="l" defTabSz="914400" rtl="0" eaLnBrk="1" latinLnBrk="0" hangingPunct="1">
+        <a:defRPr sz="1800" kern="1200">
+          <a:solidFill>
+            <a:schemeClr val="tx1"/>
+          </a:solidFill>
+          <a:latin typeface="+mn-lt"/>
+          <a:ea typeface="+mn-ea"/>
+          <a:cs typeface="+mn-cs"/>
+        </a:defRPr>
+      </a:lvl1pPr>
+      <a:lvl2pPr marL="457200" algn="l" defTabSz="914400" rtl="0" eaLnBrk="1" latinLnBrk="0" hangingPunct="1">
+        <a:defRPr sz="1800" kern="1200">
+          <a:solidFill>
+            <a:schemeClr val="tx1"/>
+          </a:solidFill>
+          <a:latin typeface="+mn-lt"/>
+          <a:ea typeface="+mn-ea"/>
+          <a:cs typeface="+mn-cs"/>
+        </a:defRPr>
+      </a:lvl2pPr>
+      <a:lvl3pPr marL="914400" algn="l" defTabSz="914400" rtl="0" eaLnBrk="1" latinLnBrk="0" hangingPunct="1">
+        <a:defRPr sz="1800" kern="1200">
+          <a:solidFill>
+            <a:schemeClr val="tx1"/>
+          </a:solidFill>
+          <a:latin typeface="+mn-lt"/>
+          <a:ea typeface="+mn-ea"/>
+          <a:cs typeface="+mn-cs"/>
+        </a:defRPr>
+      </a:lvl3pPr>
+      <a:lvl4pPr marL="1371600" algn="l" defTabSz="914400" rtl="0" eaLnBrk="1" latinLnBrk="0" hangingPunct="1">
+        <a:defRPr sz="1800" kern="1200">
+          <a:solidFill>
+            <a:schemeClr val="tx1"/>
+          </a:solidFill>
+          <a:latin typeface="+mn-lt"/>
+          <a:ea typeface="+mn-ea"/>
+          <a:cs typeface="+mn-cs"/>
+        </a:defRPr>
+      </a:lvl4pPr>
+      <a:lvl5pPr marL="1828800" algn="l" defTabSz="914400" rtl="0" eaLnBrk="1" latinLnBrk="0" hangingPunct="1">
+        <a:defRPr sz="1800" kern="1200">
+          <a:solidFill>
+            <a:schemeClr val="tx1"/>
+          </a:solidFill>
+          <a:latin typeface="+mn-lt"/>
+          <a:ea typeface="+mn-ea"/>
+          <a:cs typeface="+mn-cs"/>
+        </a:defRPr>
+      </a:lvl5pPr>
+      <a:lvl6pPr marL="2286000" algn="l" defTabSz="914400" rtl="0" eaLnBrk="1" latinLnBrk="0" hangingPunct="1">
+        <a:defRPr sz="1800" kern="1200">
+          <a:solidFill>
+            <a:schemeClr val="tx1"/>
+          </a:solidFill>
+          <a:latin typeface="+mn-lt"/>
+          <a:ea typeface="+mn-ea"/>
+          <a:cs typeface="+mn-cs"/>
+        </a:defRPr>
+      </a:lvl6pPr>
+      <a:lvl7pPr marL="2743200" algn="l" defTabSz="914400" rtl="0" eaLnBrk="1" latinLnBrk="0" hangingPunct="1">
+        <a:defRPr sz="1800" kern="1200">
+          <a:solidFill>
+            <a:schemeClr val="tx1"/>
+          </a:solidFill>
+          <a:latin typeface="+mn-lt"/>
+          <a:ea typeface="+mn-ea"/>
+          <a:cs typeface="+mn-cs"/>
+        </a:defRPr>
+      </a:lvl7pPr>
+      <a:lvl8pPr marL="3200400" algn="l" defTabSz="914400" rtl="0" eaLnBrk="1" latinLnBrk="0" hangingPunct="1">
+        <a:defRPr sz="1800" kern="1200">
+          <a:solidFill>
+            <a:schemeClr val="tx1"/>
+          </a:solidFill>
+          <a:latin typeface="+mn-lt"/>
+          <a:ea typeface="+mn-ea"/>
+          <a:cs typeface="+mn-cs"/>
+        </a:defRPr>
+      </a:lvl8pPr>
+      <a:lvl9pPr marL="3657600" algn="l" defTabSz="914400" rtl="0" eaLnBrk="1" latinLnBrk="0" hangingPunct="1">
+        <a:defRPr sz="1800" kern="1200">
+          <a:solidFill>
+            <a:schemeClr val="tx1"/>
+          </a:solidFill>
+          <a:latin typeface="+mn-lt"/>
+          <a:ea typeface="+mn-ea"/>
+          <a:cs typeface="+mn-cs"/>
+        </a:defRPr>
+      </a:lvl9pPr>
+    </p:otherStyle>
+  </p:txStyles>
 </p:sldMaster>
 </file>
 
 <file path=ppt/slides/slide1.xml><?xml version="1.0" encoding="utf-8"?>
-<p:sld xmlns:a="http://schemas.openxmlformats.org/drawingml/2006/main" xmlns:p="http://schemas.openxmlformats.org/presentationml/2006/main" xmlns:r="http://schemas.openxmlformats.org/officeDocument/2006/relationships" xmlns:p14="http://schemas.microsoft.com/office/powerpoint/2010/main" xmlns:p15="http://schemas.microsoft.com/office/powerpoint/2012/main" xmlns:mc="http://schemas.openxmlformats.org/markup-compatibility/2006">
+<p:sld xmlns:a="http://schemas.openxmlformats.org/drawingml/2006/main" xmlns:r="http://schemas.openxmlformats.org/officeDocument/2006/relationships" xmlns:p="http://schemas.openxmlformats.org/presentationml/2006/main">
   <p:cSld>
     <p:spTree>
       <p:nvGrpSpPr>
@@ -5989,9 +6787,10 @@
           </a:ln>
         </p:spPr>
         <p:txBody>
-          <a:bodyPr lIns="0" rIns="0" tIns="91440" bIns="91440" anchor="t">
+          <a:bodyPr lIns="0" tIns="91440" rIns="0" bIns="91440" anchor="t">
             <a:noAutofit/>
           </a:bodyPr>
+          <a:lstStyle/>
           <a:p>
             <a:pPr indent="0">
               <a:lnSpc>
@@ -5999,13 +6798,13 @@
               </a:lnSpc>
               <a:buNone/>
               <a:tabLst>
-                <a:tab algn="l" pos="0"/>
+                <a:tab pos="0" algn="l"/>
               </a:tabLst>
             </a:pPr>
             <a:r>
-              <a:rPr b="1" lang="pt-BR" sz="2000" spc="-1" strike="noStrike">
+              <a:rPr lang="pt-BR" sz="2000" b="1" strike="noStrike" spc="-1">
                 <a:solidFill>
-                  <a:srgbClr val="ffc000"/>
+                  <a:srgbClr val="FFC000"/>
                 </a:solidFill>
                 <a:latin typeface="Trebuchet MS"/>
                 <a:ea typeface="Overpass"/>
@@ -6016,7 +6815,7 @@
               <a:rPr sz="2000"/>
             </a:br>
             <a:r>
-              <a:rPr b="1" lang="pt-BR" sz="2000" spc="-1" strike="noStrike">
+              <a:rPr lang="pt-BR" sz="2000" b="1" strike="noStrike" spc="-1">
                 <a:solidFill>
                   <a:schemeClr val="dk1"/>
                 </a:solidFill>
@@ -6025,7 +6824,7 @@
               </a:rPr>
               <a:t>DESENVOLVIMENTO WEB</a:t>
             </a:r>
-            <a:endParaRPr b="0" lang="pt-BR" sz="2000" spc="-1" strike="noStrike">
+            <a:endParaRPr lang="pt-BR" sz="2000" b="0" strike="noStrike" spc="-1">
               <a:solidFill>
                 <a:srgbClr val="000000"/>
               </a:solidFill>
@@ -6058,9 +6857,10 @@
           </a:ln>
         </p:spPr>
         <p:txBody>
-          <a:bodyPr lIns="0" rIns="0" tIns="91440" bIns="91440" anchor="t">
+          <a:bodyPr lIns="0" tIns="91440" rIns="0" bIns="91440" anchor="t">
             <a:noAutofit/>
           </a:bodyPr>
+          <a:lstStyle/>
           <a:p>
             <a:pPr marL="228600" indent="0">
               <a:lnSpc>
@@ -6071,11 +6871,11 @@
               </a:spcBef>
               <a:buNone/>
               <a:tabLst>
-                <a:tab algn="l" pos="0"/>
+                <a:tab pos="0" algn="l"/>
               </a:tabLst>
             </a:pPr>
             <a:r>
-              <a:rPr b="0" lang="pt-BR" sz="2600" spc="-1" strike="noStrike">
+              <a:rPr lang="pt-BR" sz="2600" b="0" strike="noStrike" spc="-1">
                 <a:solidFill>
                   <a:schemeClr val="dk2"/>
                 </a:solidFill>
@@ -6085,7 +6885,7 @@
               <a:t>Prof. Daniel Mesquita </a:t>
             </a:r>
             <a:r>
-              <a:rPr b="0" lang="pt-BR" sz="1200" spc="-1" strike="noStrike">
+              <a:rPr lang="pt-BR" sz="1200" b="0" strike="noStrike" spc="-1">
                 <a:solidFill>
                   <a:schemeClr val="dk2"/>
                 </a:solidFill>
@@ -6095,7 +6895,7 @@
               <a:t>        </a:t>
             </a:r>
             <a:r>
-              <a:rPr b="0" lang="pt-BR" sz="1200" spc="-1" strike="noStrike" u="sng">
+              <a:rPr lang="pt-BR" sz="1200" b="0" u="sng" strike="noStrike" spc="-1">
                 <a:solidFill>
                   <a:schemeClr val="hlink"/>
                 </a:solidFill>
@@ -6105,7 +6905,7 @@
               </a:rPr>
               <a:t>danielme17@gmail.com</a:t>
             </a:r>
-            <a:endParaRPr b="0" lang="pt-BR" sz="1200" spc="-1" strike="noStrike">
+            <a:endParaRPr lang="pt-BR" sz="1200" b="0" strike="noStrike" spc="-1">
               <a:solidFill>
                 <a:srgbClr val="000000"/>
               </a:solidFill>
@@ -6130,7 +6930,7 @@
           </a:prstGeom>
           <a:ln w="28575">
             <a:solidFill>
-              <a:srgbClr val="f8931d"/>
+              <a:srgbClr val="F8931D"/>
             </a:solidFill>
             <a:round/>
           </a:ln>
@@ -6156,26 +6956,33 @@
           </a:ln>
         </p:spPr>
         <p:style>
-          <a:lnRef idx="0"/>
-          <a:fillRef idx="0"/>
-          <a:effectRef idx="0"/>
+          <a:lnRef idx="0">
+            <a:scrgbClr r="0" g="0" b="0"/>
+          </a:lnRef>
+          <a:fillRef idx="0">
+            <a:scrgbClr r="0" g="0" b="0"/>
+          </a:fillRef>
+          <a:effectRef idx="0">
+            <a:scrgbClr r="0" g="0" b="0"/>
+          </a:effectRef>
           <a:fontRef idx="minor"/>
         </p:style>
         <p:txBody>
-          <a:bodyPr lIns="90000" rIns="90000" tIns="91440" bIns="91440" anchor="t">
+          <a:bodyPr lIns="90000" tIns="91440" rIns="90000" bIns="91440" anchor="t">
             <a:noAutofit/>
           </a:bodyPr>
+          <a:lstStyle/>
           <a:p>
             <a:pPr>
               <a:lnSpc>
                 <a:spcPct val="100000"/>
               </a:lnSpc>
               <a:tabLst>
-                <a:tab algn="l" pos="0"/>
+                <a:tab pos="0" algn="l"/>
               </a:tabLst>
             </a:pPr>
             <a:r>
-              <a:rPr b="1" lang="pt-BR" sz="2000" spc="-1" strike="noStrike">
+              <a:rPr lang="pt-BR" sz="2000" b="1" strike="noStrike" spc="-1">
                 <a:solidFill>
                   <a:schemeClr val="dk1"/>
                 </a:solidFill>
@@ -6184,7 +6991,7 @@
               </a:rPr>
               <a:t>AULA 16</a:t>
             </a:r>
-            <a:endParaRPr b="0" lang="pt-BR" sz="2000" spc="-1" strike="noStrike">
+            <a:endParaRPr lang="pt-BR" sz="2000" b="0" strike="noStrike" spc="-1">
               <a:solidFill>
                 <a:srgbClr val="000000"/>
               </a:solidFill>
@@ -6213,26 +7020,33 @@
           </a:ln>
         </p:spPr>
         <p:style>
-          <a:lnRef idx="0"/>
-          <a:fillRef idx="0"/>
-          <a:effectRef idx="0"/>
+          <a:lnRef idx="0">
+            <a:scrgbClr r="0" g="0" b="0"/>
+          </a:lnRef>
+          <a:fillRef idx="0">
+            <a:scrgbClr r="0" g="0" b="0"/>
+          </a:fillRef>
+          <a:effectRef idx="0">
+            <a:scrgbClr r="0" g="0" b="0"/>
+          </a:effectRef>
           <a:fontRef idx="minor"/>
         </p:style>
         <p:txBody>
-          <a:bodyPr lIns="90000" rIns="90000" tIns="91440" bIns="91440" anchor="t">
+          <a:bodyPr lIns="90000" tIns="91440" rIns="90000" bIns="91440" anchor="t">
             <a:noAutofit/>
           </a:bodyPr>
+          <a:lstStyle/>
           <a:p>
             <a:pPr>
               <a:lnSpc>
                 <a:spcPct val="100000"/>
               </a:lnSpc>
               <a:tabLst>
-                <a:tab algn="l" pos="0"/>
+                <a:tab pos="0" algn="l"/>
               </a:tabLst>
             </a:pPr>
             <a:r>
-              <a:rPr b="1" lang="pt-BR" sz="2000" spc="-1" strike="noStrike">
+              <a:rPr lang="pt-BR" sz="2000" b="1" strike="noStrike" spc="-1">
                 <a:solidFill>
                   <a:schemeClr val="dk1"/>
                 </a:solidFill>
@@ -6244,7 +7058,7 @@
             <a:br>
               <a:rPr sz="2000"/>
             </a:br>
-            <a:endParaRPr b="0" lang="pt-BR" sz="2000" spc="-1" strike="noStrike">
+            <a:endParaRPr lang="pt-BR" sz="2000" b="0" strike="noStrike" spc="-1">
               <a:solidFill>
                 <a:srgbClr val="000000"/>
               </a:solidFill>
@@ -6273,15 +7087,22 @@
           </a:ln>
         </p:spPr>
         <p:style>
-          <a:lnRef idx="0"/>
-          <a:fillRef idx="0"/>
-          <a:effectRef idx="0"/>
+          <a:lnRef idx="0">
+            <a:scrgbClr r="0" g="0" b="0"/>
+          </a:lnRef>
+          <a:fillRef idx="0">
+            <a:scrgbClr r="0" g="0" b="0"/>
+          </a:fillRef>
+          <a:effectRef idx="0">
+            <a:scrgbClr r="0" g="0" b="0"/>
+          </a:effectRef>
           <a:fontRef idx="minor"/>
         </p:style>
         <p:txBody>
-          <a:bodyPr lIns="0" rIns="0" tIns="0" bIns="0" anchor="t">
+          <a:bodyPr lIns="0" tIns="0" rIns="0" bIns="0" anchor="t">
             <a:normAutofit/>
           </a:bodyPr>
+          <a:lstStyle/>
           <a:p>
             <a:pPr marL="432000" indent="-324000">
               <a:lnSpc>
@@ -6298,7 +7119,7 @@
               <a:buChar char=""/>
             </a:pPr>
             <a:r>
-              <a:rPr b="0" lang="pt-BR" sz="1400" spc="-1" strike="noStrike">
+              <a:rPr lang="pt-BR" sz="1400" b="0" strike="noStrike" spc="-1">
                 <a:solidFill>
                   <a:srgbClr val="000000"/>
                 </a:solidFill>
@@ -6307,7 +7128,7 @@
               </a:rPr>
               <a:t>Erros são apenas o compilador te ensinando a ser um dev melhor. Leia, ajuste e tente de novo!</a:t>
             </a:r>
-            <a:endParaRPr b="0" lang="pt-BR" sz="1400" spc="-1" strike="noStrike">
+            <a:endParaRPr lang="pt-BR" sz="1400" b="0" strike="noStrike" spc="-1">
               <a:solidFill>
                 <a:srgbClr val="000000"/>
               </a:solidFill>
@@ -6330,7 +7151,7 @@
               <a:buChar char=""/>
             </a:pPr>
             <a:r>
-              <a:rPr b="0" lang="pt-BR" sz="1400" spc="-1" strike="noStrike">
+              <a:rPr lang="pt-BR" sz="1400" b="0" strike="noStrike" spc="-1">
                 <a:solidFill>
                   <a:srgbClr val="000000"/>
                 </a:solidFill>
@@ -6339,7 +7160,7 @@
               </a:rPr>
               <a:t>Nenhum bug sobrevive a persistência + café. Você está mais perto do que imagina!</a:t>
             </a:r>
-            <a:endParaRPr b="0" lang="pt-BR" sz="1400" spc="-1" strike="noStrike">
+            <a:endParaRPr lang="pt-BR" sz="1400" b="0" strike="noStrike" spc="-1">
               <a:solidFill>
                 <a:srgbClr val="000000"/>
               </a:solidFill>
@@ -6362,7 +7183,7 @@
               <a:buChar char=""/>
             </a:pPr>
             <a:r>
-              <a:rPr b="0" lang="pt-BR" sz="1400" spc="-1" strike="noStrike">
+              <a:rPr lang="pt-BR" sz="1400" b="0" strike="noStrike" spc="-1">
                 <a:solidFill>
                   <a:srgbClr val="000000"/>
                 </a:solidFill>
@@ -6371,7 +7192,7 @@
               </a:rPr>
               <a:t>Não seja 'o melhor do mundo', seja 'melhor que você ontem'.</a:t>
             </a:r>
-            <a:endParaRPr b="0" lang="pt-BR" sz="1400" spc="-1" strike="noStrike">
+            <a:endParaRPr lang="pt-BR" sz="1400" b="0" strike="noStrike" spc="-1">
               <a:solidFill>
                 <a:srgbClr val="000000"/>
               </a:solidFill>
@@ -6382,19 +7203,14 @@
       </p:sp>
     </p:spTree>
   </p:cSld>
-  <mc:AlternateContent>
-    <mc:Choice Requires="p14">
-      <p:transition spd="slow" p14:dur="2000"/>
-    </mc:Choice>
-    <mc:Fallback>
-      <p:transition spd="slow"/>
-    </mc:Fallback>
-  </mc:AlternateContent>
+  <p:clrMapOvr>
+    <a:masterClrMapping/>
+  </p:clrMapOvr>
 </p:sld>
 </file>
 
 <file path=ppt/slides/slide10.xml><?xml version="1.0" encoding="utf-8"?>
-<p:sld xmlns:a="http://schemas.openxmlformats.org/drawingml/2006/main" xmlns:p="http://schemas.openxmlformats.org/presentationml/2006/main" xmlns:r="http://schemas.openxmlformats.org/officeDocument/2006/relationships" xmlns:p14="http://schemas.microsoft.com/office/powerpoint/2010/main" xmlns:p15="http://schemas.microsoft.com/office/powerpoint/2012/main" xmlns:mc="http://schemas.openxmlformats.org/markup-compatibility/2006">
+<p:sld xmlns:a="http://schemas.openxmlformats.org/drawingml/2006/main" xmlns:r="http://schemas.openxmlformats.org/officeDocument/2006/relationships" xmlns:p="http://schemas.openxmlformats.org/presentationml/2006/main">
   <p:cSld>
     <p:spTree>
       <p:nvGrpSpPr>
@@ -6412,19 +7228,39 @@
       </p:grpSpPr>
     </p:spTree>
   </p:cSld>
-  <mc:AlternateContent>
-    <mc:Choice Requires="p14">
-      <p:transition spd="slow" p14:dur="2000"/>
-    </mc:Choice>
-    <mc:Fallback>
-      <p:transition spd="slow"/>
-    </mc:Fallback>
-  </mc:AlternateContent>
+  <p:clrMapOvr>
+    <a:masterClrMapping/>
+  </p:clrMapOvr>
+</p:sld>
+</file>
+
+<file path=ppt/slides/slide11.xml><?xml version="1.0" encoding="utf-8"?>
+<p:sld xmlns:a="http://schemas.openxmlformats.org/drawingml/2006/main" xmlns:r="http://schemas.openxmlformats.org/officeDocument/2006/relationships" xmlns:p="http://schemas.openxmlformats.org/presentationml/2006/main">
+  <p:cSld>
+    <p:spTree>
+      <p:nvGrpSpPr>
+        <p:cNvPr id="1" name=""/>
+        <p:cNvGrpSpPr/>
+        <p:nvPr/>
+      </p:nvGrpSpPr>
+      <p:grpSpPr>
+        <a:xfrm>
+          <a:off x="0" y="0"/>
+          <a:ext cx="0" cy="0"/>
+          <a:chOff x="0" y="0"/>
+          <a:chExt cx="0" cy="0"/>
+        </a:xfrm>
+      </p:grpSpPr>
+    </p:spTree>
+  </p:cSld>
+  <p:clrMapOvr>
+    <a:masterClrMapping/>
+  </p:clrMapOvr>
 </p:sld>
 </file>
 
 <file path=ppt/slides/slide2.xml><?xml version="1.0" encoding="utf-8"?>
-<p:sld xmlns:a="http://schemas.openxmlformats.org/drawingml/2006/main" xmlns:p="http://schemas.openxmlformats.org/presentationml/2006/main" xmlns:r="http://schemas.openxmlformats.org/officeDocument/2006/relationships" xmlns:p14="http://schemas.microsoft.com/office/powerpoint/2010/main" xmlns:p15="http://schemas.microsoft.com/office/powerpoint/2012/main" xmlns:mc="http://schemas.openxmlformats.org/markup-compatibility/2006">
+<p:sld xmlns:a="http://schemas.openxmlformats.org/drawingml/2006/main" xmlns:r="http://schemas.openxmlformats.org/officeDocument/2006/relationships" xmlns:p="http://schemas.openxmlformats.org/presentationml/2006/main">
   <p:cSld>
     <p:spTree>
       <p:nvGrpSpPr>
@@ -6442,12 +7278,12 @@
       </p:grpSpPr>
       <p:pic>
         <p:nvPicPr>
-          <p:cNvPr id="92" name="Imagem 1" descr=""/>
+          <p:cNvPr id="102" name="Imagem 2"/>
           <p:cNvPicPr/>
           <p:nvPr/>
         </p:nvPicPr>
         <p:blipFill>
-          <a:blip r:embed="rId1"/>
+          <a:blip r:embed="rId2"/>
           <a:stretch/>
         </p:blipFill>
         <p:spPr>
@@ -6465,14 +7301,14 @@
       </p:pic>
       <p:sp>
         <p:nvSpPr>
-          <p:cNvPr id="93" name="CaixaDeTexto 4"/>
+          <p:cNvPr id="103" name="CaixaDeTexto 2"/>
           <p:cNvSpPr/>
           <p:nvPr/>
         </p:nvSpPr>
         <p:spPr>
           <a:xfrm>
             <a:off x="291960" y="1113480"/>
-            <a:ext cx="7448040" cy="2613240"/>
+            <a:ext cx="7448040" cy="3249308"/>
           </a:xfrm>
           <a:prstGeom prst="rect">
             <a:avLst/>
@@ -6483,15 +7319,22 @@
           </a:ln>
         </p:spPr>
         <p:style>
-          <a:lnRef idx="0"/>
-          <a:fillRef idx="0"/>
-          <a:effectRef idx="0"/>
+          <a:lnRef idx="0">
+            <a:scrgbClr r="0" g="0" b="0"/>
+          </a:lnRef>
+          <a:fillRef idx="0">
+            <a:scrgbClr r="0" g="0" b="0"/>
+          </a:fillRef>
+          <a:effectRef idx="0">
+            <a:scrgbClr r="0" g="0" b="0"/>
+          </a:effectRef>
           <a:fontRef idx="minor"/>
         </p:style>
         <p:txBody>
-          <a:bodyPr lIns="90000" rIns="90000" tIns="45000" bIns="45000" anchor="t">
+          <a:bodyPr lIns="90000" tIns="45000" rIns="90000" bIns="45000" anchor="t">
             <a:spAutoFit/>
           </a:bodyPr>
+          <a:lstStyle/>
           <a:p>
             <a:pPr marL="216000" indent="-216000" algn="just">
               <a:lnSpc>
@@ -6504,100 +7347,154 @@
               <a:buChar char="●"/>
             </a:pPr>
             <a:r>
-              <a:rPr b="0" lang="pt-BR" sz="1800" spc="-1" strike="noStrike">
+              <a:rPr lang="pt-BR" sz="1800" b="0" strike="noStrike" spc="-1" dirty="0">
                 <a:solidFill>
-                  <a:srgbClr val="01498e"/>
+                  <a:srgbClr val="01498E"/>
                 </a:solidFill>
                 <a:latin typeface="Arial"/>
                 <a:ea typeface="Calibri"/>
               </a:rPr>
-              <a:t>FormMaster (A.Faria, A.Souza, Gustavo, </a:t>
+              <a:t>RPG Center(Victor, Romulo, Alexandre)</a:t>
             </a:r>
+            <a:endParaRPr lang="pt-BR" sz="1800" b="0" strike="noStrike" spc="-1" dirty="0">
+              <a:solidFill>
+                <a:srgbClr val="000000"/>
+              </a:solidFill>
+              <a:latin typeface="Arial"/>
+            </a:endParaRPr>
+          </a:p>
+          <a:p>
+            <a:pPr marL="216000" indent="-216000" algn="just">
+              <a:lnSpc>
+                <a:spcPct val="115000"/>
+              </a:lnSpc>
+              <a:buClr>
+                <a:srgbClr val="000000"/>
+              </a:buClr>
+              <a:buFont typeface="Arial"/>
+              <a:buChar char="●"/>
+            </a:pPr>
             <a:r>
-              <a:rPr b="0" lang="pt-BR" sz="1800" spc="-1" strike="noStrike">
+              <a:rPr lang="pt-BR" sz="1800" b="0" strike="noStrike" spc="-1" dirty="0">
                 <a:solidFill>
-                  <a:srgbClr val="01498e"/>
+                  <a:srgbClr val="01498E"/>
                 </a:solidFill>
                 <a:latin typeface="Arial"/>
                 <a:ea typeface="Calibri"/>
               </a:rPr>
-              <a:t>Vagner)</a:t>
+              <a:t>App.py</a:t>
             </a:r>
-            <a:endParaRPr b="0" lang="pt-BR" sz="1800" spc="-1" strike="noStrike">
-              <a:solidFill>
-                <a:srgbClr val="000000"/>
-              </a:solidFill>
-              <a:latin typeface="Arial"/>
-            </a:endParaRPr>
-          </a:p>
-          <a:p>
-            <a:pPr lvl="1" marL="673200" indent="-216000" algn="just">
+            <a:endParaRPr lang="pt-BR" sz="1800" b="0" strike="noStrike" spc="-1" dirty="0">
+              <a:solidFill>
+                <a:srgbClr val="000000"/>
+              </a:solidFill>
+              <a:latin typeface="Arial"/>
+            </a:endParaRPr>
+          </a:p>
+          <a:p>
+            <a:pPr marL="432000" lvl="1" indent="-216000" algn="just">
               <a:lnSpc>
                 <a:spcPct val="115000"/>
               </a:lnSpc>
               <a:buClr>
                 <a:srgbClr val="000000"/>
               </a:buClr>
-              <a:buFont typeface="Arial"/>
-              <a:buChar char="●"/>
+              <a:buSzPct val="45000"/>
+              <a:buFont typeface="Wingdings" charset="2"/>
+              <a:buChar char=""/>
             </a:pPr>
             <a:r>
-              <a:rPr b="0" lang="pt-BR" sz="1800" spc="-1" strike="noStrike">
+              <a:rPr lang="pt-BR" sz="1800" b="0" strike="noStrike" spc="-1" dirty="0">
                 <a:solidFill>
-                  <a:srgbClr val="01498e"/>
+                  <a:srgbClr val="01498E"/>
                 </a:solidFill>
                 <a:latin typeface="Arial"/>
                 <a:ea typeface="Calibri"/>
               </a:rPr>
-              <a:t>Explique linha 1 abaixo</a:t>
+              <a:t>Linha 37 / 213 (diferença?)</a:t>
             </a:r>
-            <a:endParaRPr b="0" lang="pt-BR" sz="1800" spc="-1" strike="noStrike">
-              <a:solidFill>
-                <a:srgbClr val="000000"/>
-              </a:solidFill>
-              <a:latin typeface="Arial"/>
-            </a:endParaRPr>
-          </a:p>
-          <a:p>
-            <a:pPr lvl="1" marL="673200" indent="-216000" algn="just">
+          </a:p>
+          <a:p>
+            <a:pPr marL="432000" lvl="1" indent="-216000" algn="just">
               <a:lnSpc>
                 <a:spcPct val="115000"/>
               </a:lnSpc>
               <a:buClr>
                 <a:srgbClr val="000000"/>
               </a:buClr>
-              <a:buFont typeface="Arial"/>
-              <a:buChar char="●"/>
+              <a:buSzPct val="45000"/>
+              <a:buFont typeface="Wingdings" charset="2"/>
+              <a:buChar char=""/>
             </a:pPr>
             <a:r>
-              <a:rPr b="0" lang="pt-BR" sz="1800" spc="-1" strike="noStrike">
+              <a:rPr lang="pt-BR" spc="-1" dirty="0">
                 <a:solidFill>
-                  <a:srgbClr val="01498e"/>
+                  <a:srgbClr val="01498E"/>
                 </a:solidFill>
                 <a:latin typeface="Arial"/>
                 <a:ea typeface="Calibri"/>
               </a:rPr>
-              <a:t>Explique nome do arquivo __init__.py</a:t>
+              <a:t>214 / 216 como melhorar?</a:t>
             </a:r>
-            <a:endParaRPr b="0" lang="pt-BR" sz="1800" spc="-1" strike="noStrike">
-              <a:solidFill>
-                <a:srgbClr val="000000"/>
-              </a:solidFill>
-              <a:latin typeface="Arial"/>
-            </a:endParaRPr>
-          </a:p>
-          <a:p>
-            <a:pPr lvl="1" marL="673200" indent="-216000" algn="just">
+            <a:endParaRPr lang="pt-BR" sz="1800" b="0" strike="noStrike" spc="-1" dirty="0">
+              <a:solidFill>
+                <a:srgbClr val="000000"/>
+              </a:solidFill>
+              <a:latin typeface="Arial"/>
+            </a:endParaRPr>
+          </a:p>
+          <a:p>
+            <a:pPr marL="432000" lvl="1" indent="-216000" algn="just">
               <a:lnSpc>
                 <a:spcPct val="115000"/>
               </a:lnSpc>
               <a:buClr>
                 <a:srgbClr val="000000"/>
               </a:buClr>
-              <a:buFont typeface="Arial"/>
-              <a:buChar char="●"/>
-            </a:pPr>
-            <a:endParaRPr b="0" lang="pt-BR" sz="1800" spc="-1" strike="noStrike">
+              <a:buSzPct val="45000"/>
+              <a:buFont typeface="Wingdings" charset="2"/>
+              <a:buChar char=""/>
+            </a:pPr>
+            <a:r>
+              <a:rPr lang="pt-BR" sz="1800" b="0" strike="noStrike" spc="-1" dirty="0">
+                <a:solidFill>
+                  <a:srgbClr val="01498E"/>
+                </a:solidFill>
+                <a:latin typeface="Arial"/>
+                <a:ea typeface="Calibri"/>
+              </a:rPr>
+              <a:t>Indentação linha 198</a:t>
+            </a:r>
+            <a:endParaRPr lang="pt-BR" sz="1800" b="0" strike="noStrike" spc="-1" dirty="0">
+              <a:solidFill>
+                <a:srgbClr val="000000"/>
+              </a:solidFill>
+              <a:latin typeface="Arial"/>
+            </a:endParaRPr>
+          </a:p>
+          <a:p>
+            <a:pPr marL="432000" lvl="1" indent="-216000" algn="just">
+              <a:lnSpc>
+                <a:spcPct val="115000"/>
+              </a:lnSpc>
+              <a:buClr>
+                <a:srgbClr val="000000"/>
+              </a:buClr>
+              <a:buSzPct val="45000"/>
+              <a:buFont typeface="Wingdings" charset="2"/>
+              <a:buChar char=""/>
+            </a:pPr>
+            <a:r>
+              <a:rPr lang="pt-BR" sz="1800" b="0" strike="noStrike" spc="-1" dirty="0">
+                <a:solidFill>
+                  <a:srgbClr val="01498E"/>
+                </a:solidFill>
+                <a:latin typeface="Arial"/>
+                <a:ea typeface="Calibri"/>
+              </a:rPr>
+              <a:t>Linha 243</a:t>
+            </a:r>
+            <a:endParaRPr lang="pt-BR" sz="1800" b="0" strike="noStrike" spc="-1" dirty="0">
               <a:solidFill>
                 <a:srgbClr val="000000"/>
               </a:solidFill>
@@ -6610,7 +7507,7 @@
                 <a:spcPct val="115000"/>
               </a:lnSpc>
             </a:pPr>
-            <a:endParaRPr b="0" lang="pt-BR" sz="1800" spc="-1" strike="noStrike">
+            <a:endParaRPr lang="pt-BR" sz="1800" b="0" strike="noStrike" spc="-1" dirty="0">
               <a:solidFill>
                 <a:srgbClr val="000000"/>
               </a:solidFill>
@@ -6623,7 +7520,7 @@
                 <a:spcPct val="115000"/>
               </a:lnSpc>
             </a:pPr>
-            <a:endParaRPr b="0" lang="pt-BR" sz="1800" spc="-1" strike="noStrike">
+            <a:endParaRPr lang="pt-BR" sz="1800" b="0" strike="noStrike" spc="-1" dirty="0">
               <a:solidFill>
                 <a:srgbClr val="000000"/>
               </a:solidFill>
@@ -6636,7 +7533,7 @@
                 <a:spcPct val="115000"/>
               </a:lnSpc>
             </a:pPr>
-            <a:endParaRPr b="0" lang="pt-BR" sz="1800" spc="-1" strike="noStrike">
+            <a:endParaRPr lang="pt-BR" sz="1800" b="0" strike="noStrike" spc="-1" dirty="0">
               <a:solidFill>
                 <a:srgbClr val="000000"/>
               </a:solidFill>
@@ -6649,18 +7546,18 @@
                 <a:spcPct val="115000"/>
               </a:lnSpc>
             </a:pPr>
-            <a:endParaRPr b="0" lang="pt-BR" sz="1800" spc="-1" strike="noStrike">
-              <a:solidFill>
-                <a:srgbClr val="000000"/>
-              </a:solidFill>
-              <a:latin typeface="Arial"/>
-            </a:endParaRPr>
-          </a:p>
-        </p:txBody>
-      </p:sp>
-      <p:sp>
-        <p:nvSpPr>
-          <p:cNvPr id="94" name="Título 2"/>
+            <a:endParaRPr lang="pt-BR" sz="1800" b="0" strike="noStrike" spc="-1" dirty="0">
+              <a:solidFill>
+                <a:srgbClr val="000000"/>
+              </a:solidFill>
+              <a:latin typeface="Arial"/>
+            </a:endParaRPr>
+          </a:p>
+        </p:txBody>
+      </p:sp>
+      <p:sp>
+        <p:nvSpPr>
+          <p:cNvPr id="104" name="Título 1"/>
           <p:cNvSpPr/>
           <p:nvPr/>
         </p:nvSpPr>
@@ -6678,15 +7575,22 @@
           </a:ln>
         </p:spPr>
         <p:style>
-          <a:lnRef idx="0"/>
-          <a:fillRef idx="0"/>
-          <a:effectRef idx="0"/>
+          <a:lnRef idx="0">
+            <a:scrgbClr r="0" g="0" b="0"/>
+          </a:lnRef>
+          <a:fillRef idx="0">
+            <a:scrgbClr r="0" g="0" b="0"/>
+          </a:fillRef>
+          <a:effectRef idx="0">
+            <a:scrgbClr r="0" g="0" b="0"/>
+          </a:effectRef>
           <a:fontRef idx="minor"/>
         </p:style>
         <p:txBody>
-          <a:bodyPr lIns="90000" rIns="90000" tIns="91440" bIns="91440" anchor="t">
+          <a:bodyPr lIns="90000" tIns="91440" rIns="90000" bIns="91440" anchor="t">
             <a:noAutofit/>
           </a:bodyPr>
+          <a:lstStyle/>
           <a:p>
             <a:pPr>
               <a:lnSpc>
@@ -6694,7 +7598,7 @@
               </a:lnSpc>
             </a:pPr>
             <a:r>
-              <a:rPr b="1" lang="pt-BR" sz="5400" spc="-1" strike="noStrike">
+              <a:rPr lang="pt-BR" sz="5400" b="1" strike="noStrike" spc="-1">
                 <a:solidFill>
                   <a:srgbClr val="002060"/>
                 </a:solidFill>
@@ -6703,18 +7607,18 @@
               </a:rPr>
               <a:t>Perguntas</a:t>
             </a:r>
-            <a:endParaRPr b="0" lang="pt-BR" sz="5400" spc="-1" strike="noStrike">
-              <a:solidFill>
-                <a:srgbClr val="000000"/>
-              </a:solidFill>
-              <a:latin typeface="Arial"/>
-            </a:endParaRPr>
-          </a:p>
-        </p:txBody>
-      </p:sp>
-      <p:sp>
-        <p:nvSpPr>
-          <p:cNvPr id="95" name="CaixaDeTexto 5"/>
+            <a:endParaRPr lang="pt-BR" sz="5400" b="0" strike="noStrike" spc="-1">
+              <a:solidFill>
+                <a:srgbClr val="000000"/>
+              </a:solidFill>
+              <a:latin typeface="Arial"/>
+            </a:endParaRPr>
+          </a:p>
+        </p:txBody>
+      </p:sp>
+      <p:sp>
+        <p:nvSpPr>
+          <p:cNvPr id="105" name="CaixaDeTexto 3"/>
           <p:cNvSpPr/>
           <p:nvPr/>
         </p:nvSpPr>
@@ -6732,91 +7636,42 @@
           </a:ln>
         </p:spPr>
         <p:style>
-          <a:lnRef idx="0"/>
-          <a:fillRef idx="0"/>
-          <a:effectRef idx="0"/>
+          <a:lnRef idx="0">
+            <a:scrgbClr r="0" g="0" b="0"/>
+          </a:lnRef>
+          <a:fillRef idx="0">
+            <a:scrgbClr r="0" g="0" b="0"/>
+          </a:fillRef>
+          <a:effectRef idx="0">
+            <a:scrgbClr r="0" g="0" b="0"/>
+          </a:effectRef>
           <a:fontRef idx="minor"/>
         </p:style>
         <p:txBody>
-          <a:bodyPr lIns="90000" rIns="90000" tIns="45000" bIns="45000" anchor="t">
+          <a:bodyPr lIns="90000" tIns="45000" rIns="90000" bIns="45000" anchor="t">
             <a:spAutoFit/>
           </a:bodyPr>
-          <a:p>
-            <a:pPr>
-              <a:lnSpc>
-                <a:spcPct val="100000"/>
-              </a:lnSpc>
-            </a:pPr>
-            <a:endParaRPr b="0" lang="pt-BR" sz="1800" spc="-1" strike="noStrike">
-              <a:solidFill>
-                <a:srgbClr val="000000"/>
-              </a:solidFill>
-              <a:latin typeface="Arial"/>
-            </a:endParaRPr>
-          </a:p>
-        </p:txBody>
-      </p:sp>
-      <p:pic>
-        <p:nvPicPr>
-          <p:cNvPr id="96" name="" descr=""/>
-          <p:cNvPicPr/>
-          <p:nvPr/>
-        </p:nvPicPr>
-        <p:blipFill>
-          <a:blip r:embed="rId2"/>
-          <a:stretch/>
-        </p:blipFill>
-        <p:spPr>
-          <a:xfrm>
-            <a:off x="0" y="3099960"/>
-            <a:ext cx="4140000" cy="2043720"/>
-          </a:xfrm>
-          <a:prstGeom prst="rect">
-            <a:avLst/>
-          </a:prstGeom>
-          <a:ln w="0">
-            <a:noFill/>
-          </a:ln>
-        </p:spPr>
-      </p:pic>
-      <p:pic>
-        <p:nvPicPr>
-          <p:cNvPr id="97" name="" descr=""/>
-          <p:cNvPicPr/>
-          <p:nvPr/>
-        </p:nvPicPr>
-        <p:blipFill>
-          <a:blip r:embed="rId3"/>
-          <a:stretch/>
-        </p:blipFill>
-        <p:spPr>
-          <a:xfrm>
-            <a:off x="4500000" y="1363320"/>
-            <a:ext cx="4719960" cy="3780360"/>
-          </a:xfrm>
-          <a:prstGeom prst="rect">
-            <a:avLst/>
-          </a:prstGeom>
-          <a:ln w="0">
-            <a:noFill/>
-          </a:ln>
-        </p:spPr>
-      </p:pic>
+          <a:lstStyle/>
+          <a:p>
+            <a:endParaRPr lang="pt-BR" sz="1800" b="0" strike="noStrike" spc="-1">
+              <a:solidFill>
+                <a:srgbClr val="000000"/>
+              </a:solidFill>
+              <a:latin typeface="Arial"/>
+            </a:endParaRPr>
+          </a:p>
+        </p:txBody>
+      </p:sp>
     </p:spTree>
   </p:cSld>
-  <mc:AlternateContent>
-    <mc:Choice Requires="p14">
-      <p:transition spd="slow" p14:dur="2000"/>
-    </mc:Choice>
-    <mc:Fallback>
-      <p:transition spd="slow"/>
-    </mc:Fallback>
-  </mc:AlternateContent>
+  <p:clrMapOvr>
+    <a:masterClrMapping/>
+  </p:clrMapOvr>
 </p:sld>
 </file>
 
 <file path=ppt/slides/slide3.xml><?xml version="1.0" encoding="utf-8"?>
-<p:sld xmlns:a="http://schemas.openxmlformats.org/drawingml/2006/main" xmlns:p="http://schemas.openxmlformats.org/presentationml/2006/main" xmlns:r="http://schemas.openxmlformats.org/officeDocument/2006/relationships" xmlns:p14="http://schemas.microsoft.com/office/powerpoint/2010/main" xmlns:p15="http://schemas.microsoft.com/office/powerpoint/2012/main" xmlns:mc="http://schemas.openxmlformats.org/markup-compatibility/2006">
+<p:sld xmlns:a="http://schemas.openxmlformats.org/drawingml/2006/main" xmlns:r="http://schemas.openxmlformats.org/officeDocument/2006/relationships" xmlns:p="http://schemas.openxmlformats.org/presentationml/2006/main">
   <p:cSld>
     <p:spTree>
       <p:nvGrpSpPr>
@@ -6834,12 +7689,12 @@
       </p:grpSpPr>
       <p:pic>
         <p:nvPicPr>
-          <p:cNvPr id="98" name="Imagem 3" descr=""/>
+          <p:cNvPr id="92" name="Imagem 1"/>
           <p:cNvPicPr/>
           <p:nvPr/>
         </p:nvPicPr>
         <p:blipFill>
-          <a:blip r:embed="rId1"/>
+          <a:blip r:embed="rId2"/>
           <a:stretch/>
         </p:blipFill>
         <p:spPr>
@@ -6857,14 +7712,14 @@
       </p:pic>
       <p:sp>
         <p:nvSpPr>
-          <p:cNvPr id="99" name="CaixaDeTexto 6"/>
+          <p:cNvPr id="93" name="CaixaDeTexto 4"/>
           <p:cNvSpPr/>
           <p:nvPr/>
         </p:nvSpPr>
         <p:spPr>
           <a:xfrm>
             <a:off x="291960" y="1113480"/>
-            <a:ext cx="7448040" cy="3873960"/>
+            <a:ext cx="7448040" cy="3249308"/>
           </a:xfrm>
           <a:prstGeom prst="rect">
             <a:avLst/>
@@ -6875,15 +7730,22 @@
           </a:ln>
         </p:spPr>
         <p:style>
-          <a:lnRef idx="0"/>
-          <a:fillRef idx="0"/>
-          <a:effectRef idx="0"/>
+          <a:lnRef idx="0">
+            <a:scrgbClr r="0" g="0" b="0"/>
+          </a:lnRef>
+          <a:fillRef idx="0">
+            <a:scrgbClr r="0" g="0" b="0"/>
+          </a:fillRef>
+          <a:effectRef idx="0">
+            <a:scrgbClr r="0" g="0" b="0"/>
+          </a:effectRef>
           <a:fontRef idx="minor"/>
         </p:style>
         <p:txBody>
-          <a:bodyPr lIns="90000" rIns="90000" tIns="45000" bIns="45000" anchor="t">
+          <a:bodyPr lIns="90000" tIns="45000" rIns="90000" bIns="45000" anchor="t">
             <a:spAutoFit/>
           </a:bodyPr>
+          <a:lstStyle/>
           <a:p>
             <a:pPr marL="216000" indent="-216000" algn="just">
               <a:lnSpc>
@@ -6896,166 +7758,74 @@
               <a:buChar char="●"/>
             </a:pPr>
             <a:r>
-              <a:rPr b="0" lang="pt-BR" sz="1800" spc="-1" strike="noStrike">
+              <a:rPr lang="pt-BR" sz="1800" b="0" strike="noStrike" spc="-1" dirty="0" err="1">
                 <a:solidFill>
-                  <a:srgbClr val="01498e"/>
+                  <a:srgbClr val="01498E"/>
                 </a:solidFill>
                 <a:latin typeface="Arial"/>
                 <a:ea typeface="Calibri"/>
               </a:rPr>
-              <a:t>ReuniON (Juan, Gabriel)</a:t>
+              <a:t>FormMaster</a:t>
             </a:r>
-            <a:endParaRPr b="0" lang="pt-BR" sz="1800" spc="-1" strike="noStrike">
-              <a:solidFill>
-                <a:srgbClr val="000000"/>
-              </a:solidFill>
-              <a:latin typeface="Arial"/>
-            </a:endParaRPr>
-          </a:p>
-          <a:p>
-            <a:pPr marL="216000" indent="-216000" algn="just">
-              <a:lnSpc>
-                <a:spcPct val="115000"/>
-              </a:lnSpc>
-              <a:buClr>
-                <a:srgbClr val="000000"/>
-              </a:buClr>
-              <a:buFont typeface="Arial"/>
-              <a:buChar char="●"/>
-            </a:pPr>
-            <a:endParaRPr b="0" lang="pt-BR" sz="1800" spc="-1" strike="noStrike">
-              <a:solidFill>
-                <a:srgbClr val="000000"/>
-              </a:solidFill>
-              <a:latin typeface="Arial"/>
-            </a:endParaRPr>
-          </a:p>
-          <a:p>
-            <a:pPr marL="216000" indent="-216000" algn="just">
-              <a:lnSpc>
-                <a:spcPct val="115000"/>
-              </a:lnSpc>
-              <a:buClr>
-                <a:srgbClr val="000000"/>
-              </a:buClr>
-              <a:buFont typeface="Arial"/>
-              <a:buChar char="●"/>
-            </a:pPr>
             <a:r>
-              <a:rPr b="0" lang="pt-BR" sz="1800" spc="-1" strike="noStrike">
+              <a:rPr lang="pt-BR" sz="1800" b="0" strike="noStrike" spc="-1" dirty="0">
                 <a:solidFill>
-                  <a:srgbClr val="01498e"/>
+                  <a:srgbClr val="01498E"/>
                 </a:solidFill>
                 <a:latin typeface="Arial"/>
                 <a:ea typeface="Calibri"/>
               </a:rPr>
-              <a:t>App.py</a:t>
+              <a:t> (</a:t>
             </a:r>
-            <a:endParaRPr b="0" lang="pt-BR" sz="1800" spc="-1" strike="noStrike">
-              <a:solidFill>
-                <a:srgbClr val="000000"/>
-              </a:solidFill>
-              <a:latin typeface="Arial"/>
-            </a:endParaRPr>
-          </a:p>
-          <a:p>
-            <a:pPr lvl="1" marL="432000" indent="-216000" algn="just">
-              <a:lnSpc>
-                <a:spcPct val="115000"/>
-              </a:lnSpc>
-              <a:buClr>
-                <a:srgbClr val="000000"/>
-              </a:buClr>
-              <a:buSzPct val="45000"/>
-              <a:buFont typeface="Wingdings" charset="2"/>
-              <a:buChar char=""/>
-            </a:pPr>
             <a:r>
-              <a:rPr b="0" lang="pt-BR" sz="1800" spc="-1" strike="noStrike">
+              <a:rPr lang="pt-BR" sz="1800" b="0" strike="noStrike" spc="-1" dirty="0" err="1">
                 <a:solidFill>
-                  <a:srgbClr val="01498e"/>
+                  <a:srgbClr val="01498E"/>
                 </a:solidFill>
                 <a:latin typeface="Arial"/>
                 <a:ea typeface="Calibri"/>
               </a:rPr>
-              <a:t>Explique linha 61</a:t>
+              <a:t>A.Faria</a:t>
             </a:r>
-            <a:endParaRPr b="0" lang="pt-BR" sz="1800" spc="-1" strike="noStrike">
-              <a:solidFill>
-                <a:srgbClr val="000000"/>
-              </a:solidFill>
-              <a:latin typeface="Arial"/>
-            </a:endParaRPr>
-          </a:p>
-          <a:p>
-            <a:pPr lvl="1" marL="432000" indent="-216000" algn="just">
-              <a:lnSpc>
-                <a:spcPct val="115000"/>
-              </a:lnSpc>
-              <a:buClr>
-                <a:srgbClr val="000000"/>
-              </a:buClr>
-              <a:buSzPct val="45000"/>
-              <a:buFont typeface="Wingdings" charset="2"/>
-              <a:buChar char=""/>
-            </a:pPr>
             <a:r>
-              <a:rPr b="0" lang="pt-BR" sz="1800" spc="-1" strike="noStrike">
+              <a:rPr lang="pt-BR" sz="1800" b="0" strike="noStrike" spc="-1" dirty="0">
                 <a:solidFill>
-                  <a:srgbClr val="01498e"/>
+                  <a:srgbClr val="01498E"/>
                 </a:solidFill>
                 <a:latin typeface="Arial"/>
                 <a:ea typeface="Calibri"/>
               </a:rPr>
-              <a:t>Explique linha 130,131</a:t>
+              <a:t>, </a:t>
             </a:r>
-            <a:endParaRPr b="0" lang="pt-BR" sz="1800" spc="-1" strike="noStrike">
-              <a:solidFill>
-                <a:srgbClr val="000000"/>
-              </a:solidFill>
-              <a:latin typeface="Arial"/>
-            </a:endParaRPr>
-          </a:p>
-          <a:p>
-            <a:pPr lvl="1" marL="432000" indent="-216000" algn="just">
-              <a:lnSpc>
-                <a:spcPct val="115000"/>
-              </a:lnSpc>
-              <a:buClr>
-                <a:srgbClr val="000000"/>
-              </a:buClr>
-              <a:buSzPct val="45000"/>
-              <a:buFont typeface="Wingdings" charset="2"/>
-              <a:buChar char=""/>
-            </a:pPr>
-            <a:endParaRPr b="0" lang="pt-BR" sz="1800" spc="-1" strike="noStrike">
-              <a:solidFill>
-                <a:srgbClr val="000000"/>
-              </a:solidFill>
-              <a:latin typeface="Arial"/>
-            </a:endParaRPr>
-          </a:p>
-          <a:p>
-            <a:pPr lvl="1" marL="432000" indent="-216000" algn="just">
-              <a:lnSpc>
-                <a:spcPct val="115000"/>
-              </a:lnSpc>
-              <a:buClr>
-                <a:srgbClr val="000000"/>
-              </a:buClr>
-              <a:buSzPct val="45000"/>
-              <a:buFont typeface="Wingdings" charset="2"/>
-              <a:buChar char=""/>
-            </a:pPr>
-            <a:endParaRPr b="0" lang="pt-BR" sz="1800" spc="-1" strike="noStrike">
-              <a:solidFill>
-                <a:srgbClr val="000000"/>
-              </a:solidFill>
-              <a:latin typeface="Arial"/>
-            </a:endParaRPr>
-          </a:p>
-          <a:p>
-            <a:pPr lvl="1" marL="673200" indent="-216000" algn="just">
+            <a:r>
+              <a:rPr lang="pt-BR" sz="1800" b="0" strike="noStrike" spc="-1" dirty="0" err="1">
+                <a:solidFill>
+                  <a:srgbClr val="01498E"/>
+                </a:solidFill>
+                <a:latin typeface="Arial"/>
+                <a:ea typeface="Calibri"/>
+              </a:rPr>
+              <a:t>A.Souza</a:t>
+            </a:r>
+            <a:r>
+              <a:rPr lang="pt-BR" sz="1800" b="0" strike="noStrike" spc="-1" dirty="0">
+                <a:solidFill>
+                  <a:srgbClr val="01498E"/>
+                </a:solidFill>
+                <a:latin typeface="Arial"/>
+                <a:ea typeface="Calibri"/>
+              </a:rPr>
+              <a:t>, Gustavo, Vagner)</a:t>
+            </a:r>
+            <a:endParaRPr lang="pt-BR" sz="1800" b="0" strike="noStrike" spc="-1" dirty="0">
+              <a:solidFill>
+                <a:srgbClr val="000000"/>
+              </a:solidFill>
+              <a:latin typeface="Arial"/>
+            </a:endParaRPr>
+          </a:p>
+          <a:p>
+            <a:pPr marL="673200" lvl="1" indent="-216000" algn="just">
               <a:lnSpc>
                 <a:spcPct val="115000"/>
               </a:lnSpc>
@@ -7065,7 +7835,132 @@
               <a:buFont typeface="Arial"/>
               <a:buChar char="●"/>
             </a:pPr>
-            <a:endParaRPr b="0" lang="pt-BR" sz="1800" spc="-1" strike="noStrike">
+            <a:r>
+              <a:rPr lang="pt-BR" sz="1800" b="0" strike="noStrike" spc="-1" dirty="0">
+                <a:solidFill>
+                  <a:srgbClr val="01498E"/>
+                </a:solidFill>
+                <a:latin typeface="Arial"/>
+                <a:ea typeface="Calibri"/>
+              </a:rPr>
+              <a:t>Explique linha 1 abaixo</a:t>
+            </a:r>
+            <a:endParaRPr lang="pt-BR" sz="1800" b="0" strike="noStrike" spc="-1" dirty="0">
+              <a:solidFill>
+                <a:srgbClr val="000000"/>
+              </a:solidFill>
+              <a:latin typeface="Arial"/>
+            </a:endParaRPr>
+          </a:p>
+          <a:p>
+            <a:pPr marL="673200" lvl="1" indent="-216000" algn="just">
+              <a:lnSpc>
+                <a:spcPct val="115000"/>
+              </a:lnSpc>
+              <a:buClr>
+                <a:srgbClr val="000000"/>
+              </a:buClr>
+              <a:buFont typeface="Arial"/>
+              <a:buChar char="●"/>
+            </a:pPr>
+            <a:r>
+              <a:rPr lang="pt-BR" sz="1800" b="0" strike="noStrike" spc="-1" dirty="0">
+                <a:solidFill>
+                  <a:srgbClr val="01498E"/>
+                </a:solidFill>
+                <a:latin typeface="Arial"/>
+                <a:ea typeface="Calibri"/>
+              </a:rPr>
+              <a:t>Explique nome do arquivo __init__.py</a:t>
+            </a:r>
+            <a:endParaRPr lang="pt-BR" sz="1800" b="0" strike="noStrike" spc="-1" dirty="0">
+              <a:solidFill>
+                <a:srgbClr val="000000"/>
+              </a:solidFill>
+              <a:latin typeface="Arial"/>
+            </a:endParaRPr>
+          </a:p>
+          <a:p>
+            <a:pPr marL="673200" lvl="1" indent="-216000" algn="just">
+              <a:lnSpc>
+                <a:spcPct val="115000"/>
+              </a:lnSpc>
+              <a:buClr>
+                <a:srgbClr val="000000"/>
+              </a:buClr>
+              <a:buFont typeface="Arial"/>
+              <a:buChar char="●"/>
+            </a:pPr>
+            <a:r>
+              <a:rPr lang="pt-BR" spc="-1" dirty="0">
+                <a:solidFill>
+                  <a:srgbClr val="000000"/>
+                </a:solidFill>
+                <a:latin typeface="Arial"/>
+              </a:rPr>
+              <a:t>Routes.py (linha 9)</a:t>
+            </a:r>
+          </a:p>
+          <a:p>
+            <a:pPr marL="673200" lvl="1" indent="-216000" algn="just">
+              <a:lnSpc>
+                <a:spcPct val="115000"/>
+              </a:lnSpc>
+              <a:buClr>
+                <a:srgbClr val="000000"/>
+              </a:buClr>
+              <a:buFont typeface="Arial"/>
+              <a:buChar char="●"/>
+            </a:pPr>
+            <a:r>
+              <a:rPr lang="pt-BR" spc="-1" dirty="0">
+                <a:solidFill>
+                  <a:srgbClr val="000000"/>
+                </a:solidFill>
+                <a:latin typeface="Arial"/>
+              </a:rPr>
+              <a:t>R</a:t>
+            </a:r>
+            <a:r>
+              <a:rPr lang="pt-BR" sz="1800" b="0" strike="noStrike" spc="-1" dirty="0">
+                <a:solidFill>
+                  <a:srgbClr val="000000"/>
+                </a:solidFill>
+                <a:latin typeface="Arial"/>
+              </a:rPr>
+              <a:t>equirements.txt incompleto</a:t>
+            </a:r>
+          </a:p>
+          <a:p>
+            <a:pPr marL="673200" lvl="1" indent="-216000" algn="just">
+              <a:lnSpc>
+                <a:spcPct val="115000"/>
+              </a:lnSpc>
+              <a:buClr>
+                <a:srgbClr val="000000"/>
+              </a:buClr>
+              <a:buFont typeface="Arial"/>
+              <a:buChar char="●"/>
+            </a:pPr>
+            <a:r>
+              <a:rPr lang="pt-BR" sz="1800" b="0" strike="noStrike" spc="-1" dirty="0">
+                <a:solidFill>
+                  <a:srgbClr val="000000"/>
+                </a:solidFill>
+                <a:latin typeface="Arial"/>
+              </a:rPr>
+              <a:t>Erro ao salvar </a:t>
+            </a:r>
+            <a:r>
+              <a:rPr lang="pt-BR" sz="1800" b="0" strike="noStrike" spc="-1" dirty="0" err="1">
+                <a:solidFill>
+                  <a:srgbClr val="000000"/>
+                </a:solidFill>
+                <a:latin typeface="Arial"/>
+              </a:rPr>
+              <a:t>email</a:t>
+            </a:r>
+            <a:endParaRPr lang="pt-BR" sz="1800" b="0" strike="noStrike" spc="-1" dirty="0">
               <a:solidFill>
                 <a:srgbClr val="000000"/>
               </a:solidFill>
@@ -7078,7 +7973,7 @@
                 <a:spcPct val="115000"/>
               </a:lnSpc>
             </a:pPr>
-            <a:endParaRPr b="0" lang="pt-BR" sz="1800" spc="-1" strike="noStrike">
+            <a:endParaRPr lang="pt-BR" sz="1800" b="0" strike="noStrike" spc="-1" dirty="0">
               <a:solidFill>
                 <a:srgbClr val="000000"/>
               </a:solidFill>
@@ -7091,7 +7986,7 @@
                 <a:spcPct val="115000"/>
               </a:lnSpc>
             </a:pPr>
-            <a:endParaRPr b="0" lang="pt-BR" sz="1800" spc="-1" strike="noStrike">
+            <a:endParaRPr lang="pt-BR" sz="1800" b="0" strike="noStrike" spc="-1" dirty="0">
               <a:solidFill>
                 <a:srgbClr val="000000"/>
               </a:solidFill>
@@ -7104,7 +7999,7 @@
                 <a:spcPct val="115000"/>
               </a:lnSpc>
             </a:pPr>
-            <a:endParaRPr b="0" lang="pt-BR" sz="1800" spc="-1" strike="noStrike">
+            <a:endParaRPr lang="pt-BR" sz="1800" b="0" strike="noStrike" spc="-1" dirty="0">
               <a:solidFill>
                 <a:srgbClr val="000000"/>
               </a:solidFill>
@@ -7117,18 +8012,18 @@
                 <a:spcPct val="115000"/>
               </a:lnSpc>
             </a:pPr>
-            <a:endParaRPr b="0" lang="pt-BR" sz="1800" spc="-1" strike="noStrike">
-              <a:solidFill>
-                <a:srgbClr val="000000"/>
-              </a:solidFill>
-              <a:latin typeface="Arial"/>
-            </a:endParaRPr>
-          </a:p>
-        </p:txBody>
-      </p:sp>
-      <p:sp>
-        <p:nvSpPr>
-          <p:cNvPr id="100" name="Título 3"/>
+            <a:endParaRPr lang="pt-BR" sz="1800" b="0" strike="noStrike" spc="-1" dirty="0">
+              <a:solidFill>
+                <a:srgbClr val="000000"/>
+              </a:solidFill>
+              <a:latin typeface="Arial"/>
+            </a:endParaRPr>
+          </a:p>
+        </p:txBody>
+      </p:sp>
+      <p:sp>
+        <p:nvSpPr>
+          <p:cNvPr id="94" name="Título 2"/>
           <p:cNvSpPr/>
           <p:nvPr/>
         </p:nvSpPr>
@@ -7146,15 +8041,22 @@
           </a:ln>
         </p:spPr>
         <p:style>
-          <a:lnRef idx="0"/>
-          <a:fillRef idx="0"/>
-          <a:effectRef idx="0"/>
+          <a:lnRef idx="0">
+            <a:scrgbClr r="0" g="0" b="0"/>
+          </a:lnRef>
+          <a:fillRef idx="0">
+            <a:scrgbClr r="0" g="0" b="0"/>
+          </a:fillRef>
+          <a:effectRef idx="0">
+            <a:scrgbClr r="0" g="0" b="0"/>
+          </a:effectRef>
           <a:fontRef idx="minor"/>
         </p:style>
         <p:txBody>
-          <a:bodyPr lIns="90000" rIns="90000" tIns="91440" bIns="91440" anchor="t">
+          <a:bodyPr lIns="90000" tIns="91440" rIns="90000" bIns="91440" anchor="t">
             <a:noAutofit/>
           </a:bodyPr>
+          <a:lstStyle/>
           <a:p>
             <a:pPr>
               <a:lnSpc>
@@ -7162,7 +8064,7 @@
               </a:lnSpc>
             </a:pPr>
             <a:r>
-              <a:rPr b="1" lang="pt-BR" sz="5400" spc="-1" strike="noStrike">
+              <a:rPr lang="pt-BR" sz="5400" b="1" strike="noStrike" spc="-1">
                 <a:solidFill>
                   <a:srgbClr val="002060"/>
                 </a:solidFill>
@@ -7171,18 +8073,18 @@
               </a:rPr>
               <a:t>Perguntas</a:t>
             </a:r>
-            <a:endParaRPr b="0" lang="pt-BR" sz="5400" spc="-1" strike="noStrike">
-              <a:solidFill>
-                <a:srgbClr val="000000"/>
-              </a:solidFill>
-              <a:latin typeface="Arial"/>
-            </a:endParaRPr>
-          </a:p>
-        </p:txBody>
-      </p:sp>
-      <p:sp>
-        <p:nvSpPr>
-          <p:cNvPr id="101" name="CaixaDeTexto 7"/>
+            <a:endParaRPr lang="pt-BR" sz="5400" b="0" strike="noStrike" spc="-1">
+              <a:solidFill>
+                <a:srgbClr val="000000"/>
+              </a:solidFill>
+              <a:latin typeface="Arial"/>
+            </a:endParaRPr>
+          </a:p>
+        </p:txBody>
+      </p:sp>
+      <p:sp>
+        <p:nvSpPr>
+          <p:cNvPr id="95" name="CaixaDeTexto 5"/>
           <p:cNvSpPr/>
           <p:nvPr/>
         </p:nvSpPr>
@@ -7200,40 +8102,93 @@
           </a:ln>
         </p:spPr>
         <p:style>
-          <a:lnRef idx="0"/>
-          <a:fillRef idx="0"/>
-          <a:effectRef idx="0"/>
+          <a:lnRef idx="0">
+            <a:scrgbClr r="0" g="0" b="0"/>
+          </a:lnRef>
+          <a:fillRef idx="0">
+            <a:scrgbClr r="0" g="0" b="0"/>
+          </a:fillRef>
+          <a:effectRef idx="0">
+            <a:scrgbClr r="0" g="0" b="0"/>
+          </a:effectRef>
           <a:fontRef idx="minor"/>
         </p:style>
         <p:txBody>
-          <a:bodyPr lIns="90000" rIns="90000" tIns="45000" bIns="45000" anchor="t">
+          <a:bodyPr lIns="90000" tIns="45000" rIns="90000" bIns="45000" anchor="t">
             <a:spAutoFit/>
           </a:bodyPr>
-          <a:p>
-            <a:endParaRPr b="0" lang="pt-BR" sz="1800" spc="-1" strike="noStrike">
-              <a:solidFill>
-                <a:srgbClr val="000000"/>
-              </a:solidFill>
-              <a:latin typeface="Arial"/>
-            </a:endParaRPr>
-          </a:p>
-        </p:txBody>
-      </p:sp>
+          <a:lstStyle/>
+          <a:p>
+            <a:pPr>
+              <a:lnSpc>
+                <a:spcPct val="100000"/>
+              </a:lnSpc>
+            </a:pPr>
+            <a:endParaRPr lang="pt-BR" sz="1800" b="0" strike="noStrike" spc="-1">
+              <a:solidFill>
+                <a:srgbClr val="000000"/>
+              </a:solidFill>
+              <a:latin typeface="Arial"/>
+            </a:endParaRPr>
+          </a:p>
+        </p:txBody>
+      </p:sp>
+      <p:pic>
+        <p:nvPicPr>
+          <p:cNvPr id="96" name="Imagem 95"/>
+          <p:cNvPicPr/>
+          <p:nvPr/>
+        </p:nvPicPr>
+        <p:blipFill>
+          <a:blip r:embed="rId3"/>
+          <a:stretch/>
+        </p:blipFill>
+        <p:spPr>
+          <a:xfrm>
+            <a:off x="0" y="3099960"/>
+            <a:ext cx="4140000" cy="2043720"/>
+          </a:xfrm>
+          <a:prstGeom prst="rect">
+            <a:avLst/>
+          </a:prstGeom>
+          <a:ln w="0">
+            <a:noFill/>
+          </a:ln>
+        </p:spPr>
+      </p:pic>
+      <p:pic>
+        <p:nvPicPr>
+          <p:cNvPr id="97" name="Imagem 96"/>
+          <p:cNvPicPr/>
+          <p:nvPr/>
+        </p:nvPicPr>
+        <p:blipFill>
+          <a:blip r:embed="rId4"/>
+          <a:stretch/>
+        </p:blipFill>
+        <p:spPr>
+          <a:xfrm>
+            <a:off x="4500000" y="1363320"/>
+            <a:ext cx="4719960" cy="3780360"/>
+          </a:xfrm>
+          <a:prstGeom prst="rect">
+            <a:avLst/>
+          </a:prstGeom>
+          <a:ln w="0">
+            <a:noFill/>
+          </a:ln>
+        </p:spPr>
+      </p:pic>
     </p:spTree>
   </p:cSld>
-  <mc:AlternateContent>
-    <mc:Choice Requires="p14">
-      <p:transition spd="slow" p14:dur="2000"/>
-    </mc:Choice>
-    <mc:Fallback>
-      <p:transition spd="slow"/>
-    </mc:Fallback>
-  </mc:AlternateContent>
+  <p:clrMapOvr>
+    <a:masterClrMapping/>
+  </p:clrMapOvr>
 </p:sld>
 </file>
 
 <file path=ppt/slides/slide4.xml><?xml version="1.0" encoding="utf-8"?>
-<p:sld xmlns:a="http://schemas.openxmlformats.org/drawingml/2006/main" xmlns:p="http://schemas.openxmlformats.org/presentationml/2006/main" xmlns:r="http://schemas.openxmlformats.org/officeDocument/2006/relationships" xmlns:p14="http://schemas.microsoft.com/office/powerpoint/2010/main" xmlns:p15="http://schemas.microsoft.com/office/powerpoint/2012/main" xmlns:mc="http://schemas.openxmlformats.org/markup-compatibility/2006">
+<p:sld xmlns:a="http://schemas.openxmlformats.org/drawingml/2006/main" xmlns:r="http://schemas.openxmlformats.org/officeDocument/2006/relationships" xmlns:p="http://schemas.openxmlformats.org/presentationml/2006/main">
   <p:cSld>
     <p:spTree>
       <p:nvGrpSpPr>
@@ -7251,12 +8206,12 @@
       </p:grpSpPr>
       <p:pic>
         <p:nvPicPr>
-          <p:cNvPr id="102" name="Imagem 2" descr=""/>
+          <p:cNvPr id="98" name="Imagem 3"/>
           <p:cNvPicPr/>
           <p:nvPr/>
         </p:nvPicPr>
         <p:blipFill>
-          <a:blip r:embed="rId1"/>
+          <a:blip r:embed="rId2"/>
           <a:stretch/>
         </p:blipFill>
         <p:spPr>
@@ -7274,14 +8229,14 @@
       </p:pic>
       <p:sp>
         <p:nvSpPr>
-          <p:cNvPr id="103" name="CaixaDeTexto 2"/>
+          <p:cNvPr id="99" name="CaixaDeTexto 6"/>
           <p:cNvSpPr/>
           <p:nvPr/>
         </p:nvSpPr>
         <p:spPr>
           <a:xfrm>
             <a:off x="291960" y="1113480"/>
-            <a:ext cx="7448040" cy="2927880"/>
+            <a:ext cx="7448040" cy="4204954"/>
           </a:xfrm>
           <a:prstGeom prst="rect">
             <a:avLst/>
@@ -7292,15 +8247,22 @@
           </a:ln>
         </p:spPr>
         <p:style>
-          <a:lnRef idx="0"/>
-          <a:fillRef idx="0"/>
-          <a:effectRef idx="0"/>
+          <a:lnRef idx="0">
+            <a:scrgbClr r="0" g="0" b="0"/>
+          </a:lnRef>
+          <a:fillRef idx="0">
+            <a:scrgbClr r="0" g="0" b="0"/>
+          </a:fillRef>
+          <a:effectRef idx="0">
+            <a:scrgbClr r="0" g="0" b="0"/>
+          </a:effectRef>
           <a:fontRef idx="minor"/>
         </p:style>
         <p:txBody>
-          <a:bodyPr lIns="90000" rIns="90000" tIns="45000" bIns="45000" anchor="t">
+          <a:bodyPr lIns="90000" tIns="45000" rIns="90000" bIns="45000" anchor="t">
             <a:spAutoFit/>
           </a:bodyPr>
+          <a:lstStyle/>
           <a:p>
             <a:pPr marL="216000" indent="-216000" algn="just">
               <a:lnSpc>
@@ -7313,16 +8275,26 @@
               <a:buChar char="●"/>
             </a:pPr>
             <a:r>
-              <a:rPr b="0" lang="pt-BR" sz="1800" spc="-1" strike="noStrike">
+              <a:rPr lang="pt-BR" sz="1800" b="0" strike="noStrike" spc="-1" dirty="0" err="1">
                 <a:solidFill>
-                  <a:srgbClr val="01498e"/>
+                  <a:srgbClr val="01498E"/>
                 </a:solidFill>
                 <a:latin typeface="Arial"/>
                 <a:ea typeface="Calibri"/>
               </a:rPr>
-              <a:t>RPG Center(Victor, Romulo, Alexandre)</a:t>
+              <a:t>ReuniON</a:t>
             </a:r>
-            <a:endParaRPr b="0" lang="pt-BR" sz="1800" spc="-1" strike="noStrike">
+            <a:r>
+              <a:rPr lang="pt-BR" sz="1800" b="0" strike="noStrike" spc="-1" dirty="0">
+                <a:solidFill>
+                  <a:srgbClr val="01498E"/>
+                </a:solidFill>
+                <a:latin typeface="Arial"/>
+                <a:ea typeface="Calibri"/>
+              </a:rPr>
+              <a:t> (Juan, Gabriel)</a:t>
+            </a:r>
+            <a:endParaRPr lang="pt-BR" sz="1800" b="0" strike="noStrike" spc="-1" dirty="0">
               <a:solidFill>
                 <a:srgbClr val="000000"/>
               </a:solidFill>
@@ -7340,25 +8312,43 @@
               <a:buFont typeface="Arial"/>
               <a:buChar char="●"/>
             </a:pPr>
+            <a:endParaRPr lang="pt-BR" sz="1800" b="0" strike="noStrike" spc="-1" dirty="0">
+              <a:solidFill>
+                <a:srgbClr val="000000"/>
+              </a:solidFill>
+              <a:latin typeface="Arial"/>
+            </a:endParaRPr>
+          </a:p>
+          <a:p>
+            <a:pPr marL="216000" indent="-216000" algn="just">
+              <a:lnSpc>
+                <a:spcPct val="115000"/>
+              </a:lnSpc>
+              <a:buClr>
+                <a:srgbClr val="000000"/>
+              </a:buClr>
+              <a:buFont typeface="Arial"/>
+              <a:buChar char="●"/>
+            </a:pPr>
             <a:r>
-              <a:rPr b="0" lang="pt-BR" sz="1800" spc="-1" strike="noStrike">
+              <a:rPr lang="pt-BR" sz="1800" b="0" strike="noStrike" spc="-1" dirty="0">
                 <a:solidFill>
-                  <a:srgbClr val="01498e"/>
+                  <a:srgbClr val="01498E"/>
                 </a:solidFill>
                 <a:latin typeface="Arial"/>
                 <a:ea typeface="Calibri"/>
               </a:rPr>
               <a:t>App.py</a:t>
             </a:r>
-            <a:endParaRPr b="0" lang="pt-BR" sz="1800" spc="-1" strike="noStrike">
-              <a:solidFill>
-                <a:srgbClr val="000000"/>
-              </a:solidFill>
-              <a:latin typeface="Arial"/>
-            </a:endParaRPr>
-          </a:p>
-          <a:p>
-            <a:pPr lvl="1" marL="432000" indent="-216000" algn="just">
+            <a:endParaRPr lang="pt-BR" sz="1800" b="0" strike="noStrike" spc="-1" dirty="0">
+              <a:solidFill>
+                <a:srgbClr val="000000"/>
+              </a:solidFill>
+              <a:latin typeface="Arial"/>
+            </a:endParaRPr>
+          </a:p>
+          <a:p>
+            <a:pPr marL="432000" lvl="1" indent="-216000" algn="just">
               <a:lnSpc>
                 <a:spcPct val="115000"/>
               </a:lnSpc>
@@ -7370,24 +8360,24 @@
               <a:buChar char=""/>
             </a:pPr>
             <a:r>
-              <a:rPr b="0" lang="pt-BR" sz="1800" spc="-1" strike="noStrike">
+              <a:rPr lang="pt-BR" sz="1800" b="0" strike="noStrike" spc="-1" dirty="0">
                 <a:solidFill>
-                  <a:srgbClr val="01498e"/>
+                  <a:srgbClr val="01498E"/>
                 </a:solidFill>
                 <a:latin typeface="Arial"/>
                 <a:ea typeface="Calibri"/>
               </a:rPr>
-              <a:t>Linha 37 / 213 (diferença?)</a:t>
+              <a:t>Explique linha 61</a:t>
             </a:r>
-            <a:endParaRPr b="0" lang="pt-BR" sz="1800" spc="-1" strike="noStrike">
-              <a:solidFill>
-                <a:srgbClr val="000000"/>
-              </a:solidFill>
-              <a:latin typeface="Arial"/>
-            </a:endParaRPr>
-          </a:p>
-          <a:p>
-            <a:pPr lvl="1" marL="432000" indent="-216000" algn="just">
+            <a:endParaRPr lang="pt-BR" sz="1800" b="0" strike="noStrike" spc="-1" dirty="0">
+              <a:solidFill>
+                <a:srgbClr val="000000"/>
+              </a:solidFill>
+              <a:latin typeface="Arial"/>
+            </a:endParaRPr>
+          </a:p>
+          <a:p>
+            <a:pPr marL="432000" lvl="1" indent="-216000" algn="just">
               <a:lnSpc>
                 <a:spcPct val="115000"/>
               </a:lnSpc>
@@ -7399,24 +8389,18 @@
               <a:buChar char=""/>
             </a:pPr>
             <a:r>
-              <a:rPr b="0" lang="pt-BR" sz="1800" spc="-1" strike="noStrike">
+              <a:rPr lang="pt-BR" sz="1800" b="0" strike="noStrike" spc="-1" dirty="0">
                 <a:solidFill>
-                  <a:srgbClr val="01498e"/>
+                  <a:srgbClr val="01498E"/>
                 </a:solidFill>
                 <a:latin typeface="Arial"/>
                 <a:ea typeface="Calibri"/>
               </a:rPr>
-              <a:t>Identação linha 198</a:t>
+              <a:t>Explique linha 130,131</a:t>
             </a:r>
-            <a:endParaRPr b="0" lang="pt-BR" sz="1800" spc="-1" strike="noStrike">
-              <a:solidFill>
-                <a:srgbClr val="000000"/>
-              </a:solidFill>
-              <a:latin typeface="Arial"/>
-            </a:endParaRPr>
-          </a:p>
-          <a:p>
-            <a:pPr lvl="1" marL="432000" indent="-216000" algn="just">
+          </a:p>
+          <a:p>
+            <a:pPr marL="432000" lvl="1" indent="-216000" algn="just">
               <a:lnSpc>
                 <a:spcPct val="115000"/>
               </a:lnSpc>
@@ -7428,16 +8412,72 @@
               <a:buChar char=""/>
             </a:pPr>
             <a:r>
-              <a:rPr b="0" lang="pt-BR" sz="1800" spc="-1" strike="noStrike">
+              <a:rPr lang="pt-BR" spc="-1" dirty="0">
                 <a:solidFill>
-                  <a:srgbClr val="01498e"/>
+                  <a:srgbClr val="01498E"/>
                 </a:solidFill>
                 <a:latin typeface="Arial"/>
                 <a:ea typeface="Calibri"/>
               </a:rPr>
-              <a:t>Linha 243</a:t>
+              <a:t>Explique linha 186</a:t>
             </a:r>
-            <a:endParaRPr b="0" lang="pt-BR" sz="1800" spc="-1" strike="noStrike">
+            <a:endParaRPr lang="pt-BR" sz="1800" b="0" strike="noStrike" spc="-1" dirty="0">
+              <a:solidFill>
+                <a:srgbClr val="000000"/>
+              </a:solidFill>
+              <a:latin typeface="Arial"/>
+            </a:endParaRPr>
+          </a:p>
+          <a:p>
+            <a:pPr marL="432000" lvl="1" indent="-216000" algn="just">
+              <a:lnSpc>
+                <a:spcPct val="115000"/>
+              </a:lnSpc>
+              <a:buClr>
+                <a:srgbClr val="000000"/>
+              </a:buClr>
+              <a:buSzPct val="45000"/>
+              <a:buFont typeface="Wingdings" charset="2"/>
+              <a:buChar char=""/>
+            </a:pPr>
+            <a:endParaRPr lang="pt-BR" sz="1800" b="0" strike="noStrike" spc="-1" dirty="0">
+              <a:solidFill>
+                <a:srgbClr val="000000"/>
+              </a:solidFill>
+              <a:latin typeface="Arial"/>
+            </a:endParaRPr>
+          </a:p>
+          <a:p>
+            <a:pPr marL="432000" lvl="1" indent="-216000" algn="just">
+              <a:lnSpc>
+                <a:spcPct val="115000"/>
+              </a:lnSpc>
+              <a:buClr>
+                <a:srgbClr val="000000"/>
+              </a:buClr>
+              <a:buSzPct val="45000"/>
+              <a:buFont typeface="Wingdings" charset="2"/>
+              <a:buChar char=""/>
+            </a:pPr>
+            <a:endParaRPr lang="pt-BR" sz="1800" b="0" strike="noStrike" spc="-1" dirty="0">
+              <a:solidFill>
+                <a:srgbClr val="000000"/>
+              </a:solidFill>
+              <a:latin typeface="Arial"/>
+            </a:endParaRPr>
+          </a:p>
+          <a:p>
+            <a:pPr marL="673200" lvl="1" indent="-216000" algn="just">
+              <a:lnSpc>
+                <a:spcPct val="115000"/>
+              </a:lnSpc>
+              <a:buClr>
+                <a:srgbClr val="000000"/>
+              </a:buClr>
+              <a:buFont typeface="Arial"/>
+              <a:buChar char="●"/>
+            </a:pPr>
+            <a:endParaRPr lang="pt-BR" sz="1800" b="0" strike="noStrike" spc="-1" dirty="0">
               <a:solidFill>
                 <a:srgbClr val="000000"/>
               </a:solidFill>
@@ -7450,7 +8490,7 @@
                 <a:spcPct val="115000"/>
               </a:lnSpc>
             </a:pPr>
-            <a:endParaRPr b="0" lang="pt-BR" sz="1800" spc="-1" strike="noStrike">
+            <a:endParaRPr lang="pt-BR" sz="1800" b="0" strike="noStrike" spc="-1" dirty="0">
               <a:solidFill>
                 <a:srgbClr val="000000"/>
               </a:solidFill>
@@ -7463,7 +8503,7 @@
                 <a:spcPct val="115000"/>
               </a:lnSpc>
             </a:pPr>
-            <a:endParaRPr b="0" lang="pt-BR" sz="1800" spc="-1" strike="noStrike">
+            <a:endParaRPr lang="pt-BR" sz="1800" b="0" strike="noStrike" spc="-1" dirty="0">
               <a:solidFill>
                 <a:srgbClr val="000000"/>
               </a:solidFill>
@@ -7476,7 +8516,7 @@
                 <a:spcPct val="115000"/>
               </a:lnSpc>
             </a:pPr>
-            <a:endParaRPr b="0" lang="pt-BR" sz="1800" spc="-1" strike="noStrike">
+            <a:endParaRPr lang="pt-BR" sz="1800" b="0" strike="noStrike" spc="-1" dirty="0">
               <a:solidFill>
                 <a:srgbClr val="000000"/>
               </a:solidFill>
@@ -7489,18 +8529,18 @@
                 <a:spcPct val="115000"/>
               </a:lnSpc>
             </a:pPr>
-            <a:endParaRPr b="0" lang="pt-BR" sz="1800" spc="-1" strike="noStrike">
-              <a:solidFill>
-                <a:srgbClr val="000000"/>
-              </a:solidFill>
-              <a:latin typeface="Arial"/>
-            </a:endParaRPr>
-          </a:p>
-        </p:txBody>
-      </p:sp>
-      <p:sp>
-        <p:nvSpPr>
-          <p:cNvPr id="104" name="Título 1"/>
+            <a:endParaRPr lang="pt-BR" sz="1800" b="0" strike="noStrike" spc="-1" dirty="0">
+              <a:solidFill>
+                <a:srgbClr val="000000"/>
+              </a:solidFill>
+              <a:latin typeface="Arial"/>
+            </a:endParaRPr>
+          </a:p>
+        </p:txBody>
+      </p:sp>
+      <p:sp>
+        <p:nvSpPr>
+          <p:cNvPr id="100" name="Título 3"/>
           <p:cNvSpPr/>
           <p:nvPr/>
         </p:nvSpPr>
@@ -7518,15 +8558,22 @@
           </a:ln>
         </p:spPr>
         <p:style>
-          <a:lnRef idx="0"/>
-          <a:fillRef idx="0"/>
-          <a:effectRef idx="0"/>
+          <a:lnRef idx="0">
+            <a:scrgbClr r="0" g="0" b="0"/>
+          </a:lnRef>
+          <a:fillRef idx="0">
+            <a:scrgbClr r="0" g="0" b="0"/>
+          </a:fillRef>
+          <a:effectRef idx="0">
+            <a:scrgbClr r="0" g="0" b="0"/>
+          </a:effectRef>
           <a:fontRef idx="minor"/>
         </p:style>
         <p:txBody>
-          <a:bodyPr lIns="90000" rIns="90000" tIns="91440" bIns="91440" anchor="t">
+          <a:bodyPr lIns="90000" tIns="91440" rIns="90000" bIns="91440" anchor="t">
             <a:noAutofit/>
           </a:bodyPr>
+          <a:lstStyle/>
           <a:p>
             <a:pPr>
               <a:lnSpc>
@@ -7534,7 +8581,7 @@
               </a:lnSpc>
             </a:pPr>
             <a:r>
-              <a:rPr b="1" lang="pt-BR" sz="5400" spc="-1" strike="noStrike">
+              <a:rPr lang="pt-BR" sz="5400" b="1" strike="noStrike" spc="-1">
                 <a:solidFill>
                   <a:srgbClr val="002060"/>
                 </a:solidFill>
@@ -7543,18 +8590,18 @@
               </a:rPr>
               <a:t>Perguntas</a:t>
             </a:r>
-            <a:endParaRPr b="0" lang="pt-BR" sz="5400" spc="-1" strike="noStrike">
-              <a:solidFill>
-                <a:srgbClr val="000000"/>
-              </a:solidFill>
-              <a:latin typeface="Arial"/>
-            </a:endParaRPr>
-          </a:p>
-        </p:txBody>
-      </p:sp>
-      <p:sp>
-        <p:nvSpPr>
-          <p:cNvPr id="105" name="CaixaDeTexto 3"/>
+            <a:endParaRPr lang="pt-BR" sz="5400" b="0" strike="noStrike" spc="-1">
+              <a:solidFill>
+                <a:srgbClr val="000000"/>
+              </a:solidFill>
+              <a:latin typeface="Arial"/>
+            </a:endParaRPr>
+          </a:p>
+        </p:txBody>
+      </p:sp>
+      <p:sp>
+        <p:nvSpPr>
+          <p:cNvPr id="101" name="CaixaDeTexto 7"/>
           <p:cNvSpPr/>
           <p:nvPr/>
         </p:nvSpPr>
@@ -7572,17 +8619,24 @@
           </a:ln>
         </p:spPr>
         <p:style>
-          <a:lnRef idx="0"/>
-          <a:fillRef idx="0"/>
-          <a:effectRef idx="0"/>
+          <a:lnRef idx="0">
+            <a:scrgbClr r="0" g="0" b="0"/>
+          </a:lnRef>
+          <a:fillRef idx="0">
+            <a:scrgbClr r="0" g="0" b="0"/>
+          </a:fillRef>
+          <a:effectRef idx="0">
+            <a:scrgbClr r="0" g="0" b="0"/>
+          </a:effectRef>
           <a:fontRef idx="minor"/>
         </p:style>
         <p:txBody>
-          <a:bodyPr lIns="90000" rIns="90000" tIns="45000" bIns="45000" anchor="t">
+          <a:bodyPr lIns="90000" tIns="45000" rIns="90000" bIns="45000" anchor="t">
             <a:spAutoFit/>
           </a:bodyPr>
-          <a:p>
-            <a:endParaRPr b="0" lang="pt-BR" sz="1800" spc="-1" strike="noStrike">
+          <a:lstStyle/>
+          <a:p>
+            <a:endParaRPr lang="pt-BR" sz="1800" b="0" strike="noStrike" spc="-1">
               <a:solidFill>
                 <a:srgbClr val="000000"/>
               </a:solidFill>
@@ -7593,19 +8647,267 @@
       </p:sp>
     </p:spTree>
   </p:cSld>
-  <mc:AlternateContent>
-    <mc:Choice Requires="p14">
-      <p:transition spd="slow" p14:dur="2000"/>
-    </mc:Choice>
-    <mc:Fallback>
-      <p:transition spd="slow"/>
-    </mc:Fallback>
-  </mc:AlternateContent>
+  <p:clrMapOvr>
+    <a:masterClrMapping/>
+  </p:clrMapOvr>
 </p:sld>
 </file>
 
 <file path=ppt/slides/slide5.xml><?xml version="1.0" encoding="utf-8"?>
-<p:sld xmlns:a="http://schemas.openxmlformats.org/drawingml/2006/main" xmlns:p="http://schemas.openxmlformats.org/presentationml/2006/main" xmlns:r="http://schemas.openxmlformats.org/officeDocument/2006/relationships" xmlns:p14="http://schemas.microsoft.com/office/powerpoint/2010/main" xmlns:p15="http://schemas.microsoft.com/office/powerpoint/2012/main" xmlns:mc="http://schemas.openxmlformats.org/markup-compatibility/2006">
+<p:sld xmlns:a="http://schemas.openxmlformats.org/drawingml/2006/main" xmlns:r="http://schemas.openxmlformats.org/officeDocument/2006/relationships" xmlns:p="http://schemas.openxmlformats.org/presentationml/2006/main">
+  <p:cSld>
+    <p:spTree>
+      <p:nvGrpSpPr>
+        <p:cNvPr id="1" name="">
+          <a:extLst>
+            <a:ext uri="{FF2B5EF4-FFF2-40B4-BE49-F238E27FC236}">
+              <a16:creationId xmlns:a16="http://schemas.microsoft.com/office/drawing/2014/main" id="{7B914E3C-CB3A-8B86-BC51-3A48DDF081A3}"/>
+            </a:ext>
+          </a:extLst>
+        </p:cNvPr>
+        <p:cNvGrpSpPr/>
+        <p:nvPr/>
+      </p:nvGrpSpPr>
+      <p:grpSpPr>
+        <a:xfrm>
+          <a:off x="0" y="0"/>
+          <a:ext cx="0" cy="0"/>
+          <a:chOff x="0" y="0"/>
+          <a:chExt cx="0" cy="0"/>
+        </a:xfrm>
+      </p:grpSpPr>
+      <p:pic>
+        <p:nvPicPr>
+          <p:cNvPr id="106" name="Imagem 27">
+            <a:extLst>
+              <a:ext uri="{FF2B5EF4-FFF2-40B4-BE49-F238E27FC236}">
+                <a16:creationId xmlns:a16="http://schemas.microsoft.com/office/drawing/2014/main" id="{078ECA94-A377-EA01-BC7F-D574D745FC62}"/>
+              </a:ext>
+            </a:extLst>
+          </p:cNvPr>
+          <p:cNvPicPr/>
+          <p:nvPr/>
+        </p:nvPicPr>
+        <p:blipFill>
+          <a:blip r:embed="rId2"/>
+          <a:stretch/>
+        </p:blipFill>
+        <p:spPr>
+          <a:xfrm rot="5400000">
+            <a:off x="7669800" y="801000"/>
+            <a:ext cx="2971080" cy="3195000"/>
+          </a:xfrm>
+          <a:prstGeom prst="rect">
+            <a:avLst/>
+          </a:prstGeom>
+          <a:ln w="0">
+            <a:noFill/>
+          </a:ln>
+        </p:spPr>
+      </p:pic>
+      <p:sp>
+        <p:nvSpPr>
+          <p:cNvPr id="107" name="CaixaDeTexto 19">
+            <a:extLst>
+              <a:ext uri="{FF2B5EF4-FFF2-40B4-BE49-F238E27FC236}">
+                <a16:creationId xmlns:a16="http://schemas.microsoft.com/office/drawing/2014/main" id="{BF3BECF7-C73A-11E3-2DAA-741B1CAC888E}"/>
+              </a:ext>
+            </a:extLst>
+          </p:cNvPr>
+          <p:cNvSpPr/>
+          <p:nvPr/>
+        </p:nvSpPr>
+        <p:spPr>
+          <a:xfrm>
+            <a:off x="291960" y="1113480"/>
+            <a:ext cx="7448040" cy="1338015"/>
+          </a:xfrm>
+          <a:prstGeom prst="rect">
+            <a:avLst/>
+          </a:prstGeom>
+          <a:noFill/>
+          <a:ln w="0">
+            <a:noFill/>
+          </a:ln>
+        </p:spPr>
+        <p:style>
+          <a:lnRef idx="0">
+            <a:scrgbClr r="0" g="0" b="0"/>
+          </a:lnRef>
+          <a:fillRef idx="0">
+            <a:scrgbClr r="0" g="0" b="0"/>
+          </a:fillRef>
+          <a:effectRef idx="0">
+            <a:scrgbClr r="0" g="0" b="0"/>
+          </a:effectRef>
+          <a:fontRef idx="minor"/>
+        </p:style>
+        <p:txBody>
+          <a:bodyPr lIns="90000" tIns="45000" rIns="90000" bIns="45000" anchor="t">
+            <a:spAutoFit/>
+          </a:bodyPr>
+          <a:lstStyle/>
+          <a:p>
+            <a:pPr marL="216000" indent="-216000" algn="just">
+              <a:lnSpc>
+                <a:spcPct val="115000"/>
+              </a:lnSpc>
+              <a:buClr>
+                <a:srgbClr val="000000"/>
+              </a:buClr>
+              <a:buFont typeface="Arial"/>
+              <a:buChar char="●"/>
+            </a:pPr>
+            <a:r>
+              <a:rPr lang="pt-BR" spc="-1" dirty="0">
+                <a:solidFill>
+                  <a:srgbClr val="01498E"/>
+                </a:solidFill>
+                <a:latin typeface="Arial"/>
+                <a:ea typeface="Calibri"/>
+              </a:rPr>
+              <a:t>Vamos converter o nosso app para um banco de dados </a:t>
+            </a:r>
+            <a:r>
+              <a:rPr lang="pt-BR" spc="-1" dirty="0" err="1">
+                <a:solidFill>
+                  <a:srgbClr val="01498E"/>
+                </a:solidFill>
+                <a:latin typeface="Arial"/>
+                <a:ea typeface="Calibri"/>
+              </a:rPr>
+              <a:t>mysql</a:t>
+            </a:r>
+            <a:endParaRPr lang="pt-BR" sz="1800" b="0" strike="noStrike" spc="-1" dirty="0">
+              <a:solidFill>
+                <a:srgbClr val="000000"/>
+              </a:solidFill>
+              <a:latin typeface="Arial"/>
+            </a:endParaRPr>
+          </a:p>
+          <a:p>
+            <a:pPr algn="just">
+              <a:lnSpc>
+                <a:spcPct val="115000"/>
+              </a:lnSpc>
+            </a:pPr>
+            <a:endParaRPr lang="pt-BR" sz="1800" b="0" strike="noStrike" spc="-1" dirty="0">
+              <a:solidFill>
+                <a:srgbClr val="000000"/>
+              </a:solidFill>
+              <a:latin typeface="Arial"/>
+            </a:endParaRPr>
+          </a:p>
+          <a:p>
+            <a:pPr marL="216000" algn="just">
+              <a:lnSpc>
+                <a:spcPct val="115000"/>
+              </a:lnSpc>
+            </a:pPr>
+            <a:endParaRPr lang="pt-BR" sz="1800" b="0" strike="noStrike" spc="-1" dirty="0">
+              <a:solidFill>
+                <a:srgbClr val="000000"/>
+              </a:solidFill>
+              <a:latin typeface="Arial"/>
+            </a:endParaRPr>
+          </a:p>
+          <a:p>
+            <a:pPr marL="216000" algn="just">
+              <a:lnSpc>
+                <a:spcPct val="115000"/>
+              </a:lnSpc>
+            </a:pPr>
+            <a:endParaRPr lang="pt-BR" sz="1800" b="0" strike="noStrike" spc="-1" dirty="0">
+              <a:solidFill>
+                <a:srgbClr val="000000"/>
+              </a:solidFill>
+              <a:latin typeface="Arial"/>
+            </a:endParaRPr>
+          </a:p>
+        </p:txBody>
+      </p:sp>
+      <p:sp>
+        <p:nvSpPr>
+          <p:cNvPr id="108" name="Título 21">
+            <a:extLst>
+              <a:ext uri="{FF2B5EF4-FFF2-40B4-BE49-F238E27FC236}">
+                <a16:creationId xmlns:a16="http://schemas.microsoft.com/office/drawing/2014/main" id="{CAB68C9A-A806-876A-E005-A4BFE2717E5B}"/>
+              </a:ext>
+            </a:extLst>
+          </p:cNvPr>
+          <p:cNvSpPr/>
+          <p:nvPr/>
+        </p:nvSpPr>
+        <p:spPr>
+          <a:xfrm>
+            <a:off x="291960" y="32040"/>
+            <a:ext cx="5584680" cy="897120"/>
+          </a:xfrm>
+          <a:prstGeom prst="rect">
+            <a:avLst/>
+          </a:prstGeom>
+          <a:noFill/>
+          <a:ln w="0">
+            <a:noFill/>
+          </a:ln>
+        </p:spPr>
+        <p:style>
+          <a:lnRef idx="0">
+            <a:scrgbClr r="0" g="0" b="0"/>
+          </a:lnRef>
+          <a:fillRef idx="0">
+            <a:scrgbClr r="0" g="0" b="0"/>
+          </a:fillRef>
+          <a:effectRef idx="0">
+            <a:scrgbClr r="0" g="0" b="0"/>
+          </a:effectRef>
+          <a:fontRef idx="minor"/>
+        </p:style>
+        <p:txBody>
+          <a:bodyPr lIns="90000" tIns="91440" rIns="90000" bIns="91440" anchor="t">
+            <a:noAutofit/>
+          </a:bodyPr>
+          <a:lstStyle/>
+          <a:p>
+            <a:pPr>
+              <a:lnSpc>
+                <a:spcPct val="100000"/>
+              </a:lnSpc>
+            </a:pPr>
+            <a:r>
+              <a:rPr lang="pt-BR" sz="5400" b="1" strike="noStrike" spc="-1">
+                <a:solidFill>
+                  <a:srgbClr val="002060"/>
+                </a:solidFill>
+                <a:latin typeface="Overpass"/>
+                <a:ea typeface="Overpass"/>
+              </a:rPr>
+              <a:t>Let’s Work</a:t>
+            </a:r>
+            <a:endParaRPr lang="pt-BR" sz="5400" b="0" strike="noStrike" spc="-1">
+              <a:solidFill>
+                <a:srgbClr val="000000"/>
+              </a:solidFill>
+              <a:latin typeface="Arial"/>
+            </a:endParaRPr>
+          </a:p>
+        </p:txBody>
+      </p:sp>
+    </p:spTree>
+    <p:extLst>
+      <p:ext uri="{BB962C8B-B14F-4D97-AF65-F5344CB8AC3E}">
+        <p14:creationId xmlns:p14="http://schemas.microsoft.com/office/powerpoint/2010/main" val="4107264939"/>
+      </p:ext>
+    </p:extLst>
+  </p:cSld>
+  <p:clrMapOvr>
+    <a:masterClrMapping/>
+  </p:clrMapOvr>
+</p:sld>
+</file>
+
+<file path=ppt/slides/slide6.xml><?xml version="1.0" encoding="utf-8"?>
+<p:sld xmlns:a="http://schemas.openxmlformats.org/drawingml/2006/main" xmlns:r="http://schemas.openxmlformats.org/officeDocument/2006/relationships" xmlns:p="http://schemas.openxmlformats.org/presentationml/2006/main">
   <p:cSld>
     <p:spTree>
       <p:nvGrpSpPr>
@@ -7623,19 +8925,14 @@
       </p:grpSpPr>
     </p:spTree>
   </p:cSld>
-  <mc:AlternateContent>
-    <mc:Choice Requires="p14">
-      <p:transition spd="slow" p14:dur="2000"/>
-    </mc:Choice>
-    <mc:Fallback>
-      <p:transition spd="slow"/>
-    </mc:Fallback>
-  </mc:AlternateContent>
+  <p:clrMapOvr>
+    <a:masterClrMapping/>
+  </p:clrMapOvr>
 </p:sld>
 </file>
 
-<file path=ppt/slides/slide6.xml><?xml version="1.0" encoding="utf-8"?>
-<p:sld xmlns:a="http://schemas.openxmlformats.org/drawingml/2006/main" xmlns:p="http://schemas.openxmlformats.org/presentationml/2006/main" xmlns:r="http://schemas.openxmlformats.org/officeDocument/2006/relationships" xmlns:p14="http://schemas.microsoft.com/office/powerpoint/2010/main" xmlns:p15="http://schemas.microsoft.com/office/powerpoint/2012/main" xmlns:mc="http://schemas.openxmlformats.org/markup-compatibility/2006">
+<file path=ppt/slides/slide7.xml><?xml version="1.0" encoding="utf-8"?>
+<p:sld xmlns:a="http://schemas.openxmlformats.org/drawingml/2006/main" xmlns:r="http://schemas.openxmlformats.org/officeDocument/2006/relationships" xmlns:p="http://schemas.openxmlformats.org/presentationml/2006/main">
   <p:cSld>
     <p:spTree>
       <p:nvGrpSpPr>
@@ -7653,12 +8950,12 @@
       </p:grpSpPr>
       <p:pic>
         <p:nvPicPr>
-          <p:cNvPr id="106" name="Imagem 27" descr=""/>
+          <p:cNvPr id="106" name="Imagem 27"/>
           <p:cNvPicPr/>
           <p:nvPr/>
         </p:nvPicPr>
         <p:blipFill>
-          <a:blip r:embed="rId1"/>
+          <a:blip r:embed="rId2"/>
           <a:stretch/>
         </p:blipFill>
         <p:spPr>
@@ -7694,15 +8991,22 @@
           </a:ln>
         </p:spPr>
         <p:style>
-          <a:lnRef idx="0"/>
-          <a:fillRef idx="0"/>
-          <a:effectRef idx="0"/>
+          <a:lnRef idx="0">
+            <a:scrgbClr r="0" g="0" b="0"/>
+          </a:lnRef>
+          <a:fillRef idx="0">
+            <a:scrgbClr r="0" g="0" b="0"/>
+          </a:fillRef>
+          <a:effectRef idx="0">
+            <a:scrgbClr r="0" g="0" b="0"/>
+          </a:effectRef>
           <a:fontRef idx="minor"/>
         </p:style>
         <p:txBody>
-          <a:bodyPr lIns="90000" rIns="90000" tIns="45000" bIns="45000" anchor="t">
+          <a:bodyPr lIns="90000" tIns="45000" rIns="90000" bIns="45000" anchor="t">
             <a:spAutoFit/>
           </a:bodyPr>
+          <a:lstStyle/>
           <a:p>
             <a:pPr marL="216000" indent="-216000" algn="just">
               <a:lnSpc>
@@ -7715,24 +9019,24 @@
               <a:buChar char="●"/>
             </a:pPr>
             <a:r>
-              <a:rPr b="0" lang="pt-BR" sz="1800" spc="-1" strike="noStrike">
+              <a:rPr lang="pt-BR" sz="1800" b="0" strike="noStrike" spc="-1">
                 <a:solidFill>
-                  <a:srgbClr val="01498e"/>
+                  <a:srgbClr val="01498E"/>
                 </a:solidFill>
                 <a:latin typeface="Arial"/>
                 <a:ea typeface="Calibri"/>
               </a:rPr>
               <a:t>Continuação do trabalho, grupos:</a:t>
             </a:r>
-            <a:endParaRPr b="0" lang="pt-BR" sz="1800" spc="-1" strike="noStrike">
-              <a:solidFill>
-                <a:srgbClr val="000000"/>
-              </a:solidFill>
-              <a:latin typeface="Arial"/>
-            </a:endParaRPr>
-          </a:p>
-          <a:p>
-            <a:pPr lvl="1" marL="673200" indent="-216000" algn="just">
+            <a:endParaRPr lang="pt-BR" sz="1800" b="0" strike="noStrike" spc="-1">
+              <a:solidFill>
+                <a:srgbClr val="000000"/>
+              </a:solidFill>
+              <a:latin typeface="Arial"/>
+            </a:endParaRPr>
+          </a:p>
+          <a:p>
+            <a:pPr marL="673200" lvl="1" indent="-216000" algn="just">
               <a:lnSpc>
                 <a:spcPct val="115000"/>
               </a:lnSpc>
@@ -7743,24 +9047,24 @@
               <a:buChar char="●"/>
             </a:pPr>
             <a:r>
-              <a:rPr b="0" lang="pt-BR" sz="1800" spc="-1" strike="noStrike">
+              <a:rPr lang="pt-BR" sz="1800" b="0" strike="noStrike" spc="-1">
                 <a:solidFill>
-                  <a:srgbClr val="01498e"/>
+                  <a:srgbClr val="01498E"/>
                 </a:solidFill>
                 <a:latin typeface="Arial"/>
                 <a:ea typeface="Calibri"/>
               </a:rPr>
               <a:t>FormMaster (A.Faria, A.Souza, Gustavo, Vagner)</a:t>
             </a:r>
-            <a:endParaRPr b="0" lang="pt-BR" sz="1800" spc="-1" strike="noStrike">
-              <a:solidFill>
-                <a:srgbClr val="000000"/>
-              </a:solidFill>
-              <a:latin typeface="Arial"/>
-            </a:endParaRPr>
-          </a:p>
-          <a:p>
-            <a:pPr lvl="2" marL="1130400" indent="-216000" algn="just">
+            <a:endParaRPr lang="pt-BR" sz="1800" b="0" strike="noStrike" spc="-1">
+              <a:solidFill>
+                <a:srgbClr val="000000"/>
+              </a:solidFill>
+              <a:latin typeface="Arial"/>
+            </a:endParaRPr>
+          </a:p>
+          <a:p>
+            <a:pPr marL="1130400" lvl="2" indent="-216000" algn="just">
               <a:lnSpc>
                 <a:spcPct val="115000"/>
               </a:lnSpc>
@@ -7771,24 +9075,24 @@
               <a:buChar char="●"/>
             </a:pPr>
             <a:r>
-              <a:rPr b="0" lang="pt-BR" sz="1800" spc="-1" strike="noStrike">
+              <a:rPr lang="pt-BR" sz="1800" b="0" strike="noStrike" spc="-1">
                 <a:solidFill>
-                  <a:srgbClr val="01498e"/>
+                  <a:srgbClr val="01498E"/>
                 </a:solidFill>
                 <a:latin typeface="Arial"/>
                 <a:ea typeface="Calibri"/>
               </a:rPr>
               <a:t>Demanda RH / Redução retrabalho / Controle / Escalabilidade</a:t>
             </a:r>
-            <a:endParaRPr b="0" lang="pt-BR" sz="1800" spc="-1" strike="noStrike">
-              <a:solidFill>
-                <a:srgbClr val="000000"/>
-              </a:solidFill>
-              <a:latin typeface="Arial"/>
-            </a:endParaRPr>
-          </a:p>
-          <a:p>
-            <a:pPr lvl="1" marL="673200" indent="-216000" algn="just">
+            <a:endParaRPr lang="pt-BR" sz="1800" b="0" strike="noStrike" spc="-1">
+              <a:solidFill>
+                <a:srgbClr val="000000"/>
+              </a:solidFill>
+              <a:latin typeface="Arial"/>
+            </a:endParaRPr>
+          </a:p>
+          <a:p>
+            <a:pPr marL="673200" lvl="1" indent="-216000" algn="just">
               <a:lnSpc>
                 <a:spcPct val="115000"/>
               </a:lnSpc>
@@ -7799,24 +9103,24 @@
               <a:buChar char="●"/>
             </a:pPr>
             <a:r>
-              <a:rPr b="0" lang="pt-BR" sz="1800" spc="-1" strike="noStrike">
+              <a:rPr lang="pt-BR" sz="1800" b="0" strike="noStrike" spc="-1">
                 <a:solidFill>
-                  <a:srgbClr val="01498e"/>
+                  <a:srgbClr val="01498E"/>
                 </a:solidFill>
                 <a:latin typeface="Arial"/>
                 <a:ea typeface="Calibri"/>
               </a:rPr>
               <a:t>ReuniON (Juan, Gabriel)</a:t>
             </a:r>
-            <a:endParaRPr b="0" lang="pt-BR" sz="1800" spc="-1" strike="noStrike">
-              <a:solidFill>
-                <a:srgbClr val="000000"/>
-              </a:solidFill>
-              <a:latin typeface="Arial"/>
-            </a:endParaRPr>
-          </a:p>
-          <a:p>
-            <a:pPr lvl="2" marL="1130400" indent="-216000" algn="just">
+            <a:endParaRPr lang="pt-BR" sz="1800" b="0" strike="noStrike" spc="-1">
+              <a:solidFill>
+                <a:srgbClr val="000000"/>
+              </a:solidFill>
+              <a:latin typeface="Arial"/>
+            </a:endParaRPr>
+          </a:p>
+          <a:p>
+            <a:pPr marL="1130400" lvl="2" indent="-216000" algn="just">
               <a:lnSpc>
                 <a:spcPct val="115000"/>
               </a:lnSpc>
@@ -7827,24 +9131,24 @@
               <a:buChar char="●"/>
             </a:pPr>
             <a:r>
-              <a:rPr b="0" lang="pt-BR" sz="1800" spc="-1" strike="noStrike">
+              <a:rPr lang="pt-BR" sz="1800" b="0" strike="noStrike" spc="-1">
                 <a:solidFill>
-                  <a:srgbClr val="01498e"/>
+                  <a:srgbClr val="01498E"/>
                 </a:solidFill>
                 <a:latin typeface="Arial"/>
                 <a:ea typeface="Calibri"/>
               </a:rPr>
               <a:t>Reuniões / Eventos / Compromissos / Agenda</a:t>
             </a:r>
-            <a:endParaRPr b="0" lang="pt-BR" sz="1800" spc="-1" strike="noStrike">
-              <a:solidFill>
-                <a:srgbClr val="000000"/>
-              </a:solidFill>
-              <a:latin typeface="Arial"/>
-            </a:endParaRPr>
-          </a:p>
-          <a:p>
-            <a:pPr lvl="1" marL="673200" indent="-216000" algn="just">
+            <a:endParaRPr lang="pt-BR" sz="1800" b="0" strike="noStrike" spc="-1">
+              <a:solidFill>
+                <a:srgbClr val="000000"/>
+              </a:solidFill>
+              <a:latin typeface="Arial"/>
+            </a:endParaRPr>
+          </a:p>
+          <a:p>
+            <a:pPr marL="673200" lvl="1" indent="-216000" algn="just">
               <a:lnSpc>
                 <a:spcPct val="115000"/>
               </a:lnSpc>
@@ -7855,24 +9159,24 @@
               <a:buChar char="●"/>
             </a:pPr>
             <a:r>
-              <a:rPr b="0" lang="pt-BR" sz="1800" spc="-1" strike="noStrike">
+              <a:rPr lang="pt-BR" sz="1800" b="0" strike="noStrike" spc="-1">
                 <a:solidFill>
-                  <a:srgbClr val="01498e"/>
+                  <a:srgbClr val="01498E"/>
                 </a:solidFill>
                 <a:latin typeface="Arial"/>
                 <a:ea typeface="Calibri"/>
               </a:rPr>
               <a:t>RPG Center(Victor, Romulo, Alexandre)</a:t>
             </a:r>
-            <a:endParaRPr b="0" lang="pt-BR" sz="1800" spc="-1" strike="noStrike">
-              <a:solidFill>
-                <a:srgbClr val="000000"/>
-              </a:solidFill>
-              <a:latin typeface="Arial"/>
-            </a:endParaRPr>
-          </a:p>
-          <a:p>
-            <a:pPr lvl="2" marL="1130400" indent="-216000" algn="just">
+            <a:endParaRPr lang="pt-BR" sz="1800" b="0" strike="noStrike" spc="-1">
+              <a:solidFill>
+                <a:srgbClr val="000000"/>
+              </a:solidFill>
+              <a:latin typeface="Arial"/>
+            </a:endParaRPr>
+          </a:p>
+          <a:p>
+            <a:pPr marL="1130400" lvl="2" indent="-216000" algn="just">
               <a:lnSpc>
                 <a:spcPct val="115000"/>
               </a:lnSpc>
@@ -7883,16 +9187,16 @@
               <a:buChar char="●"/>
             </a:pPr>
             <a:r>
-              <a:rPr b="0" lang="pt-BR" sz="1800" spc="-1" strike="noStrike">
+              <a:rPr lang="pt-BR" sz="1800" b="0" strike="noStrike" spc="-1">
                 <a:solidFill>
-                  <a:srgbClr val="01498e"/>
+                  <a:srgbClr val="01498E"/>
                 </a:solidFill>
                 <a:latin typeface="Arial"/>
                 <a:ea typeface="Calibri"/>
               </a:rPr>
               <a:t>Solução para Jogos de Mesa RPG / Salvamento partida para c. posterior / Simplicidade / Rolar dado</a:t>
             </a:r>
-            <a:endParaRPr b="0" lang="pt-BR" sz="1800" spc="-1" strike="noStrike">
+            <a:endParaRPr lang="pt-BR" sz="1800" b="0" strike="noStrike" spc="-1">
               <a:solidFill>
                 <a:srgbClr val="000000"/>
               </a:solidFill>
@@ -7905,7 +9209,7 @@
                 <a:spcPct val="115000"/>
               </a:lnSpc>
             </a:pPr>
-            <a:endParaRPr b="0" lang="pt-BR" sz="1800" spc="-1" strike="noStrike">
+            <a:endParaRPr lang="pt-BR" sz="1800" b="0" strike="noStrike" spc="-1">
               <a:solidFill>
                 <a:srgbClr val="000000"/>
               </a:solidFill>
@@ -7918,7 +9222,7 @@
                 <a:spcPct val="115000"/>
               </a:lnSpc>
             </a:pPr>
-            <a:endParaRPr b="0" lang="pt-BR" sz="1800" spc="-1" strike="noStrike">
+            <a:endParaRPr lang="pt-BR" sz="1800" b="0" strike="noStrike" spc="-1">
               <a:solidFill>
                 <a:srgbClr val="000000"/>
               </a:solidFill>
@@ -7931,7 +9235,7 @@
                 <a:spcPct val="115000"/>
               </a:lnSpc>
             </a:pPr>
-            <a:endParaRPr b="0" lang="pt-BR" sz="1800" spc="-1" strike="noStrike">
+            <a:endParaRPr lang="pt-BR" sz="1800" b="0" strike="noStrike" spc="-1">
               <a:solidFill>
                 <a:srgbClr val="000000"/>
               </a:solidFill>
@@ -7944,7 +9248,7 @@
                 <a:spcPct val="115000"/>
               </a:lnSpc>
             </a:pPr>
-            <a:endParaRPr b="0" lang="pt-BR" sz="1800" spc="-1" strike="noStrike">
+            <a:endParaRPr lang="pt-BR" sz="1800" b="0" strike="noStrike" spc="-1">
               <a:solidFill>
                 <a:srgbClr val="000000"/>
               </a:solidFill>
@@ -7973,15 +9277,22 @@
           </a:ln>
         </p:spPr>
         <p:style>
-          <a:lnRef idx="0"/>
-          <a:fillRef idx="0"/>
-          <a:effectRef idx="0"/>
+          <a:lnRef idx="0">
+            <a:scrgbClr r="0" g="0" b="0"/>
+          </a:lnRef>
+          <a:fillRef idx="0">
+            <a:scrgbClr r="0" g="0" b="0"/>
+          </a:fillRef>
+          <a:effectRef idx="0">
+            <a:scrgbClr r="0" g="0" b="0"/>
+          </a:effectRef>
           <a:fontRef idx="minor"/>
         </p:style>
         <p:txBody>
-          <a:bodyPr lIns="90000" rIns="90000" tIns="91440" bIns="91440" anchor="t">
+          <a:bodyPr lIns="90000" tIns="91440" rIns="90000" bIns="91440" anchor="t">
             <a:noAutofit/>
           </a:bodyPr>
+          <a:lstStyle/>
           <a:p>
             <a:pPr>
               <a:lnSpc>
@@ -7989,7 +9300,7 @@
               </a:lnSpc>
             </a:pPr>
             <a:r>
-              <a:rPr b="1" lang="pt-BR" sz="5400" spc="-1" strike="noStrike">
+              <a:rPr lang="pt-BR" sz="5400" b="1" strike="noStrike" spc="-1">
                 <a:solidFill>
                   <a:srgbClr val="002060"/>
                 </a:solidFill>
@@ -7998,7 +9309,7 @@
               </a:rPr>
               <a:t>Let’s Work</a:t>
             </a:r>
-            <a:endParaRPr b="0" lang="pt-BR" sz="5400" spc="-1" strike="noStrike">
+            <a:endParaRPr lang="pt-BR" sz="5400" b="0" strike="noStrike" spc="-1">
               <a:solidFill>
                 <a:srgbClr val="000000"/>
               </a:solidFill>
@@ -8027,15 +9338,22 @@
           </a:ln>
         </p:spPr>
         <p:style>
-          <a:lnRef idx="0"/>
-          <a:fillRef idx="0"/>
-          <a:effectRef idx="0"/>
+          <a:lnRef idx="0">
+            <a:scrgbClr r="0" g="0" b="0"/>
+          </a:lnRef>
+          <a:fillRef idx="0">
+            <a:scrgbClr r="0" g="0" b="0"/>
+          </a:fillRef>
+          <a:effectRef idx="0">
+            <a:scrgbClr r="0" g="0" b="0"/>
+          </a:effectRef>
           <a:fontRef idx="minor"/>
         </p:style>
         <p:txBody>
-          <a:bodyPr lIns="90000" rIns="90000" tIns="45000" bIns="45000" anchor="t">
+          <a:bodyPr lIns="90000" tIns="45000" rIns="90000" bIns="45000" anchor="t">
             <a:spAutoFit/>
           </a:bodyPr>
+          <a:lstStyle/>
           <a:p>
             <a:pPr>
               <a:lnSpc>
@@ -8043,16 +9361,16 @@
               </a:lnSpc>
             </a:pPr>
             <a:r>
-              <a:rPr b="0" lang="pt-BR" sz="1800" spc="-1" strike="noStrike">
+              <a:rPr lang="pt-BR" sz="1800" b="0" strike="noStrike" spc="-1">
                 <a:solidFill>
-                  <a:srgbClr val="ff0000"/>
+                  <a:srgbClr val="FF0000"/>
                 </a:solidFill>
                 <a:latin typeface="Arial"/>
                 <a:ea typeface="DejaVu Sans"/>
               </a:rPr>
               <a:t>Quem quiser colaborar diretamente no repo da sala, foi liberado commit para todos, atenção para criar um diretório para o grupo e commitar modificações somente na pasta entregas</a:t>
             </a:r>
-            <a:endParaRPr b="0" lang="pt-BR" sz="1800" spc="-1" strike="noStrike">
+            <a:endParaRPr lang="pt-BR" sz="1800" b="0" strike="noStrike" spc="-1">
               <a:solidFill>
                 <a:srgbClr val="000000"/>
               </a:solidFill>
@@ -8063,19 +9381,14 @@
       </p:sp>
     </p:spTree>
   </p:cSld>
-  <mc:AlternateContent>
-    <mc:Choice Requires="p14">
-      <p:transition spd="slow" p14:dur="2000"/>
-    </mc:Choice>
-    <mc:Fallback>
-      <p:transition spd="slow"/>
-    </mc:Fallback>
-  </mc:AlternateContent>
+  <p:clrMapOvr>
+    <a:masterClrMapping/>
+  </p:clrMapOvr>
 </p:sld>
 </file>
 
-<file path=ppt/slides/slide7.xml><?xml version="1.0" encoding="utf-8"?>
-<p:sld xmlns:a="http://schemas.openxmlformats.org/drawingml/2006/main" xmlns:p="http://schemas.openxmlformats.org/presentationml/2006/main" xmlns:r="http://schemas.openxmlformats.org/officeDocument/2006/relationships" xmlns:p14="http://schemas.microsoft.com/office/powerpoint/2010/main" xmlns:p15="http://schemas.microsoft.com/office/powerpoint/2012/main" xmlns:mc="http://schemas.openxmlformats.org/markup-compatibility/2006">
+<file path=ppt/slides/slide8.xml><?xml version="1.0" encoding="utf-8"?>
+<p:sld xmlns:a="http://schemas.openxmlformats.org/drawingml/2006/main" xmlns:r="http://schemas.openxmlformats.org/officeDocument/2006/relationships" xmlns:p="http://schemas.openxmlformats.org/presentationml/2006/main">
   <p:cSld>
     <p:spTree>
       <p:nvGrpSpPr>
@@ -8093,19 +9406,14 @@
       </p:grpSpPr>
     </p:spTree>
   </p:cSld>
-  <mc:AlternateContent>
-    <mc:Choice Requires="p14">
-      <p:transition spd="slow" p14:dur="2000"/>
-    </mc:Choice>
-    <mc:Fallback>
-      <p:transition spd="slow"/>
-    </mc:Fallback>
-  </mc:AlternateContent>
+  <p:clrMapOvr>
+    <a:masterClrMapping/>
+  </p:clrMapOvr>
 </p:sld>
 </file>
 
-<file path=ppt/slides/slide8.xml><?xml version="1.0" encoding="utf-8"?>
-<p:sld xmlns:a="http://schemas.openxmlformats.org/drawingml/2006/main" xmlns:p="http://schemas.openxmlformats.org/presentationml/2006/main" xmlns:r="http://schemas.openxmlformats.org/officeDocument/2006/relationships" xmlns:p14="http://schemas.microsoft.com/office/powerpoint/2010/main" xmlns:p15="http://schemas.microsoft.com/office/powerpoint/2012/main" xmlns:mc="http://schemas.openxmlformats.org/markup-compatibility/2006">
+<file path=ppt/slides/slide9.xml><?xml version="1.0" encoding="utf-8"?>
+<p:sld xmlns:a="http://schemas.openxmlformats.org/drawingml/2006/main" xmlns:r="http://schemas.openxmlformats.org/officeDocument/2006/relationships" xmlns:p="http://schemas.openxmlformats.org/presentationml/2006/main">
   <p:cSld>
     <p:spTree>
       <p:nvGrpSpPr>
@@ -8123,44 +9431,9 @@
       </p:grpSpPr>
     </p:spTree>
   </p:cSld>
-  <mc:AlternateContent>
-    <mc:Choice Requires="p14">
-      <p:transition spd="slow" p14:dur="2000"/>
-    </mc:Choice>
-    <mc:Fallback>
-      <p:transition spd="slow"/>
-    </mc:Fallback>
-  </mc:AlternateContent>
-</p:sld>
-</file>
-
-<file path=ppt/slides/slide9.xml><?xml version="1.0" encoding="utf-8"?>
-<p:sld xmlns:a="http://schemas.openxmlformats.org/drawingml/2006/main" xmlns:p="http://schemas.openxmlformats.org/presentationml/2006/main" xmlns:r="http://schemas.openxmlformats.org/officeDocument/2006/relationships" xmlns:p14="http://schemas.microsoft.com/office/powerpoint/2010/main" xmlns:p15="http://schemas.microsoft.com/office/powerpoint/2012/main" xmlns:mc="http://schemas.openxmlformats.org/markup-compatibility/2006">
-  <p:cSld>
-    <p:spTree>
-      <p:nvGrpSpPr>
-        <p:cNvPr id="1" name=""/>
-        <p:cNvGrpSpPr/>
-        <p:nvPr/>
-      </p:nvGrpSpPr>
-      <p:grpSpPr>
-        <a:xfrm>
-          <a:off x="0" y="0"/>
-          <a:ext cx="0" cy="0"/>
-          <a:chOff x="0" y="0"/>
-          <a:chExt cx="0" cy="0"/>
-        </a:xfrm>
-      </p:grpSpPr>
-    </p:spTree>
-  </p:cSld>
-  <mc:AlternateContent>
-    <mc:Choice Requires="p14">
-      <p:transition spd="slow" p14:dur="2000"/>
-    </mc:Choice>
-    <mc:Fallback>
-      <p:transition spd="slow"/>
-    </mc:Fallback>
-  </mc:AlternateContent>
+  <p:clrMapOvr>
+    <a:masterClrMapping/>
+  </p:clrMapOvr>
 </p:sld>
 </file>
 
@@ -8172,37 +9445,37 @@
         <a:srgbClr val="000000"/>
       </a:dk1>
       <a:lt1>
-        <a:srgbClr val="ffffff"/>
+        <a:srgbClr val="FFFFFF"/>
       </a:lt1>
       <a:dk2>
-        <a:srgbClr val="39302a"/>
+        <a:srgbClr val="39302A"/>
       </a:dk2>
       <a:lt2>
-        <a:srgbClr val="e5dedb"/>
+        <a:srgbClr val="E5DEDB"/>
       </a:lt2>
       <a:accent1>
-        <a:srgbClr val="ffca08"/>
+        <a:srgbClr val="FFCA08"/>
       </a:accent1>
       <a:accent2>
-        <a:srgbClr val="f8931d"/>
+        <a:srgbClr val="F8931D"/>
       </a:accent2>
       <a:accent3>
-        <a:srgbClr val="ce8d3e"/>
+        <a:srgbClr val="CE8D3E"/>
       </a:accent3>
       <a:accent4>
-        <a:srgbClr val="ec7016"/>
+        <a:srgbClr val="EC7016"/>
       </a:accent4>
       <a:accent5>
-        <a:srgbClr val="e64823"/>
+        <a:srgbClr val="E64823"/>
       </a:accent5>
       <a:accent6>
-        <a:srgbClr val="9c6a6a"/>
+        <a:srgbClr val="9C6A6A"/>
       </a:accent6>
       <a:hlink>
-        <a:srgbClr val="2998e3"/>
+        <a:srgbClr val="2998E3"/>
       </a:hlink>
       <a:folHlink>
-        <a:srgbClr val="7f723d"/>
+        <a:srgbClr val="7F723D"/>
       </a:folHlink>
     </a:clrScheme>
     <a:fontScheme name="Office">
@@ -8364,6 +9637,8 @@
       </a:bgFillStyleLst>
     </a:fmtScheme>
   </a:themeElements>
+  <a:objectDefaults/>
+  <a:extraClrSchemeLst/>
 </a:theme>
 </file>
 
@@ -8375,37 +9650,37 @@
         <a:srgbClr val="000000"/>
       </a:dk1>
       <a:lt1>
-        <a:srgbClr val="ffffff"/>
+        <a:srgbClr val="FFFFFF"/>
       </a:lt1>
       <a:dk2>
-        <a:srgbClr val="39302a"/>
+        <a:srgbClr val="39302A"/>
       </a:dk2>
       <a:lt2>
-        <a:srgbClr val="e5dedb"/>
+        <a:srgbClr val="E5DEDB"/>
       </a:lt2>
       <a:accent1>
-        <a:srgbClr val="ffca08"/>
+        <a:srgbClr val="FFCA08"/>
       </a:accent1>
       <a:accent2>
-        <a:srgbClr val="f8931d"/>
+        <a:srgbClr val="F8931D"/>
       </a:accent2>
       <a:accent3>
-        <a:srgbClr val="ce8d3e"/>
+        <a:srgbClr val="CE8D3E"/>
       </a:accent3>
       <a:accent4>
-        <a:srgbClr val="ec7016"/>
+        <a:srgbClr val="EC7016"/>
       </a:accent4>
       <a:accent5>
-        <a:srgbClr val="e64823"/>
+        <a:srgbClr val="E64823"/>
       </a:accent5>
       <a:accent6>
-        <a:srgbClr val="9c6a6a"/>
+        <a:srgbClr val="9C6A6A"/>
       </a:accent6>
       <a:hlink>
-        <a:srgbClr val="2998e3"/>
+        <a:srgbClr val="2998E3"/>
       </a:hlink>
       <a:folHlink>
-        <a:srgbClr val="7f723d"/>
+        <a:srgbClr val="7F723D"/>
       </a:folHlink>
     </a:clrScheme>
     <a:fontScheme name="Office">
@@ -8567,6 +9842,8 @@
       </a:bgFillStyleLst>
     </a:fmtScheme>
   </a:themeElements>
+  <a:objectDefaults/>
+  <a:extraClrSchemeLst/>
 </a:theme>
 </file>
 
@@ -8581,34 +9858,34 @@
         <a:sysClr val="window" lastClr="FFFFFF"/>
       </a:lt1>
       <a:dk2>
-        <a:srgbClr val="39302a"/>
+        <a:srgbClr val="39302A"/>
       </a:dk2>
       <a:lt2>
-        <a:srgbClr val="e5dedb"/>
+        <a:srgbClr val="E5DEDB"/>
       </a:lt2>
       <a:accent1>
-        <a:srgbClr val="ffca08"/>
+        <a:srgbClr val="FFCA08"/>
       </a:accent1>
       <a:accent2>
-        <a:srgbClr val="f8931d"/>
+        <a:srgbClr val="F8931D"/>
       </a:accent2>
       <a:accent3>
-        <a:srgbClr val="ce8d3e"/>
+        <a:srgbClr val="CE8D3E"/>
       </a:accent3>
       <a:accent4>
-        <a:srgbClr val="ec7016"/>
+        <a:srgbClr val="EC7016"/>
       </a:accent4>
       <a:accent5>
-        <a:srgbClr val="e64823"/>
+        <a:srgbClr val="E64823"/>
       </a:accent5>
       <a:accent6>
-        <a:srgbClr val="9c6a6a"/>
+        <a:srgbClr val="9C6A6A"/>
       </a:accent6>
       <a:hlink>
-        <a:srgbClr val="2998e3"/>
+        <a:srgbClr val="2998E3"/>
       </a:hlink>
       <a:folHlink>
-        <a:srgbClr val="7f723d"/>
+        <a:srgbClr val="7F723D"/>
       </a:folHlink>
     </a:clrScheme>
     <a:fontScheme name="Office">
@@ -8770,5 +10047,7 @@
       </a:bgFillStyleLst>
     </a:fmtScheme>
   </a:themeElements>
+  <a:objectDefaults/>
+  <a:extraClrSchemeLst/>
 </a:theme>
 </file>